--- a/Wk09 ppt presentation.pptx
+++ b/Wk09 ppt presentation.pptx
@@ -5,22 +5,25 @@
     <p:sldMasterId id="2147483648" r:id="rId4"/>
   </p:sldMasterIdLst>
   <p:notesMasterIdLst>
-    <p:notesMasterId r:id="rId18"/>
+    <p:notesMasterId r:id="rId21"/>
   </p:notesMasterIdLst>
   <p:sldIdLst>
     <p:sldId id="284" r:id="rId5"/>
     <p:sldId id="285" r:id="rId6"/>
-    <p:sldId id="257" r:id="rId7"/>
-    <p:sldId id="271" r:id="rId8"/>
-    <p:sldId id="276" r:id="rId9"/>
-    <p:sldId id="282" r:id="rId10"/>
-    <p:sldId id="277" r:id="rId11"/>
-    <p:sldId id="278" r:id="rId12"/>
-    <p:sldId id="279" r:id="rId13"/>
-    <p:sldId id="280" r:id="rId14"/>
-    <p:sldId id="281" r:id="rId15"/>
-    <p:sldId id="283" r:id="rId16"/>
-    <p:sldId id="275" r:id="rId17"/>
+    <p:sldId id="256" r:id="rId7"/>
+    <p:sldId id="286" r:id="rId8"/>
+    <p:sldId id="257" r:id="rId9"/>
+    <p:sldId id="271" r:id="rId10"/>
+    <p:sldId id="276" r:id="rId11"/>
+    <p:sldId id="282" r:id="rId12"/>
+    <p:sldId id="287" r:id="rId13"/>
+    <p:sldId id="279" r:id="rId14"/>
+    <p:sldId id="277" r:id="rId15"/>
+    <p:sldId id="278" r:id="rId16"/>
+    <p:sldId id="280" r:id="rId17"/>
+    <p:sldId id="281" r:id="rId18"/>
+    <p:sldId id="283" r:id="rId19"/>
+    <p:sldId id="275" r:id="rId20"/>
   </p:sldIdLst>
   <p:sldSz cx="12192000" cy="6858000"/>
   <p:notesSz cx="6858000" cy="9144000"/>
@@ -486,6 +489,93 @@
     </a:lvl9pPr>
   </p:notesStyle>
 </p:notesMaster>
+</file>
+
+<file path=ppt/notesSlides/notesSlide1.xml><?xml version="1.0" encoding="utf-8"?>
+<p:notes xmlns:a="http://schemas.openxmlformats.org/drawingml/2006/main" xmlns:r="http://schemas.openxmlformats.org/officeDocument/2006/relationships" xmlns:p="http://schemas.openxmlformats.org/presentationml/2006/main">
+  <p:cSld>
+    <p:spTree>
+      <p:nvGrpSpPr>
+        <p:cNvPr id="1" name=""/>
+        <p:cNvGrpSpPr/>
+        <p:nvPr/>
+      </p:nvGrpSpPr>
+      <p:grpSpPr>
+        <a:xfrm>
+          <a:off x="0" y="0"/>
+          <a:ext cx="0" cy="0"/>
+          <a:chOff x="0" y="0"/>
+          <a:chExt cx="0" cy="0"/>
+        </a:xfrm>
+      </p:grpSpPr>
+      <p:sp>
+        <p:nvSpPr>
+          <p:cNvPr id="2" name="Slide Image Placeholder 1"/>
+          <p:cNvSpPr>
+            <a:spLocks noGrp="1" noRot="1" noChangeAspect="1"/>
+          </p:cNvSpPr>
+          <p:nvPr>
+            <p:ph type="sldImg"/>
+          </p:nvPr>
+        </p:nvSpPr>
+        <p:spPr/>
+      </p:sp>
+      <p:sp>
+        <p:nvSpPr>
+          <p:cNvPr id="3" name="Notes Placeholder 2"/>
+          <p:cNvSpPr>
+            <a:spLocks noGrp="1"/>
+          </p:cNvSpPr>
+          <p:nvPr>
+            <p:ph type="body" idx="1"/>
+          </p:nvPr>
+        </p:nvSpPr>
+        <p:spPr/>
+        <p:txBody>
+          <a:bodyPr/>
+          <a:lstStyle/>
+          <a:p>
+            <a:r>
+              <a:rPr lang="en-US" dirty="0"/>
+              <a:t>Gini = 0.5 means equal distribution of the sample. </a:t>
+            </a:r>
+          </a:p>
+        </p:txBody>
+      </p:sp>
+      <p:sp>
+        <p:nvSpPr>
+          <p:cNvPr id="4" name="Slide Number Placeholder 3"/>
+          <p:cNvSpPr>
+            <a:spLocks noGrp="1"/>
+          </p:cNvSpPr>
+          <p:nvPr>
+            <p:ph type="sldNum" sz="quarter" idx="5"/>
+          </p:nvPr>
+        </p:nvSpPr>
+        <p:spPr/>
+        <p:txBody>
+          <a:bodyPr/>
+          <a:lstStyle/>
+          <a:p>
+            <a:fld id="{F97DC217-DF71-1A49-B3EA-559F1F43B0FF}" type="slidenum">
+              <a:rPr lang="en-US" smtClean="0"/>
+              <a:t>10</a:t>
+            </a:fld>
+            <a:endParaRPr lang="en-US" dirty="0"/>
+          </a:p>
+        </p:txBody>
+      </p:sp>
+    </p:spTree>
+    <p:extLst>
+      <p:ext uri="{BB962C8B-B14F-4D97-AF65-F5344CB8AC3E}">
+        <p14:creationId xmlns:p14="http://schemas.microsoft.com/office/powerpoint/2010/main" val="2696514711"/>
+      </p:ext>
+    </p:extLst>
+  </p:cSld>
+  <p:clrMapOvr>
+    <a:masterClrMapping/>
+  </p:clrMapOvr>
+</p:notes>
 </file>
 
 <file path=ppt/slideLayouts/slideLayout1.xml><?xml version="1.0" encoding="utf-8"?>
@@ -5248,6 +5338,119 @@
 </p:sldLayout>
 </file>
 
+<file path=ppt/slideLayouts/slideLayout14.xml><?xml version="1.0" encoding="utf-8"?>
+<p:sldLayout xmlns:a="http://schemas.openxmlformats.org/drawingml/2006/main" xmlns:r="http://schemas.openxmlformats.org/officeDocument/2006/relationships" xmlns:p="http://schemas.openxmlformats.org/presentationml/2006/main" type="blank">
+  <p:cSld name="Blank">
+    <p:spTree>
+      <p:nvGrpSpPr>
+        <p:cNvPr id="1" name=""/>
+        <p:cNvGrpSpPr/>
+        <p:nvPr/>
+      </p:nvGrpSpPr>
+      <p:grpSpPr>
+        <a:xfrm>
+          <a:off x="0" y="0"/>
+          <a:ext cx="0" cy="0"/>
+          <a:chOff x="0" y="0"/>
+          <a:chExt cx="0" cy="0"/>
+        </a:xfrm>
+      </p:grpSpPr>
+      <p:sp>
+        <p:nvSpPr>
+          <p:cNvPr id="2" name="Date Placeholder 1">
+            <a:extLst>
+              <a:ext uri="{FF2B5EF4-FFF2-40B4-BE49-F238E27FC236}">
+                <a16:creationId xmlns:a16="http://schemas.microsoft.com/office/drawing/2014/main" id="{A9E63D6E-8CA5-A3E3-362C-1C14F200C052}"/>
+              </a:ext>
+            </a:extLst>
+          </p:cNvPr>
+          <p:cNvSpPr>
+            <a:spLocks noGrp="1"/>
+          </p:cNvSpPr>
+          <p:nvPr>
+            <p:ph type="dt" sz="half" idx="10"/>
+          </p:nvPr>
+        </p:nvSpPr>
+        <p:spPr/>
+        <p:txBody>
+          <a:bodyPr/>
+          <a:lstStyle/>
+          <a:p>
+            <a:fld id="{56EDB76F-3951-4380-BFB0-896DCCF64FA9}" type="datetimeFigureOut">
+              <a:rPr lang="en-US" smtClean="0"/>
+              <a:t>2023-04-30</a:t>
+            </a:fld>
+            <a:endParaRPr lang="en-US"/>
+          </a:p>
+        </p:txBody>
+      </p:sp>
+      <p:sp>
+        <p:nvSpPr>
+          <p:cNvPr id="3" name="Footer Placeholder 2">
+            <a:extLst>
+              <a:ext uri="{FF2B5EF4-FFF2-40B4-BE49-F238E27FC236}">
+                <a16:creationId xmlns:a16="http://schemas.microsoft.com/office/drawing/2014/main" id="{B53DDC27-82C7-BAA0-5AAE-61D3CC0AAD8A}"/>
+              </a:ext>
+            </a:extLst>
+          </p:cNvPr>
+          <p:cNvSpPr>
+            <a:spLocks noGrp="1"/>
+          </p:cNvSpPr>
+          <p:nvPr>
+            <p:ph type="ftr" sz="quarter" idx="11"/>
+          </p:nvPr>
+        </p:nvSpPr>
+        <p:spPr/>
+        <p:txBody>
+          <a:bodyPr/>
+          <a:lstStyle/>
+          <a:p>
+            <a:endParaRPr lang="en-US"/>
+          </a:p>
+        </p:txBody>
+      </p:sp>
+      <p:sp>
+        <p:nvSpPr>
+          <p:cNvPr id="4" name="Slide Number Placeholder 3">
+            <a:extLst>
+              <a:ext uri="{FF2B5EF4-FFF2-40B4-BE49-F238E27FC236}">
+                <a16:creationId xmlns:a16="http://schemas.microsoft.com/office/drawing/2014/main" id="{354837BA-A66E-143E-D103-88B30F4AF45D}"/>
+              </a:ext>
+            </a:extLst>
+          </p:cNvPr>
+          <p:cNvSpPr>
+            <a:spLocks noGrp="1"/>
+          </p:cNvSpPr>
+          <p:nvPr>
+            <p:ph type="sldNum" sz="quarter" idx="12"/>
+          </p:nvPr>
+        </p:nvSpPr>
+        <p:spPr/>
+        <p:txBody>
+          <a:bodyPr/>
+          <a:lstStyle/>
+          <a:p>
+            <a:fld id="{70F19B30-09A9-4314-836E-9D3D1A5C734E}" type="slidenum">
+              <a:rPr lang="en-US" smtClean="0"/>
+              <a:t>‹#›</a:t>
+            </a:fld>
+            <a:endParaRPr lang="en-US"/>
+          </a:p>
+        </p:txBody>
+      </p:sp>
+    </p:spTree>
+    <p:extLst>
+      <p:ext uri="{BB962C8B-B14F-4D97-AF65-F5344CB8AC3E}">
+        <p14:creationId xmlns:p14="http://schemas.microsoft.com/office/powerpoint/2010/main" val="64011475"/>
+      </p:ext>
+    </p:extLst>
+  </p:cSld>
+  <p:clrMapOvr>
+    <a:masterClrMapping/>
+  </p:clrMapOvr>
+</p:sldLayout>
+</file>
+
 <file path=ppt/slideLayouts/slideLayout2.xml><?xml version="1.0" encoding="utf-8"?>
 <p:sldLayout xmlns:a="http://schemas.openxmlformats.org/drawingml/2006/main" xmlns:r="http://schemas.openxmlformats.org/officeDocument/2006/relationships" xmlns:p="http://schemas.openxmlformats.org/presentationml/2006/main" type="obj" preserve="1">
   <p:cSld name="Title and Content">
@@ -12499,6 +12702,7 @@
     <p:sldLayoutId id="2147483664" r:id="rId11"/>
     <p:sldLayoutId id="2147483665" r:id="rId12"/>
     <p:sldLayoutId id="2147483666" r:id="rId13"/>
+    <p:sldLayoutId id="2147483667" r:id="rId14"/>
   </p:sldLayoutIdLst>
   <p:hf hdr="0"/>
   <p:txStyles>
@@ -12903,7 +13107,12 @@
             <p:ph type="title"/>
           </p:nvPr>
         </p:nvSpPr>
-        <p:spPr/>
+        <p:spPr>
+          <a:xfrm>
+            <a:off x="1167492" y="381000"/>
+            <a:ext cx="9779183" cy="1440766"/>
+          </a:xfrm>
+        </p:spPr>
         <p:txBody>
           <a:bodyPr/>
           <a:lstStyle/>
@@ -12940,7 +13149,7 @@
             <a:pPr algn="ctr"/>
             <a:r>
               <a:rPr lang="en-US" i="1" dirty="0"/>
-              <a:t>What do you want for dinner?</a:t>
+              <a:t>“What do you want for dinner?”</a:t>
             </a:r>
           </a:p>
           <a:p>
@@ -13061,8 +13270,8 @@
         </p:nvSpPr>
         <p:spPr>
           <a:xfrm>
-            <a:off x="841802" y="136525"/>
-            <a:ext cx="4564796" cy="738673"/>
+            <a:off x="1167492" y="381000"/>
+            <a:ext cx="9779183" cy="738673"/>
           </a:xfrm>
         </p:spPr>
         <p:txBody>
@@ -13071,7 +13280,111 @@
           <a:p>
             <a:r>
               <a:rPr lang="en-US" dirty="0"/>
-              <a:t>Key Terms cont.</a:t>
+              <a:t>Key Terms</a:t>
+            </a:r>
+          </a:p>
+        </p:txBody>
+      </p:sp>
+      <p:sp>
+        <p:nvSpPr>
+          <p:cNvPr id="3" name="Content Placeholder 2">
+            <a:extLst>
+              <a:ext uri="{FF2B5EF4-FFF2-40B4-BE49-F238E27FC236}">
+                <a16:creationId xmlns:a16="http://schemas.microsoft.com/office/drawing/2014/main" id="{22788C46-D0BC-4307-AE55-7601A139E7CB}"/>
+              </a:ext>
+            </a:extLst>
+          </p:cNvPr>
+          <p:cNvSpPr>
+            <a:spLocks noGrp="1"/>
+          </p:cNvSpPr>
+          <p:nvPr>
+            <p:ph idx="1"/>
+          </p:nvPr>
+        </p:nvSpPr>
+        <p:spPr>
+          <a:xfrm>
+            <a:off x="7499617" y="690662"/>
+            <a:ext cx="4558722" cy="4974462"/>
+          </a:xfrm>
+        </p:spPr>
+        <p:txBody>
+          <a:bodyPr vert="horz" lIns="91440" tIns="45720" rIns="91440" bIns="45720" rtlCol="0" anchor="t">
+            <a:normAutofit/>
+          </a:bodyPr>
+          <a:lstStyle/>
+          <a:p>
+            <a:r>
+              <a:rPr lang="en-US" b="1" dirty="0">
+                <a:latin typeface="Times New Roman" panose="02020603050405020304" pitchFamily="18" charset="0"/>
+                <a:cs typeface="Times New Roman" panose="02020603050405020304" pitchFamily="18" charset="0"/>
+              </a:rPr>
+              <a:t>Root Node- </a:t>
+            </a:r>
+            <a:r>
+              <a:rPr lang="en-US" dirty="0">
+                <a:latin typeface="Times New Roman" panose="02020603050405020304" pitchFamily="18" charset="0"/>
+                <a:cs typeface="Times New Roman" panose="02020603050405020304" pitchFamily="18" charset="0"/>
+              </a:rPr>
+              <a:t>initial node representing entire dataset</a:t>
+            </a:r>
+          </a:p>
+          <a:p>
+            <a:r>
+              <a:rPr lang="en-US" b="1" dirty="0">
+                <a:latin typeface="Times New Roman" panose="02020603050405020304" pitchFamily="18" charset="0"/>
+                <a:cs typeface="Times New Roman" panose="02020603050405020304" pitchFamily="18" charset="0"/>
+              </a:rPr>
+              <a:t>Interior/Decision Node- </a:t>
+            </a:r>
+            <a:r>
+              <a:rPr lang="en-US" dirty="0">
+                <a:latin typeface="Times New Roman" panose="02020603050405020304" pitchFamily="18" charset="0"/>
+                <a:cs typeface="Times New Roman" panose="02020603050405020304" pitchFamily="18" charset="0"/>
+              </a:rPr>
+              <a:t>representing the dataset to be split by a condition. </a:t>
+            </a:r>
+            <a:endParaRPr lang="en-US" b="1" dirty="0">
+              <a:latin typeface="Times New Roman" panose="02020603050405020304" pitchFamily="18" charset="0"/>
+              <a:cs typeface="Times New Roman" panose="02020603050405020304" pitchFamily="18" charset="0"/>
+            </a:endParaRPr>
+          </a:p>
+          <a:p>
+            <a:r>
+              <a:rPr lang="en-US" b="1" dirty="0">
+                <a:latin typeface="Times New Roman" panose="02020603050405020304" pitchFamily="18" charset="0"/>
+                <a:cs typeface="Times New Roman" panose="02020603050405020304" pitchFamily="18" charset="0"/>
+              </a:rPr>
+              <a:t>Terminal/Leaf Node- </a:t>
+            </a:r>
+            <a:r>
+              <a:rPr lang="en-US" dirty="0">
+                <a:latin typeface="Times New Roman" panose="02020603050405020304" pitchFamily="18" charset="0"/>
+                <a:cs typeface="Times New Roman" panose="02020603050405020304" pitchFamily="18" charset="0"/>
+              </a:rPr>
+              <a:t>representing final the outcome from a parent node. </a:t>
+            </a:r>
+          </a:p>
+          <a:p>
+            <a:r>
+              <a:rPr lang="en-US" b="1" dirty="0">
+                <a:latin typeface="Times New Roman" panose="02020603050405020304" pitchFamily="18" charset="0"/>
+                <a:cs typeface="Times New Roman" panose="02020603050405020304" pitchFamily="18" charset="0"/>
+              </a:rPr>
+              <a:t>Levels of Depth-</a:t>
+            </a:r>
+            <a:r>
+              <a:rPr lang="en-US" dirty="0">
+                <a:latin typeface="Times New Roman" panose="02020603050405020304" pitchFamily="18" charset="0"/>
+                <a:cs typeface="Times New Roman" panose="02020603050405020304" pitchFamily="18" charset="0"/>
+              </a:rPr>
+              <a:t>how many splits before coming to a prediction.</a:t>
+            </a:r>
+            <a:r>
+              <a:rPr lang="en-US" b="1" dirty="0">
+                <a:latin typeface="Times New Roman" panose="02020603050405020304" pitchFamily="18" charset="0"/>
+                <a:cs typeface="Times New Roman" panose="02020603050405020304" pitchFamily="18" charset="0"/>
+              </a:rPr>
+              <a:t> </a:t>
             </a:r>
           </a:p>
         </p:txBody>
@@ -13113,40 +13426,10 @@
       </p:sp>
       <p:pic>
         <p:nvPicPr>
-          <p:cNvPr id="8" name="Picture 7">
-            <a:extLst>
-              <a:ext uri="{FF2B5EF4-FFF2-40B4-BE49-F238E27FC236}">
-                <a16:creationId xmlns:a16="http://schemas.microsoft.com/office/drawing/2014/main" id="{8614E862-F3EC-2262-BCF9-A0A3808227E9}"/>
-              </a:ext>
-            </a:extLst>
-          </p:cNvPr>
-          <p:cNvPicPr>
-            <a:picLocks noChangeAspect="1"/>
-          </p:cNvPicPr>
-          <p:nvPr/>
-        </p:nvPicPr>
-        <p:blipFill>
-          <a:blip r:embed="rId2"/>
-          <a:stretch>
-            <a:fillRect/>
-          </a:stretch>
-        </p:blipFill>
-        <p:spPr>
-          <a:xfrm>
-            <a:off x="696891" y="1678838"/>
-            <a:ext cx="4379301" cy="4013605"/>
-          </a:xfrm>
-          <a:prstGeom prst="rect">
-            <a:avLst/>
-          </a:prstGeom>
-        </p:spPr>
-      </p:pic>
-      <p:pic>
-        <p:nvPicPr>
-          <p:cNvPr id="12" name="Picture 11">
-            <a:extLst>
-              <a:ext uri="{FF2B5EF4-FFF2-40B4-BE49-F238E27FC236}">
-                <a16:creationId xmlns:a16="http://schemas.microsoft.com/office/drawing/2014/main" id="{04C11F98-4383-A5C7-D4F5-DE7D9858D9EA}"/>
+          <p:cNvPr id="13" name="Picture 12">
+            <a:extLst>
+              <a:ext uri="{FF2B5EF4-FFF2-40B4-BE49-F238E27FC236}">
+                <a16:creationId xmlns:a16="http://schemas.microsoft.com/office/drawing/2014/main" id="{565CE250-E01A-1117-52FD-10427A9DADC6}"/>
               </a:ext>
             </a:extLst>
           </p:cNvPr>
@@ -13163,94 +13446,18 @@
         </p:blipFill>
         <p:spPr>
           <a:xfrm>
-            <a:off x="6201015" y="381000"/>
-            <a:ext cx="5777414" cy="5740615"/>
+            <a:off x="303999" y="1119673"/>
+            <a:ext cx="6974071" cy="4974463"/>
           </a:xfrm>
           <a:prstGeom prst="rect">
             <a:avLst/>
           </a:prstGeom>
         </p:spPr>
       </p:pic>
-      <p:sp>
-        <p:nvSpPr>
-          <p:cNvPr id="13" name="TextBox 12">
-            <a:extLst>
-              <a:ext uri="{FF2B5EF4-FFF2-40B4-BE49-F238E27FC236}">
-                <a16:creationId xmlns:a16="http://schemas.microsoft.com/office/drawing/2014/main" id="{6CC56043-4D37-B9CB-5F63-C8C74758C17F}"/>
-              </a:ext>
-            </a:extLst>
-          </p:cNvPr>
-          <p:cNvSpPr txBox="1"/>
-          <p:nvPr/>
-        </p:nvSpPr>
-        <p:spPr>
-          <a:xfrm>
-            <a:off x="895590" y="1085275"/>
-            <a:ext cx="3065263" cy="523220"/>
-          </a:xfrm>
-          <a:prstGeom prst="rect">
-            <a:avLst/>
-          </a:prstGeom>
-          <a:noFill/>
-        </p:spPr>
-        <p:txBody>
-          <a:bodyPr wrap="none" rtlCol="0">
-            <a:spAutoFit/>
-          </a:bodyPr>
-          <a:lstStyle/>
-          <a:p>
-            <a:r>
-              <a:rPr lang="en-US" sz="2800" dirty="0">
-                <a:latin typeface="Times New Roman" panose="02020603050405020304" pitchFamily="18" charset="0"/>
-                <a:cs typeface="Times New Roman" panose="02020603050405020304" pitchFamily="18" charset="0"/>
-              </a:rPr>
-              <a:t>Six Levels of Depth</a:t>
-            </a:r>
-          </a:p>
-        </p:txBody>
-      </p:sp>
-      <p:sp>
-        <p:nvSpPr>
-          <p:cNvPr id="14" name="TextBox 13">
-            <a:extLst>
-              <a:ext uri="{FF2B5EF4-FFF2-40B4-BE49-F238E27FC236}">
-                <a16:creationId xmlns:a16="http://schemas.microsoft.com/office/drawing/2014/main" id="{CC103DC4-FF72-BF3B-69E9-261D400A619C}"/>
-              </a:ext>
-            </a:extLst>
-          </p:cNvPr>
-          <p:cNvSpPr txBox="1"/>
-          <p:nvPr/>
-        </p:nvSpPr>
-        <p:spPr>
-          <a:xfrm>
-            <a:off x="8959582" y="1075453"/>
-            <a:ext cx="2738250" cy="461665"/>
-          </a:xfrm>
-          <a:prstGeom prst="rect">
-            <a:avLst/>
-          </a:prstGeom>
-          <a:noFill/>
-        </p:spPr>
-        <p:txBody>
-          <a:bodyPr wrap="none" rtlCol="0">
-            <a:spAutoFit/>
-          </a:bodyPr>
-          <a:lstStyle/>
-          <a:p>
-            <a:r>
-              <a:rPr lang="en-US" sz="2400" dirty="0">
-                <a:latin typeface="Times New Roman" panose="02020603050405020304" pitchFamily="18" charset="0"/>
-                <a:cs typeface="Times New Roman" panose="02020603050405020304" pitchFamily="18" charset="0"/>
-              </a:rPr>
-              <a:t>Nine levels of Depth</a:t>
-            </a:r>
-          </a:p>
-        </p:txBody>
-      </p:sp>
     </p:spTree>
     <p:extLst>
       <p:ext uri="{BB962C8B-B14F-4D97-AF65-F5344CB8AC3E}">
-        <p14:creationId xmlns:p14="http://schemas.microsoft.com/office/powerpoint/2010/main" val="1534927945"/>
+        <p14:creationId xmlns:p14="http://schemas.microsoft.com/office/powerpoint/2010/main" val="2281645614"/>
       </p:ext>
     </p:extLst>
   </p:cSld>
@@ -13295,8 +13502,8 @@
         </p:nvSpPr>
         <p:spPr>
           <a:xfrm>
-            <a:off x="841802" y="136525"/>
-            <a:ext cx="4564796" cy="738673"/>
+            <a:off x="1167492" y="381000"/>
+            <a:ext cx="9779183" cy="1325563"/>
           </a:xfrm>
         </p:spPr>
         <p:txBody>
@@ -13305,8 +13512,207 @@
           <a:p>
             <a:r>
               <a:rPr lang="en-US" dirty="0"/>
-              <a:t>Key Terms cont.</a:t>
-            </a:r>
+              <a:t>Hyperparameters</a:t>
+            </a:r>
+          </a:p>
+        </p:txBody>
+      </p:sp>
+      <p:sp>
+        <p:nvSpPr>
+          <p:cNvPr id="3" name="Content Placeholder 2">
+            <a:extLst>
+              <a:ext uri="{FF2B5EF4-FFF2-40B4-BE49-F238E27FC236}">
+                <a16:creationId xmlns:a16="http://schemas.microsoft.com/office/drawing/2014/main" id="{22788C46-D0BC-4307-AE55-7601A139E7CB}"/>
+              </a:ext>
+            </a:extLst>
+          </p:cNvPr>
+          <p:cNvSpPr>
+            <a:spLocks noGrp="1"/>
+          </p:cNvSpPr>
+          <p:nvPr>
+            <p:ph idx="1"/>
+          </p:nvPr>
+        </p:nvSpPr>
+        <p:spPr>
+          <a:xfrm>
+            <a:off x="776087" y="1706563"/>
+            <a:ext cx="9623135" cy="3680084"/>
+          </a:xfrm>
+        </p:spPr>
+        <p:txBody>
+          <a:bodyPr vert="horz" lIns="91440" tIns="45720" rIns="91440" bIns="45720" rtlCol="0" anchor="t">
+            <a:normAutofit/>
+          </a:bodyPr>
+          <a:lstStyle/>
+          <a:p>
+            <a:r>
+              <a:rPr lang="en-US" dirty="0" err="1">
+                <a:latin typeface="Times New Roman" panose="02020603050405020304" pitchFamily="18" charset="0"/>
+                <a:cs typeface="Times New Roman" panose="02020603050405020304" pitchFamily="18" charset="0"/>
+              </a:rPr>
+              <a:t>DecionTreeClassifier</a:t>
+            </a:r>
+            <a:r>
+              <a:rPr lang="en-US" dirty="0">
+                <a:latin typeface="Times New Roman" panose="02020603050405020304" pitchFamily="18" charset="0"/>
+                <a:cs typeface="Times New Roman" panose="02020603050405020304" pitchFamily="18" charset="0"/>
+              </a:rPr>
+              <a:t>(hyperparameters). Underlines are defaults</a:t>
+            </a:r>
+          </a:p>
+          <a:p>
+            <a:pPr marL="457200" indent="-457200">
+              <a:buFont typeface="Arial" panose="020B0604020202020204" pitchFamily="34" charset="0"/>
+              <a:buChar char="•"/>
+            </a:pPr>
+            <a:r>
+              <a:rPr lang="en-US" dirty="0">
+                <a:latin typeface="Times New Roman" panose="02020603050405020304" pitchFamily="18" charset="0"/>
+                <a:cs typeface="Times New Roman" panose="02020603050405020304" pitchFamily="18" charset="0"/>
+              </a:rPr>
+              <a:t>Which algorithm? Criterion: </a:t>
+            </a:r>
+            <a:r>
+              <a:rPr lang="en-US" u="sng" dirty="0">
+                <a:latin typeface="Times New Roman" panose="02020603050405020304" pitchFamily="18" charset="0"/>
+                <a:cs typeface="Times New Roman" panose="02020603050405020304" pitchFamily="18" charset="0"/>
+              </a:rPr>
+              <a:t>Gini </a:t>
+            </a:r>
+            <a:r>
+              <a:rPr lang="en-US" dirty="0">
+                <a:latin typeface="Times New Roman" panose="02020603050405020304" pitchFamily="18" charset="0"/>
+                <a:cs typeface="Times New Roman" panose="02020603050405020304" pitchFamily="18" charset="0"/>
+              </a:rPr>
+              <a:t>vs entropy vs </a:t>
+            </a:r>
+            <a:r>
+              <a:rPr lang="en-US" dirty="0" err="1">
+                <a:latin typeface="Times New Roman" panose="02020603050405020304" pitchFamily="18" charset="0"/>
+                <a:cs typeface="Times New Roman" panose="02020603050405020304" pitchFamily="18" charset="0"/>
+              </a:rPr>
+              <a:t>log_loss</a:t>
+            </a:r>
+            <a:r>
+              <a:rPr lang="en-US" dirty="0">
+                <a:latin typeface="Times New Roman" panose="02020603050405020304" pitchFamily="18" charset="0"/>
+                <a:cs typeface="Times New Roman" panose="02020603050405020304" pitchFamily="18" charset="0"/>
+              </a:rPr>
+              <a:t>.</a:t>
+            </a:r>
+          </a:p>
+          <a:p>
+            <a:pPr marL="457200" indent="-457200">
+              <a:buFont typeface="Arial" panose="020B0604020202020204" pitchFamily="34" charset="0"/>
+              <a:buChar char="•"/>
+            </a:pPr>
+            <a:r>
+              <a:rPr lang="en-US" dirty="0">
+                <a:latin typeface="Times New Roman" panose="02020603050405020304" pitchFamily="18" charset="0"/>
+                <a:cs typeface="Times New Roman" panose="02020603050405020304" pitchFamily="18" charset="0"/>
+              </a:rPr>
+              <a:t>Splitter: random or </a:t>
+            </a:r>
+            <a:r>
+              <a:rPr lang="en-US" u="sng" dirty="0">
+                <a:latin typeface="Times New Roman" panose="02020603050405020304" pitchFamily="18" charset="0"/>
+                <a:cs typeface="Times New Roman" panose="02020603050405020304" pitchFamily="18" charset="0"/>
+              </a:rPr>
+              <a:t>best</a:t>
+            </a:r>
+            <a:r>
+              <a:rPr lang="en-US" dirty="0">
+                <a:latin typeface="Times New Roman" panose="02020603050405020304" pitchFamily="18" charset="0"/>
+                <a:cs typeface="Times New Roman" panose="02020603050405020304" pitchFamily="18" charset="0"/>
+              </a:rPr>
+              <a:t> strategy used to split each node.</a:t>
+            </a:r>
+          </a:p>
+          <a:p>
+            <a:pPr marL="457200" indent="-457200">
+              <a:buFont typeface="Arial" panose="020B0604020202020204" pitchFamily="34" charset="0"/>
+              <a:buChar char="•"/>
+            </a:pPr>
+            <a:r>
+              <a:rPr lang="en-US" dirty="0" err="1">
+                <a:latin typeface="Times New Roman" panose="02020603050405020304" pitchFamily="18" charset="0"/>
+                <a:cs typeface="Times New Roman" panose="02020603050405020304" pitchFamily="18" charset="0"/>
+              </a:rPr>
+              <a:t>Max_depth</a:t>
+            </a:r>
+            <a:r>
+              <a:rPr lang="en-US" dirty="0">
+                <a:latin typeface="Times New Roman" panose="02020603050405020304" pitchFamily="18" charset="0"/>
+                <a:cs typeface="Times New Roman" panose="02020603050405020304" pitchFamily="18" charset="0"/>
+              </a:rPr>
+              <a:t>: the maximum depth of the tree. </a:t>
+            </a:r>
+            <a:r>
+              <a:rPr lang="en-US" u="sng" dirty="0">
+                <a:latin typeface="Times New Roman" panose="02020603050405020304" pitchFamily="18" charset="0"/>
+                <a:cs typeface="Times New Roman" panose="02020603050405020304" pitchFamily="18" charset="0"/>
+              </a:rPr>
+              <a:t>None</a:t>
+            </a:r>
+            <a:r>
+              <a:rPr lang="en-US" dirty="0">
+                <a:latin typeface="Times New Roman" panose="02020603050405020304" pitchFamily="18" charset="0"/>
+                <a:cs typeface="Times New Roman" panose="02020603050405020304" pitchFamily="18" charset="0"/>
+              </a:rPr>
+              <a:t> is the default.</a:t>
+            </a:r>
+          </a:p>
+          <a:p>
+            <a:pPr marL="457200" indent="-457200">
+              <a:buFont typeface="Arial" panose="020B0604020202020204" pitchFamily="34" charset="0"/>
+              <a:buChar char="•"/>
+            </a:pPr>
+            <a:r>
+              <a:rPr lang="en-US" dirty="0" err="1">
+                <a:latin typeface="Times New Roman" panose="02020603050405020304" pitchFamily="18" charset="0"/>
+                <a:cs typeface="Times New Roman" panose="02020603050405020304" pitchFamily="18" charset="0"/>
+              </a:rPr>
+              <a:t>Min_samples_split</a:t>
+            </a:r>
+            <a:r>
+              <a:rPr lang="en-US" dirty="0">
+                <a:latin typeface="Times New Roman" panose="02020603050405020304" pitchFamily="18" charset="0"/>
+                <a:cs typeface="Times New Roman" panose="02020603050405020304" pitchFamily="18" charset="0"/>
+              </a:rPr>
+              <a:t>: minimum # of samples to split a decision node. </a:t>
+            </a:r>
+            <a:r>
+              <a:rPr lang="en-US" u="sng" dirty="0">
+                <a:latin typeface="Times New Roman" panose="02020603050405020304" pitchFamily="18" charset="0"/>
+                <a:cs typeface="Times New Roman" panose="02020603050405020304" pitchFamily="18" charset="0"/>
+              </a:rPr>
+              <a:t>2 </a:t>
+            </a:r>
+            <a:r>
+              <a:rPr lang="en-US" dirty="0">
+                <a:latin typeface="Times New Roman" panose="02020603050405020304" pitchFamily="18" charset="0"/>
+                <a:cs typeface="Times New Roman" panose="02020603050405020304" pitchFamily="18" charset="0"/>
+              </a:rPr>
+              <a:t>is the default.</a:t>
+            </a:r>
+          </a:p>
+          <a:p>
+            <a:endParaRPr lang="en-US" u="sng" dirty="0">
+              <a:latin typeface="Times New Roman" panose="02020603050405020304" pitchFamily="18" charset="0"/>
+              <a:cs typeface="Times New Roman" panose="02020603050405020304" pitchFamily="18" charset="0"/>
+            </a:endParaRPr>
+          </a:p>
+          <a:p>
+            <a:endParaRPr lang="en-US" dirty="0">
+              <a:latin typeface="Times New Roman" panose="02020603050405020304" pitchFamily="18" charset="0"/>
+              <a:cs typeface="Times New Roman" panose="02020603050405020304" pitchFamily="18" charset="0"/>
+            </a:endParaRPr>
+          </a:p>
+          <a:p>
+            <a:endParaRPr lang="en-US" dirty="0">
+              <a:latin typeface="Times New Roman" panose="02020603050405020304" pitchFamily="18" charset="0"/>
+              <a:cs typeface="Times New Roman" panose="02020603050405020304" pitchFamily="18" charset="0"/>
+            </a:endParaRPr>
           </a:p>
         </p:txBody>
       </p:sp>
@@ -13345,40 +13751,10 @@
           </a:p>
         </p:txBody>
       </p:sp>
-      <p:pic>
-        <p:nvPicPr>
-          <p:cNvPr id="7" name="Picture 6">
-            <a:extLst>
-              <a:ext uri="{FF2B5EF4-FFF2-40B4-BE49-F238E27FC236}">
-                <a16:creationId xmlns:a16="http://schemas.microsoft.com/office/drawing/2014/main" id="{7B29E559-EECD-E0DD-D754-E74A68F41138}"/>
-              </a:ext>
-            </a:extLst>
-          </p:cNvPr>
-          <p:cNvPicPr>
-            <a:picLocks noChangeAspect="1"/>
-          </p:cNvPicPr>
-          <p:nvPr/>
-        </p:nvPicPr>
-        <p:blipFill>
-          <a:blip r:embed="rId2"/>
-          <a:stretch>
-            <a:fillRect/>
-          </a:stretch>
-        </p:blipFill>
-        <p:spPr>
-          <a:xfrm>
-            <a:off x="866587" y="822326"/>
-            <a:ext cx="9683591" cy="5417110"/>
-          </a:xfrm>
-          <a:prstGeom prst="rect">
-            <a:avLst/>
-          </a:prstGeom>
-        </p:spPr>
-      </p:pic>
     </p:spTree>
     <p:extLst>
       <p:ext uri="{BB962C8B-B14F-4D97-AF65-F5344CB8AC3E}">
-        <p14:creationId xmlns:p14="http://schemas.microsoft.com/office/powerpoint/2010/main" val="904513358"/>
+        <p14:creationId xmlns:p14="http://schemas.microsoft.com/office/powerpoint/2010/main" val="1804283494"/>
       </p:ext>
     </p:extLst>
   </p:cSld>
@@ -13407,6 +13783,170 @@
       </p:grpSpPr>
       <p:sp>
         <p:nvSpPr>
+          <p:cNvPr id="2" name="Title 1">
+            <a:extLst>
+              <a:ext uri="{FF2B5EF4-FFF2-40B4-BE49-F238E27FC236}">
+                <a16:creationId xmlns:a16="http://schemas.microsoft.com/office/drawing/2014/main" id="{912DF434-28DB-4621-A497-D62C41CE0419}"/>
+              </a:ext>
+            </a:extLst>
+          </p:cNvPr>
+          <p:cNvSpPr>
+            <a:spLocks noGrp="1"/>
+          </p:cNvSpPr>
+          <p:nvPr>
+            <p:ph type="title"/>
+          </p:nvPr>
+        </p:nvSpPr>
+        <p:spPr>
+          <a:xfrm>
+            <a:off x="1167492" y="381000"/>
+            <a:ext cx="9779183" cy="1325563"/>
+          </a:xfrm>
+        </p:spPr>
+        <p:txBody>
+          <a:bodyPr/>
+          <a:lstStyle/>
+          <a:p>
+            <a:r>
+              <a:rPr lang="en-US" dirty="0"/>
+              <a:t>Hyperparameters cont.</a:t>
+            </a:r>
+          </a:p>
+        </p:txBody>
+      </p:sp>
+      <p:sp>
+        <p:nvSpPr>
+          <p:cNvPr id="3" name="Content Placeholder 2">
+            <a:extLst>
+              <a:ext uri="{FF2B5EF4-FFF2-40B4-BE49-F238E27FC236}">
+                <a16:creationId xmlns:a16="http://schemas.microsoft.com/office/drawing/2014/main" id="{22788C46-D0BC-4307-AE55-7601A139E7CB}"/>
+              </a:ext>
+            </a:extLst>
+          </p:cNvPr>
+          <p:cNvSpPr>
+            <a:spLocks noGrp="1"/>
+          </p:cNvSpPr>
+          <p:nvPr>
+            <p:ph idx="1"/>
+          </p:nvPr>
+        </p:nvSpPr>
+        <p:spPr>
+          <a:xfrm>
+            <a:off x="922084" y="1706563"/>
+            <a:ext cx="9477139" cy="3680084"/>
+          </a:xfrm>
+        </p:spPr>
+        <p:txBody>
+          <a:bodyPr vert="horz" lIns="91440" tIns="45720" rIns="91440" bIns="45720" rtlCol="0" anchor="t">
+            <a:normAutofit/>
+          </a:bodyPr>
+          <a:lstStyle/>
+          <a:p>
+            <a:pPr marL="457200" indent="-457200">
+              <a:buFont typeface="Arial" panose="020B0604020202020204" pitchFamily="34" charset="0"/>
+              <a:buChar char="•"/>
+            </a:pPr>
+            <a:r>
+              <a:rPr lang="en-US" dirty="0" err="1">
+                <a:latin typeface="Times New Roman" panose="02020603050405020304" pitchFamily="18" charset="0"/>
+                <a:cs typeface="Times New Roman" panose="02020603050405020304" pitchFamily="18" charset="0"/>
+              </a:rPr>
+              <a:t>min_samples_leaf</a:t>
+            </a:r>
+            <a:r>
+              <a:rPr lang="en-US" dirty="0">
+                <a:latin typeface="Times New Roman" panose="02020603050405020304" pitchFamily="18" charset="0"/>
+                <a:cs typeface="Times New Roman" panose="02020603050405020304" pitchFamily="18" charset="0"/>
+              </a:rPr>
+              <a:t>: minimum# of samples required at leaf/terminal node. </a:t>
+            </a:r>
+            <a:r>
+              <a:rPr lang="en-US" u="sng" dirty="0">
+                <a:latin typeface="Times New Roman" panose="02020603050405020304" pitchFamily="18" charset="0"/>
+                <a:cs typeface="Times New Roman" panose="02020603050405020304" pitchFamily="18" charset="0"/>
+              </a:rPr>
+              <a:t>1</a:t>
+            </a:r>
+            <a:r>
+              <a:rPr lang="en-US" dirty="0">
+                <a:latin typeface="Times New Roman" panose="02020603050405020304" pitchFamily="18" charset="0"/>
+                <a:cs typeface="Times New Roman" panose="02020603050405020304" pitchFamily="18" charset="0"/>
+              </a:rPr>
+              <a:t> is the default.</a:t>
+            </a:r>
+          </a:p>
+          <a:p>
+            <a:pPr marL="457200" indent="-457200">
+              <a:buFont typeface="Arial" panose="020B0604020202020204" pitchFamily="34" charset="0"/>
+              <a:buChar char="•"/>
+            </a:pPr>
+            <a:r>
+              <a:rPr lang="en-US" dirty="0" err="1">
+                <a:latin typeface="Times New Roman" panose="02020603050405020304" pitchFamily="18" charset="0"/>
+                <a:cs typeface="Times New Roman" panose="02020603050405020304" pitchFamily="18" charset="0"/>
+              </a:rPr>
+              <a:t>max_features</a:t>
+            </a:r>
+            <a:r>
+              <a:rPr lang="en-US" dirty="0">
+                <a:latin typeface="Times New Roman" panose="02020603050405020304" pitchFamily="18" charset="0"/>
+                <a:cs typeface="Times New Roman" panose="02020603050405020304" pitchFamily="18" charset="0"/>
+              </a:rPr>
+              <a:t>: # of features to consider for optimum split. </a:t>
+            </a:r>
+            <a:r>
+              <a:rPr lang="en-US" u="sng" dirty="0">
+                <a:latin typeface="Times New Roman" panose="02020603050405020304" pitchFamily="18" charset="0"/>
+                <a:cs typeface="Times New Roman" panose="02020603050405020304" pitchFamily="18" charset="0"/>
+              </a:rPr>
+              <a:t>None</a:t>
+            </a:r>
+            <a:r>
+              <a:rPr lang="en-US" dirty="0">
+                <a:latin typeface="Times New Roman" panose="02020603050405020304" pitchFamily="18" charset="0"/>
+                <a:cs typeface="Times New Roman" panose="02020603050405020304" pitchFamily="18" charset="0"/>
+              </a:rPr>
+              <a:t> is the default. </a:t>
+            </a:r>
+          </a:p>
+          <a:p>
+            <a:pPr marL="457200" indent="-457200">
+              <a:buFont typeface="Arial" panose="020B0604020202020204" pitchFamily="34" charset="0"/>
+              <a:buChar char="•"/>
+            </a:pPr>
+            <a:r>
+              <a:rPr lang="en-US" dirty="0" err="1">
+                <a:latin typeface="Times New Roman" panose="02020603050405020304" pitchFamily="18" charset="0"/>
+                <a:cs typeface="Times New Roman" panose="02020603050405020304" pitchFamily="18" charset="0"/>
+              </a:rPr>
+              <a:t>max_leaf_nodes</a:t>
+            </a:r>
+            <a:r>
+              <a:rPr lang="en-US" dirty="0">
+                <a:latin typeface="Times New Roman" panose="02020603050405020304" pitchFamily="18" charset="0"/>
+                <a:cs typeface="Times New Roman" panose="02020603050405020304" pitchFamily="18" charset="0"/>
+              </a:rPr>
+              <a:t>: maximum number of leaf nodes. </a:t>
+            </a:r>
+            <a:r>
+              <a:rPr lang="en-US" u="sng" dirty="0">
+                <a:latin typeface="Times New Roman" panose="02020603050405020304" pitchFamily="18" charset="0"/>
+                <a:cs typeface="Times New Roman" panose="02020603050405020304" pitchFamily="18" charset="0"/>
+              </a:rPr>
+              <a:t>None</a:t>
+            </a:r>
+            <a:r>
+              <a:rPr lang="en-US" dirty="0">
+                <a:latin typeface="Times New Roman" panose="02020603050405020304" pitchFamily="18" charset="0"/>
+                <a:cs typeface="Times New Roman" panose="02020603050405020304" pitchFamily="18" charset="0"/>
+              </a:rPr>
+              <a:t> is the default</a:t>
+            </a:r>
+          </a:p>
+        </p:txBody>
+      </p:sp>
+      <p:sp>
+        <p:nvSpPr>
           <p:cNvPr id="6" name="Slide Number Placeholder 5">
             <a:extLst>
               <a:ext uri="{FF2B5EF4-FFF2-40B4-BE49-F238E27FC236}">
@@ -13440,70 +13980,10 @@
           </a:p>
         </p:txBody>
       </p:sp>
-      <p:pic>
-        <p:nvPicPr>
-          <p:cNvPr id="7" name="Picture 6">
-            <a:extLst>
-              <a:ext uri="{FF2B5EF4-FFF2-40B4-BE49-F238E27FC236}">
-                <a16:creationId xmlns:a16="http://schemas.microsoft.com/office/drawing/2014/main" id="{D2D6B8F6-7661-0803-5691-27DEAC9C72BD}"/>
-              </a:ext>
-            </a:extLst>
-          </p:cNvPr>
-          <p:cNvPicPr>
-            <a:picLocks noChangeAspect="1"/>
-          </p:cNvPicPr>
-          <p:nvPr/>
-        </p:nvPicPr>
-        <p:blipFill>
-          <a:blip r:embed="rId2"/>
-          <a:stretch>
-            <a:fillRect/>
-          </a:stretch>
-        </p:blipFill>
-        <p:spPr>
-          <a:xfrm>
-            <a:off x="5924994" y="630265"/>
-            <a:ext cx="5759108" cy="5726085"/>
-          </a:xfrm>
-          <a:prstGeom prst="rect">
-            <a:avLst/>
-          </a:prstGeom>
-        </p:spPr>
-      </p:pic>
-      <p:pic>
-        <p:nvPicPr>
-          <p:cNvPr id="10" name="Picture 9">
-            <a:extLst>
-              <a:ext uri="{FF2B5EF4-FFF2-40B4-BE49-F238E27FC236}">
-                <a16:creationId xmlns:a16="http://schemas.microsoft.com/office/drawing/2014/main" id="{5218640A-57F3-B9DA-A785-07784F674547}"/>
-              </a:ext>
-            </a:extLst>
-          </p:cNvPr>
-          <p:cNvPicPr>
-            <a:picLocks noChangeAspect="1"/>
-          </p:cNvPicPr>
-          <p:nvPr/>
-        </p:nvPicPr>
-        <p:blipFill>
-          <a:blip r:embed="rId3"/>
-          <a:stretch>
-            <a:fillRect/>
-          </a:stretch>
-        </p:blipFill>
-        <p:spPr>
-          <a:xfrm>
-            <a:off x="630919" y="620486"/>
-            <a:ext cx="5294075" cy="5509452"/>
-          </a:xfrm>
-          <a:prstGeom prst="rect">
-            <a:avLst/>
-          </a:prstGeom>
-        </p:spPr>
-      </p:pic>
     </p:spTree>
     <p:extLst>
       <p:ext uri="{BB962C8B-B14F-4D97-AF65-F5344CB8AC3E}">
-        <p14:creationId xmlns:p14="http://schemas.microsoft.com/office/powerpoint/2010/main" val="2029731845"/>
+        <p14:creationId xmlns:p14="http://schemas.microsoft.com/office/powerpoint/2010/main" val="2010275384"/>
       </p:ext>
     </p:extLst>
   </p:cSld>
@@ -13535,6 +14015,493 @@
           <p:cNvPr id="2" name="Title 1">
             <a:extLst>
               <a:ext uri="{FF2B5EF4-FFF2-40B4-BE49-F238E27FC236}">
+                <a16:creationId xmlns:a16="http://schemas.microsoft.com/office/drawing/2014/main" id="{912DF434-28DB-4621-A497-D62C41CE0419}"/>
+              </a:ext>
+            </a:extLst>
+          </p:cNvPr>
+          <p:cNvSpPr>
+            <a:spLocks noGrp="1"/>
+          </p:cNvSpPr>
+          <p:nvPr>
+            <p:ph type="title"/>
+          </p:nvPr>
+        </p:nvSpPr>
+        <p:spPr>
+          <a:xfrm>
+            <a:off x="841802" y="136525"/>
+            <a:ext cx="4564796" cy="738673"/>
+          </a:xfrm>
+        </p:spPr>
+        <p:txBody>
+          <a:bodyPr/>
+          <a:lstStyle/>
+          <a:p>
+            <a:r>
+              <a:rPr lang="en-US" dirty="0"/>
+              <a:t>Key Terms cont.</a:t>
+            </a:r>
+          </a:p>
+        </p:txBody>
+      </p:sp>
+      <p:sp>
+        <p:nvSpPr>
+          <p:cNvPr id="6" name="Slide Number Placeholder 5">
+            <a:extLst>
+              <a:ext uri="{FF2B5EF4-FFF2-40B4-BE49-F238E27FC236}">
+                <a16:creationId xmlns:a16="http://schemas.microsoft.com/office/drawing/2014/main" id="{60D470D0-6D64-5E42-9515-048F8779CD5E}"/>
+              </a:ext>
+            </a:extLst>
+          </p:cNvPr>
+          <p:cNvSpPr>
+            <a:spLocks noGrp="1"/>
+          </p:cNvSpPr>
+          <p:nvPr>
+            <p:ph type="sldNum" sz="quarter" idx="4"/>
+          </p:nvPr>
+        </p:nvSpPr>
+        <p:spPr>
+          <a:xfrm>
+            <a:off x="10153276" y="6356350"/>
+            <a:ext cx="1657723" cy="365125"/>
+          </a:xfrm>
+        </p:spPr>
+        <p:txBody>
+          <a:bodyPr/>
+          <a:lstStyle/>
+          <a:p>
+            <a:fld id="{294A09A9-5501-47C1-A89A-A340965A2BE2}" type="slidenum">
+              <a:rPr lang="en-US" smtClean="0"/>
+              <a:pPr/>
+              <a:t>13</a:t>
+            </a:fld>
+            <a:endParaRPr lang="en-US" dirty="0"/>
+          </a:p>
+        </p:txBody>
+      </p:sp>
+      <p:pic>
+        <p:nvPicPr>
+          <p:cNvPr id="8" name="Picture 7">
+            <a:extLst>
+              <a:ext uri="{FF2B5EF4-FFF2-40B4-BE49-F238E27FC236}">
+                <a16:creationId xmlns:a16="http://schemas.microsoft.com/office/drawing/2014/main" id="{8614E862-F3EC-2262-BCF9-A0A3808227E9}"/>
+              </a:ext>
+            </a:extLst>
+          </p:cNvPr>
+          <p:cNvPicPr>
+            <a:picLocks noChangeAspect="1"/>
+          </p:cNvPicPr>
+          <p:nvPr/>
+        </p:nvPicPr>
+        <p:blipFill>
+          <a:blip r:embed="rId2"/>
+          <a:stretch>
+            <a:fillRect/>
+          </a:stretch>
+        </p:blipFill>
+        <p:spPr>
+          <a:xfrm>
+            <a:off x="696891" y="1678838"/>
+            <a:ext cx="4379301" cy="4013605"/>
+          </a:xfrm>
+          <a:prstGeom prst="rect">
+            <a:avLst/>
+          </a:prstGeom>
+        </p:spPr>
+      </p:pic>
+      <p:pic>
+        <p:nvPicPr>
+          <p:cNvPr id="12" name="Picture 11">
+            <a:extLst>
+              <a:ext uri="{FF2B5EF4-FFF2-40B4-BE49-F238E27FC236}">
+                <a16:creationId xmlns:a16="http://schemas.microsoft.com/office/drawing/2014/main" id="{04C11F98-4383-A5C7-D4F5-DE7D9858D9EA}"/>
+              </a:ext>
+            </a:extLst>
+          </p:cNvPr>
+          <p:cNvPicPr>
+            <a:picLocks noChangeAspect="1"/>
+          </p:cNvPicPr>
+          <p:nvPr/>
+        </p:nvPicPr>
+        <p:blipFill>
+          <a:blip r:embed="rId3"/>
+          <a:stretch>
+            <a:fillRect/>
+          </a:stretch>
+        </p:blipFill>
+        <p:spPr>
+          <a:xfrm>
+            <a:off x="6096000" y="505861"/>
+            <a:ext cx="5777414" cy="5780639"/>
+          </a:xfrm>
+          <a:prstGeom prst="rect">
+            <a:avLst/>
+          </a:prstGeom>
+        </p:spPr>
+      </p:pic>
+      <p:sp>
+        <p:nvSpPr>
+          <p:cNvPr id="13" name="TextBox 12">
+            <a:extLst>
+              <a:ext uri="{FF2B5EF4-FFF2-40B4-BE49-F238E27FC236}">
+                <a16:creationId xmlns:a16="http://schemas.microsoft.com/office/drawing/2014/main" id="{6CC56043-4D37-B9CB-5F63-C8C74758C17F}"/>
+              </a:ext>
+            </a:extLst>
+          </p:cNvPr>
+          <p:cNvSpPr txBox="1"/>
+          <p:nvPr/>
+        </p:nvSpPr>
+        <p:spPr>
+          <a:xfrm>
+            <a:off x="895590" y="1085275"/>
+            <a:ext cx="3065263" cy="523220"/>
+          </a:xfrm>
+          <a:prstGeom prst="rect">
+            <a:avLst/>
+          </a:prstGeom>
+          <a:noFill/>
+        </p:spPr>
+        <p:txBody>
+          <a:bodyPr wrap="none" rtlCol="0">
+            <a:spAutoFit/>
+          </a:bodyPr>
+          <a:lstStyle/>
+          <a:p>
+            <a:r>
+              <a:rPr lang="en-US" sz="2800" dirty="0">
+                <a:latin typeface="Times New Roman" panose="02020603050405020304" pitchFamily="18" charset="0"/>
+                <a:cs typeface="Times New Roman" panose="02020603050405020304" pitchFamily="18" charset="0"/>
+              </a:rPr>
+              <a:t>Six Levels of Depth</a:t>
+            </a:r>
+          </a:p>
+        </p:txBody>
+      </p:sp>
+      <p:sp>
+        <p:nvSpPr>
+          <p:cNvPr id="14" name="TextBox 13">
+            <a:extLst>
+              <a:ext uri="{FF2B5EF4-FFF2-40B4-BE49-F238E27FC236}">
+                <a16:creationId xmlns:a16="http://schemas.microsoft.com/office/drawing/2014/main" id="{CC103DC4-FF72-BF3B-69E9-261D400A619C}"/>
+              </a:ext>
+            </a:extLst>
+          </p:cNvPr>
+          <p:cNvSpPr txBox="1"/>
+          <p:nvPr/>
+        </p:nvSpPr>
+        <p:spPr>
+          <a:xfrm>
+            <a:off x="8959582" y="1075453"/>
+            <a:ext cx="2738250" cy="461665"/>
+          </a:xfrm>
+          <a:prstGeom prst="rect">
+            <a:avLst/>
+          </a:prstGeom>
+          <a:noFill/>
+        </p:spPr>
+        <p:txBody>
+          <a:bodyPr wrap="none" rtlCol="0">
+            <a:spAutoFit/>
+          </a:bodyPr>
+          <a:lstStyle/>
+          <a:p>
+            <a:r>
+              <a:rPr lang="en-US" sz="2400" dirty="0">
+                <a:latin typeface="Times New Roman" panose="02020603050405020304" pitchFamily="18" charset="0"/>
+                <a:cs typeface="Times New Roman" panose="02020603050405020304" pitchFamily="18" charset="0"/>
+              </a:rPr>
+              <a:t>Nine levels of Depth</a:t>
+            </a:r>
+          </a:p>
+        </p:txBody>
+      </p:sp>
+    </p:spTree>
+    <p:extLst>
+      <p:ext uri="{BB962C8B-B14F-4D97-AF65-F5344CB8AC3E}">
+        <p14:creationId xmlns:p14="http://schemas.microsoft.com/office/powerpoint/2010/main" val="1534927945"/>
+      </p:ext>
+    </p:extLst>
+  </p:cSld>
+  <p:clrMapOvr>
+    <a:masterClrMapping/>
+  </p:clrMapOvr>
+</p:sld>
+</file>
+
+<file path=ppt/slides/slide14.xml><?xml version="1.0" encoding="utf-8"?>
+<p:sld xmlns:a="http://schemas.openxmlformats.org/drawingml/2006/main" xmlns:r="http://schemas.openxmlformats.org/officeDocument/2006/relationships" xmlns:p="http://schemas.openxmlformats.org/presentationml/2006/main">
+  <p:cSld>
+    <p:spTree>
+      <p:nvGrpSpPr>
+        <p:cNvPr id="1" name=""/>
+        <p:cNvGrpSpPr/>
+        <p:nvPr/>
+      </p:nvGrpSpPr>
+      <p:grpSpPr>
+        <a:xfrm>
+          <a:off x="0" y="0"/>
+          <a:ext cx="0" cy="0"/>
+          <a:chOff x="0" y="0"/>
+          <a:chExt cx="0" cy="0"/>
+        </a:xfrm>
+      </p:grpSpPr>
+      <p:sp>
+        <p:nvSpPr>
+          <p:cNvPr id="2" name="Title 1">
+            <a:extLst>
+              <a:ext uri="{FF2B5EF4-FFF2-40B4-BE49-F238E27FC236}">
+                <a16:creationId xmlns:a16="http://schemas.microsoft.com/office/drawing/2014/main" id="{912DF434-28DB-4621-A497-D62C41CE0419}"/>
+              </a:ext>
+            </a:extLst>
+          </p:cNvPr>
+          <p:cNvSpPr>
+            <a:spLocks noGrp="1"/>
+          </p:cNvSpPr>
+          <p:nvPr>
+            <p:ph type="title"/>
+          </p:nvPr>
+        </p:nvSpPr>
+        <p:spPr>
+          <a:xfrm>
+            <a:off x="841802" y="136525"/>
+            <a:ext cx="4564796" cy="738673"/>
+          </a:xfrm>
+        </p:spPr>
+        <p:txBody>
+          <a:bodyPr/>
+          <a:lstStyle/>
+          <a:p>
+            <a:r>
+              <a:rPr lang="en-US" dirty="0"/>
+              <a:t>Key Terms cont.</a:t>
+            </a:r>
+          </a:p>
+        </p:txBody>
+      </p:sp>
+      <p:sp>
+        <p:nvSpPr>
+          <p:cNvPr id="6" name="Slide Number Placeholder 5">
+            <a:extLst>
+              <a:ext uri="{FF2B5EF4-FFF2-40B4-BE49-F238E27FC236}">
+                <a16:creationId xmlns:a16="http://schemas.microsoft.com/office/drawing/2014/main" id="{60D470D0-6D64-5E42-9515-048F8779CD5E}"/>
+              </a:ext>
+            </a:extLst>
+          </p:cNvPr>
+          <p:cNvSpPr>
+            <a:spLocks noGrp="1"/>
+          </p:cNvSpPr>
+          <p:nvPr>
+            <p:ph type="sldNum" sz="quarter" idx="4"/>
+          </p:nvPr>
+        </p:nvSpPr>
+        <p:spPr>
+          <a:xfrm>
+            <a:off x="10153276" y="6356350"/>
+            <a:ext cx="1657723" cy="365125"/>
+          </a:xfrm>
+        </p:spPr>
+        <p:txBody>
+          <a:bodyPr/>
+          <a:lstStyle/>
+          <a:p>
+            <a:fld id="{294A09A9-5501-47C1-A89A-A340965A2BE2}" type="slidenum">
+              <a:rPr lang="en-US" smtClean="0"/>
+              <a:pPr/>
+              <a:t>14</a:t>
+            </a:fld>
+            <a:endParaRPr lang="en-US" dirty="0"/>
+          </a:p>
+        </p:txBody>
+      </p:sp>
+      <p:pic>
+        <p:nvPicPr>
+          <p:cNvPr id="7" name="Picture 6">
+            <a:extLst>
+              <a:ext uri="{FF2B5EF4-FFF2-40B4-BE49-F238E27FC236}">
+                <a16:creationId xmlns:a16="http://schemas.microsoft.com/office/drawing/2014/main" id="{7B29E559-EECD-E0DD-D754-E74A68F41138}"/>
+              </a:ext>
+            </a:extLst>
+          </p:cNvPr>
+          <p:cNvPicPr>
+            <a:picLocks noChangeAspect="1"/>
+          </p:cNvPicPr>
+          <p:nvPr/>
+        </p:nvPicPr>
+        <p:blipFill>
+          <a:blip r:embed="rId2"/>
+          <a:stretch>
+            <a:fillRect/>
+          </a:stretch>
+        </p:blipFill>
+        <p:spPr>
+          <a:xfrm>
+            <a:off x="866587" y="822326"/>
+            <a:ext cx="9683591" cy="5417110"/>
+          </a:xfrm>
+          <a:prstGeom prst="rect">
+            <a:avLst/>
+          </a:prstGeom>
+        </p:spPr>
+      </p:pic>
+    </p:spTree>
+    <p:extLst>
+      <p:ext uri="{BB962C8B-B14F-4D97-AF65-F5344CB8AC3E}">
+        <p14:creationId xmlns:p14="http://schemas.microsoft.com/office/powerpoint/2010/main" val="904513358"/>
+      </p:ext>
+    </p:extLst>
+  </p:cSld>
+  <p:clrMapOvr>
+    <a:masterClrMapping/>
+  </p:clrMapOvr>
+</p:sld>
+</file>
+
+<file path=ppt/slides/slide15.xml><?xml version="1.0" encoding="utf-8"?>
+<p:sld xmlns:a="http://schemas.openxmlformats.org/drawingml/2006/main" xmlns:r="http://schemas.openxmlformats.org/officeDocument/2006/relationships" xmlns:p="http://schemas.openxmlformats.org/presentationml/2006/main">
+  <p:cSld>
+    <p:spTree>
+      <p:nvGrpSpPr>
+        <p:cNvPr id="1" name=""/>
+        <p:cNvGrpSpPr/>
+        <p:nvPr/>
+      </p:nvGrpSpPr>
+      <p:grpSpPr>
+        <a:xfrm>
+          <a:off x="0" y="0"/>
+          <a:ext cx="0" cy="0"/>
+          <a:chOff x="0" y="0"/>
+          <a:chExt cx="0" cy="0"/>
+        </a:xfrm>
+      </p:grpSpPr>
+      <p:sp>
+        <p:nvSpPr>
+          <p:cNvPr id="6" name="Slide Number Placeholder 5">
+            <a:extLst>
+              <a:ext uri="{FF2B5EF4-FFF2-40B4-BE49-F238E27FC236}">
+                <a16:creationId xmlns:a16="http://schemas.microsoft.com/office/drawing/2014/main" id="{60D470D0-6D64-5E42-9515-048F8779CD5E}"/>
+              </a:ext>
+            </a:extLst>
+          </p:cNvPr>
+          <p:cNvSpPr>
+            <a:spLocks noGrp="1"/>
+          </p:cNvSpPr>
+          <p:nvPr>
+            <p:ph type="sldNum" sz="quarter" idx="4"/>
+          </p:nvPr>
+        </p:nvSpPr>
+        <p:spPr>
+          <a:xfrm>
+            <a:off x="10153276" y="6356350"/>
+            <a:ext cx="1657723" cy="365125"/>
+          </a:xfrm>
+        </p:spPr>
+        <p:txBody>
+          <a:bodyPr/>
+          <a:lstStyle/>
+          <a:p>
+            <a:fld id="{294A09A9-5501-47C1-A89A-A340965A2BE2}" type="slidenum">
+              <a:rPr lang="en-US" smtClean="0"/>
+              <a:pPr/>
+              <a:t>15</a:t>
+            </a:fld>
+            <a:endParaRPr lang="en-US" dirty="0"/>
+          </a:p>
+        </p:txBody>
+      </p:sp>
+      <p:pic>
+        <p:nvPicPr>
+          <p:cNvPr id="7" name="Picture 6">
+            <a:extLst>
+              <a:ext uri="{FF2B5EF4-FFF2-40B4-BE49-F238E27FC236}">
+                <a16:creationId xmlns:a16="http://schemas.microsoft.com/office/drawing/2014/main" id="{D2D6B8F6-7661-0803-5691-27DEAC9C72BD}"/>
+              </a:ext>
+            </a:extLst>
+          </p:cNvPr>
+          <p:cNvPicPr>
+            <a:picLocks noChangeAspect="1"/>
+          </p:cNvPicPr>
+          <p:nvPr/>
+        </p:nvPicPr>
+        <p:blipFill>
+          <a:blip r:embed="rId2"/>
+          <a:stretch>
+            <a:fillRect/>
+          </a:stretch>
+        </p:blipFill>
+        <p:spPr>
+          <a:xfrm>
+            <a:off x="6188868" y="579077"/>
+            <a:ext cx="5588103" cy="5607249"/>
+          </a:xfrm>
+          <a:prstGeom prst="rect">
+            <a:avLst/>
+          </a:prstGeom>
+        </p:spPr>
+      </p:pic>
+      <p:pic>
+        <p:nvPicPr>
+          <p:cNvPr id="10" name="Picture 9">
+            <a:extLst>
+              <a:ext uri="{FF2B5EF4-FFF2-40B4-BE49-F238E27FC236}">
+                <a16:creationId xmlns:a16="http://schemas.microsoft.com/office/drawing/2014/main" id="{5218640A-57F3-B9DA-A785-07784F674547}"/>
+              </a:ext>
+            </a:extLst>
+          </p:cNvPr>
+          <p:cNvPicPr>
+            <a:picLocks noChangeAspect="1"/>
+          </p:cNvPicPr>
+          <p:nvPr/>
+        </p:nvPicPr>
+        <p:blipFill>
+          <a:blip r:embed="rId3"/>
+          <a:stretch>
+            <a:fillRect/>
+          </a:stretch>
+        </p:blipFill>
+        <p:spPr>
+          <a:xfrm>
+            <a:off x="415029" y="579077"/>
+            <a:ext cx="5588101" cy="5607249"/>
+          </a:xfrm>
+          <a:prstGeom prst="rect">
+            <a:avLst/>
+          </a:prstGeom>
+        </p:spPr>
+      </p:pic>
+    </p:spTree>
+    <p:extLst>
+      <p:ext uri="{BB962C8B-B14F-4D97-AF65-F5344CB8AC3E}">
+        <p14:creationId xmlns:p14="http://schemas.microsoft.com/office/powerpoint/2010/main" val="2029731845"/>
+      </p:ext>
+    </p:extLst>
+  </p:cSld>
+  <p:clrMapOvr>
+    <a:masterClrMapping/>
+  </p:clrMapOvr>
+</p:sld>
+</file>
+
+<file path=ppt/slides/slide16.xml><?xml version="1.0" encoding="utf-8"?>
+<p:sld xmlns:a="http://schemas.openxmlformats.org/drawingml/2006/main" xmlns:r="http://schemas.openxmlformats.org/officeDocument/2006/relationships" xmlns:p="http://schemas.openxmlformats.org/presentationml/2006/main">
+  <p:cSld>
+    <p:spTree>
+      <p:nvGrpSpPr>
+        <p:cNvPr id="1" name=""/>
+        <p:cNvGrpSpPr/>
+        <p:nvPr/>
+      </p:nvGrpSpPr>
+      <p:grpSpPr>
+        <a:xfrm>
+          <a:off x="0" y="0"/>
+          <a:ext cx="0" cy="0"/>
+          <a:chOff x="0" y="0"/>
+          <a:chExt cx="0" cy="0"/>
+        </a:xfrm>
+      </p:grpSpPr>
+      <p:sp>
+        <p:nvSpPr>
+          <p:cNvPr id="2" name="Title 1">
+            <a:extLst>
+              <a:ext uri="{FF2B5EF4-FFF2-40B4-BE49-F238E27FC236}">
                 <a16:creationId xmlns:a16="http://schemas.microsoft.com/office/drawing/2014/main" id="{69FAE308-3076-43DB-B834-DA0B0AE19AF9}"/>
               </a:ext>
             </a:extLst>
@@ -13649,7 +14616,14 @@
             <a:pPr rtl="0"/>
             <a:r>
               <a:rPr lang="en-US" sz="1050" dirty="0"/>
-              <a:t> </a:t>
+              <a:t> https://towardsdatascience.com/entropy-how-decision-trees-make-decisions-2946b9c18c8</a:t>
+            </a:r>
+          </a:p>
+          <a:p>
+            <a:pPr rtl="0"/>
+            <a:r>
+              <a:rPr lang="en-US" sz="1050" dirty="0"/>
+              <a:t>https://www.youtube.com/watch?v=PHxYNGo8NcI</a:t>
             </a:r>
           </a:p>
           <a:p>
@@ -13871,232 +14845,350 @@
           <a:chExt cx="0" cy="0"/>
         </a:xfrm>
       </p:grpSpPr>
-      <p:sp>
-        <p:nvSpPr>
-          <p:cNvPr id="2" name="Title 1">
-            <a:extLst>
-              <a:ext uri="{FF2B5EF4-FFF2-40B4-BE49-F238E27FC236}">
-                <a16:creationId xmlns:a16="http://schemas.microsoft.com/office/drawing/2014/main" id="{912DF434-28DB-4621-A497-D62C41CE0419}"/>
-              </a:ext>
-            </a:extLst>
-          </p:cNvPr>
-          <p:cNvSpPr>
-            <a:spLocks noGrp="1"/>
+      <p:pic>
+        <p:nvPicPr>
+          <p:cNvPr id="4" name="Picture 3">
+            <a:extLst>
+              <a:ext uri="{FF2B5EF4-FFF2-40B4-BE49-F238E27FC236}">
+                <a16:creationId xmlns:a16="http://schemas.microsoft.com/office/drawing/2014/main" id="{559D5DDB-C3B7-0857-AFE3-8C10A40B3015}"/>
+              </a:ext>
+            </a:extLst>
+          </p:cNvPr>
+          <p:cNvPicPr>
+            <a:picLocks noChangeAspect="1"/>
+          </p:cNvPicPr>
+          <p:nvPr/>
+        </p:nvPicPr>
+        <p:blipFill>
+          <a:blip r:embed="rId2"/>
+          <a:stretch>
+            <a:fillRect/>
+          </a:stretch>
+        </p:blipFill>
+        <p:spPr>
+          <a:xfrm>
+            <a:off x="6180871" y="1503065"/>
+            <a:ext cx="5576057" cy="4286223"/>
+          </a:xfrm>
+          <a:prstGeom prst="rect">
+            <a:avLst/>
+          </a:prstGeom>
+          <a:noFill/>
+        </p:spPr>
+      </p:pic>
+      <p:pic>
+        <p:nvPicPr>
+          <p:cNvPr id="5" name="Picture 4">
+            <a:extLst>
+              <a:ext uri="{FF2B5EF4-FFF2-40B4-BE49-F238E27FC236}">
+                <a16:creationId xmlns:a16="http://schemas.microsoft.com/office/drawing/2014/main" id="{04694B2B-08F8-AF93-F2F9-3F6D4F21D7F2}"/>
+              </a:ext>
+            </a:extLst>
+          </p:cNvPr>
+          <p:cNvPicPr>
+            <a:picLocks noChangeAspect="1"/>
+          </p:cNvPicPr>
+          <p:nvPr/>
+        </p:nvPicPr>
+        <p:blipFill>
+          <a:blip r:embed="rId3"/>
+          <a:stretch>
+            <a:fillRect/>
+          </a:stretch>
+        </p:blipFill>
+        <p:spPr>
+          <a:xfrm>
+            <a:off x="306403" y="1465704"/>
+            <a:ext cx="5704728" cy="4323584"/>
+          </a:xfrm>
+          <a:prstGeom prst="rect">
+            <a:avLst/>
+          </a:prstGeom>
+          <a:noFill/>
+        </p:spPr>
+      </p:pic>
+      <p:sp>
+        <p:nvSpPr>
+          <p:cNvPr id="6" name="Content Placeholder 6">
+            <a:extLst>
+              <a:ext uri="{FF2B5EF4-FFF2-40B4-BE49-F238E27FC236}">
+                <a16:creationId xmlns:a16="http://schemas.microsoft.com/office/drawing/2014/main" id="{16F55065-1317-ECC4-671E-5ED838B09D54}"/>
+              </a:ext>
+            </a:extLst>
+          </p:cNvPr>
+          <p:cNvSpPr txBox="1">
+            <a:spLocks/>
           </p:cNvSpPr>
-          <p:nvPr>
-            <p:ph type="title"/>
-          </p:nvPr>
-        </p:nvSpPr>
-        <p:spPr>
-          <a:xfrm>
-            <a:off x="1167492" y="381000"/>
-            <a:ext cx="9779183" cy="1325563"/>
-          </a:xfrm>
-        </p:spPr>
-        <p:txBody>
-          <a:bodyPr/>
-          <a:lstStyle/>
-          <a:p>
-            <a:r>
-              <a:rPr lang="en-US" dirty="0"/>
-              <a:t>Advantages and disadvantages</a:t>
-            </a:r>
-          </a:p>
-        </p:txBody>
-      </p:sp>
-      <p:sp>
-        <p:nvSpPr>
-          <p:cNvPr id="3" name="Content Placeholder 2">
-            <a:extLst>
-              <a:ext uri="{FF2B5EF4-FFF2-40B4-BE49-F238E27FC236}">
-                <a16:creationId xmlns:a16="http://schemas.microsoft.com/office/drawing/2014/main" id="{22788C46-D0BC-4307-AE55-7601A139E7CB}"/>
-              </a:ext>
-            </a:extLst>
-          </p:cNvPr>
-          <p:cNvSpPr>
-            <a:spLocks noGrp="1"/>
+          <p:nvPr/>
+        </p:nvSpPr>
+        <p:spPr>
+          <a:xfrm>
+            <a:off x="2180413" y="854822"/>
+            <a:ext cx="1956707" cy="522514"/>
+          </a:xfrm>
+          <a:prstGeom prst="rect">
+            <a:avLst/>
+          </a:prstGeom>
+        </p:spPr>
+        <p:txBody>
+          <a:bodyPr vert="horz" lIns="91440" tIns="45720" rIns="91440" bIns="45720" rtlCol="0" anchor="ctr">
+            <a:normAutofit fontScale="85000" lnSpcReduction="10000"/>
+          </a:bodyPr>
+          <a:lstStyle>
+            <a:defPPr>
+              <a:defRPr lang="en-US"/>
+            </a:defPPr>
+            <a:lvl1pPr marL="0" algn="ctr" defTabSz="914400" rtl="0" eaLnBrk="1" latinLnBrk="0" hangingPunct="1">
+              <a:defRPr sz="1200" kern="1200">
+                <a:solidFill>
+                  <a:schemeClr val="tx1">
+                    <a:tint val="75000"/>
+                  </a:schemeClr>
+                </a:solidFill>
+                <a:latin typeface="+mn-lt"/>
+                <a:ea typeface="+mn-ea"/>
+                <a:cs typeface="+mn-cs"/>
+              </a:defRPr>
+            </a:lvl1pPr>
+            <a:lvl2pPr marL="457200" algn="l" defTabSz="914400" rtl="0" eaLnBrk="1" latinLnBrk="0" hangingPunct="1">
+              <a:defRPr sz="1800" kern="1200">
+                <a:solidFill>
+                  <a:schemeClr val="tx1"/>
+                </a:solidFill>
+                <a:latin typeface="+mn-lt"/>
+                <a:ea typeface="+mn-ea"/>
+                <a:cs typeface="+mn-cs"/>
+              </a:defRPr>
+            </a:lvl2pPr>
+            <a:lvl3pPr marL="914400" algn="l" defTabSz="914400" rtl="0" eaLnBrk="1" latinLnBrk="0" hangingPunct="1">
+              <a:defRPr sz="1800" kern="1200">
+                <a:solidFill>
+                  <a:schemeClr val="tx1"/>
+                </a:solidFill>
+                <a:latin typeface="+mn-lt"/>
+                <a:ea typeface="+mn-ea"/>
+                <a:cs typeface="+mn-cs"/>
+              </a:defRPr>
+            </a:lvl3pPr>
+            <a:lvl4pPr marL="1371600" algn="l" defTabSz="914400" rtl="0" eaLnBrk="1" latinLnBrk="0" hangingPunct="1">
+              <a:defRPr sz="1800" kern="1200">
+                <a:solidFill>
+                  <a:schemeClr val="tx1"/>
+                </a:solidFill>
+                <a:latin typeface="+mn-lt"/>
+                <a:ea typeface="+mn-ea"/>
+                <a:cs typeface="+mn-cs"/>
+              </a:defRPr>
+            </a:lvl4pPr>
+            <a:lvl5pPr marL="1828800" algn="l" defTabSz="914400" rtl="0" eaLnBrk="1" latinLnBrk="0" hangingPunct="1">
+              <a:defRPr sz="1800" kern="1200">
+                <a:solidFill>
+                  <a:schemeClr val="tx1"/>
+                </a:solidFill>
+                <a:latin typeface="+mn-lt"/>
+                <a:ea typeface="+mn-ea"/>
+                <a:cs typeface="+mn-cs"/>
+              </a:defRPr>
+            </a:lvl5pPr>
+            <a:lvl6pPr marL="2286000" algn="l" defTabSz="914400" rtl="0" eaLnBrk="1" latinLnBrk="0" hangingPunct="1">
+              <a:defRPr sz="1800" kern="1200">
+                <a:solidFill>
+                  <a:schemeClr val="tx1"/>
+                </a:solidFill>
+                <a:latin typeface="+mn-lt"/>
+                <a:ea typeface="+mn-ea"/>
+                <a:cs typeface="+mn-cs"/>
+              </a:defRPr>
+            </a:lvl6pPr>
+            <a:lvl7pPr marL="2743200" algn="l" defTabSz="914400" rtl="0" eaLnBrk="1" latinLnBrk="0" hangingPunct="1">
+              <a:defRPr sz="1800" kern="1200">
+                <a:solidFill>
+                  <a:schemeClr val="tx1"/>
+                </a:solidFill>
+                <a:latin typeface="+mn-lt"/>
+                <a:ea typeface="+mn-ea"/>
+                <a:cs typeface="+mn-cs"/>
+              </a:defRPr>
+            </a:lvl7pPr>
+            <a:lvl8pPr marL="3200400" algn="l" defTabSz="914400" rtl="0" eaLnBrk="1" latinLnBrk="0" hangingPunct="1">
+              <a:defRPr sz="1800" kern="1200">
+                <a:solidFill>
+                  <a:schemeClr val="tx1"/>
+                </a:solidFill>
+                <a:latin typeface="+mn-lt"/>
+                <a:ea typeface="+mn-ea"/>
+                <a:cs typeface="+mn-cs"/>
+              </a:defRPr>
+            </a:lvl8pPr>
+            <a:lvl9pPr marL="3657600" algn="l" defTabSz="914400" rtl="0" eaLnBrk="1" latinLnBrk="0" hangingPunct="1">
+              <a:defRPr sz="1800" kern="1200">
+                <a:solidFill>
+                  <a:schemeClr val="tx1"/>
+                </a:solidFill>
+                <a:latin typeface="+mn-lt"/>
+                <a:ea typeface="+mn-ea"/>
+                <a:cs typeface="+mn-cs"/>
+              </a:defRPr>
+            </a:lvl9pPr>
+          </a:lstStyle>
+          <a:p>
+            <a:r>
+              <a:rPr lang="en-US" sz="2800" b="1" dirty="0">
+                <a:solidFill>
+                  <a:schemeClr val="tx1">
+                    <a:lumMod val="65000"/>
+                    <a:lumOff val="35000"/>
+                  </a:schemeClr>
+                </a:solidFill>
+              </a:rPr>
+              <a:t>Wins vs Rank</a:t>
+            </a:r>
+          </a:p>
+        </p:txBody>
+      </p:sp>
+      <p:sp>
+        <p:nvSpPr>
+          <p:cNvPr id="7" name="Content Placeholder 7">
+            <a:extLst>
+              <a:ext uri="{FF2B5EF4-FFF2-40B4-BE49-F238E27FC236}">
+                <a16:creationId xmlns:a16="http://schemas.microsoft.com/office/drawing/2014/main" id="{15682930-0DCB-5954-0BC1-BDF856A12645}"/>
+              </a:ext>
+            </a:extLst>
+          </p:cNvPr>
+          <p:cNvSpPr txBox="1">
+            <a:spLocks/>
           </p:cNvSpPr>
-          <p:nvPr>
-            <p:ph idx="1"/>
-          </p:nvPr>
-        </p:nvSpPr>
-        <p:spPr>
-          <a:xfrm>
-            <a:off x="1687485" y="1706563"/>
-            <a:ext cx="8711738" cy="3680084"/>
-          </a:xfrm>
-        </p:spPr>
-        <p:txBody>
-          <a:bodyPr vert="horz" lIns="91440" tIns="45720" rIns="91440" bIns="45720" rtlCol="0" anchor="t">
-            <a:normAutofit fontScale="92500" lnSpcReduction="20000"/>
+          <p:nvPr/>
+        </p:nvSpPr>
+        <p:spPr>
+          <a:xfrm>
+            <a:off x="7680111" y="845653"/>
+            <a:ext cx="3180079" cy="522514"/>
+          </a:xfrm>
+          <a:prstGeom prst="rect">
+            <a:avLst/>
+          </a:prstGeom>
+        </p:spPr>
+        <p:txBody>
+          <a:bodyPr vert="horz" lIns="91440" tIns="45720" rIns="91440" bIns="45720" rtlCol="0" anchor="ctr">
+            <a:normAutofit fontScale="85000" lnSpcReduction="10000"/>
           </a:bodyPr>
-          <a:lstStyle/>
-          <a:p>
-            <a:r>
-              <a:rPr lang="en-US" sz="2000" b="1" dirty="0">
-                <a:latin typeface="Times New Roman" panose="02020603050405020304" pitchFamily="18" charset="0"/>
-                <a:cs typeface="Times New Roman" panose="02020603050405020304" pitchFamily="18" charset="0"/>
+          <a:lstStyle>
+            <a:defPPr>
+              <a:defRPr lang="en-US"/>
+            </a:defPPr>
+            <a:lvl1pPr marL="0" algn="r" defTabSz="914400" rtl="0" eaLnBrk="1" latinLnBrk="0" hangingPunct="1">
+              <a:defRPr sz="1200" kern="1200">
+                <a:solidFill>
+                  <a:schemeClr val="tx1">
+                    <a:tint val="75000"/>
+                  </a:schemeClr>
+                </a:solidFill>
+                <a:latin typeface="+mn-lt"/>
+                <a:ea typeface="+mn-ea"/>
+                <a:cs typeface="+mn-cs"/>
+              </a:defRPr>
+            </a:lvl1pPr>
+            <a:lvl2pPr marL="457200" algn="l" defTabSz="914400" rtl="0" eaLnBrk="1" latinLnBrk="0" hangingPunct="1">
+              <a:defRPr sz="1800" kern="1200">
+                <a:solidFill>
+                  <a:schemeClr val="tx1"/>
+                </a:solidFill>
+                <a:latin typeface="+mn-lt"/>
+                <a:ea typeface="+mn-ea"/>
+                <a:cs typeface="+mn-cs"/>
+              </a:defRPr>
+            </a:lvl2pPr>
+            <a:lvl3pPr marL="914400" algn="l" defTabSz="914400" rtl="0" eaLnBrk="1" latinLnBrk="0" hangingPunct="1">
+              <a:defRPr sz="1800" kern="1200">
+                <a:solidFill>
+                  <a:schemeClr val="tx1"/>
+                </a:solidFill>
+                <a:latin typeface="+mn-lt"/>
+                <a:ea typeface="+mn-ea"/>
+                <a:cs typeface="+mn-cs"/>
+              </a:defRPr>
+            </a:lvl3pPr>
+            <a:lvl4pPr marL="1371600" algn="l" defTabSz="914400" rtl="0" eaLnBrk="1" latinLnBrk="0" hangingPunct="1">
+              <a:defRPr sz="1800" kern="1200">
+                <a:solidFill>
+                  <a:schemeClr val="tx1"/>
+                </a:solidFill>
+                <a:latin typeface="+mn-lt"/>
+                <a:ea typeface="+mn-ea"/>
+                <a:cs typeface="+mn-cs"/>
+              </a:defRPr>
+            </a:lvl4pPr>
+            <a:lvl5pPr marL="1828800" algn="l" defTabSz="914400" rtl="0" eaLnBrk="1" latinLnBrk="0" hangingPunct="1">
+              <a:defRPr sz="1800" kern="1200">
+                <a:solidFill>
+                  <a:schemeClr val="tx1"/>
+                </a:solidFill>
+                <a:latin typeface="+mn-lt"/>
+                <a:ea typeface="+mn-ea"/>
+                <a:cs typeface="+mn-cs"/>
+              </a:defRPr>
+            </a:lvl5pPr>
+            <a:lvl6pPr marL="2286000" algn="l" defTabSz="914400" rtl="0" eaLnBrk="1" latinLnBrk="0" hangingPunct="1">
+              <a:defRPr sz="1800" kern="1200">
+                <a:solidFill>
+                  <a:schemeClr val="tx1"/>
+                </a:solidFill>
+                <a:latin typeface="+mn-lt"/>
+                <a:ea typeface="+mn-ea"/>
+                <a:cs typeface="+mn-cs"/>
+              </a:defRPr>
+            </a:lvl6pPr>
+            <a:lvl7pPr marL="2743200" algn="l" defTabSz="914400" rtl="0" eaLnBrk="1" latinLnBrk="0" hangingPunct="1">
+              <a:defRPr sz="1800" kern="1200">
+                <a:solidFill>
+                  <a:schemeClr val="tx1"/>
+                </a:solidFill>
+                <a:latin typeface="+mn-lt"/>
+                <a:ea typeface="+mn-ea"/>
+                <a:cs typeface="+mn-cs"/>
+              </a:defRPr>
+            </a:lvl7pPr>
+            <a:lvl8pPr marL="3200400" algn="l" defTabSz="914400" rtl="0" eaLnBrk="1" latinLnBrk="0" hangingPunct="1">
+              <a:defRPr sz="1800" kern="1200">
+                <a:solidFill>
+                  <a:schemeClr val="tx1"/>
+                </a:solidFill>
+                <a:latin typeface="+mn-lt"/>
+                <a:ea typeface="+mn-ea"/>
+                <a:cs typeface="+mn-cs"/>
+              </a:defRPr>
+            </a:lvl8pPr>
+            <a:lvl9pPr marL="3657600" algn="l" defTabSz="914400" rtl="0" eaLnBrk="1" latinLnBrk="0" hangingPunct="1">
+              <a:defRPr sz="1800" kern="1200">
+                <a:solidFill>
+                  <a:schemeClr val="tx1"/>
+                </a:solidFill>
+                <a:latin typeface="+mn-lt"/>
+                <a:ea typeface="+mn-ea"/>
+                <a:cs typeface="+mn-cs"/>
+              </a:defRPr>
+            </a:lvl9pPr>
+          </a:lstStyle>
+          <a:p>
+            <a:r>
+              <a:rPr lang="en-US" sz="2800" b="1" dirty="0">
+                <a:solidFill>
+                  <a:schemeClr val="tx1">
+                    <a:lumMod val="65000"/>
+                    <a:lumOff val="35000"/>
+                  </a:schemeClr>
+                </a:solidFill>
               </a:rPr>
-              <a:t>Advantage: </a:t>
-            </a:r>
-          </a:p>
-          <a:p>
-            <a:pPr marL="342900" indent="-342900">
-              <a:buFont typeface="Arial" panose="020B0604020202020204" pitchFamily="34" charset="0"/>
-              <a:buChar char="•"/>
-            </a:pPr>
-            <a:r>
-              <a:rPr lang="en-US" sz="2000" dirty="0">
-                <a:latin typeface="Times New Roman" panose="02020603050405020304" pitchFamily="18" charset="0"/>
-                <a:cs typeface="Times New Roman" panose="02020603050405020304" pitchFamily="18" charset="0"/>
-              </a:rPr>
-              <a:t>Easy to understand and interpret, can capture non-linear relationship</a:t>
-            </a:r>
-          </a:p>
-          <a:p>
-            <a:pPr marL="342900" indent="-342900">
-              <a:buFont typeface="Arial" panose="020B0604020202020204" pitchFamily="34" charset="0"/>
-              <a:buChar char="•"/>
-            </a:pPr>
-            <a:r>
-              <a:rPr lang="en-US" sz="2000" dirty="0">
-                <a:latin typeface="Times New Roman" panose="02020603050405020304" pitchFamily="18" charset="0"/>
-                <a:cs typeface="Times New Roman" panose="02020603050405020304" pitchFamily="18" charset="0"/>
-              </a:rPr>
-              <a:t>Less effort for data preparation (not require normalization of data)can handle both numerical &amp; categorical data</a:t>
-            </a:r>
-          </a:p>
-          <a:p>
-            <a:pPr marL="342900" indent="-342900">
-              <a:buFont typeface="Arial" panose="020B0604020202020204" pitchFamily="34" charset="0"/>
-              <a:buChar char="•"/>
-            </a:pPr>
-            <a:r>
-              <a:rPr lang="en-US" sz="2000" dirty="0">
-                <a:latin typeface="Times New Roman" panose="02020603050405020304" pitchFamily="18" charset="0"/>
-                <a:cs typeface="Times New Roman" panose="02020603050405020304" pitchFamily="18" charset="0"/>
-              </a:rPr>
-              <a:t>Does not require scaling of data , missing value do not affect processing</a:t>
-            </a:r>
-          </a:p>
-          <a:p>
-            <a:pPr marL="342900" indent="-342900">
-              <a:buFont typeface="Arial" panose="020B0604020202020204" pitchFamily="34" charset="0"/>
-              <a:buChar char="•"/>
-            </a:pPr>
-            <a:r>
-              <a:rPr lang="en-US" sz="2000" dirty="0">
-                <a:latin typeface="Times New Roman" panose="02020603050405020304" pitchFamily="18" charset="0"/>
-                <a:cs typeface="Times New Roman" panose="02020603050405020304" pitchFamily="18" charset="0"/>
-              </a:rPr>
-              <a:t>Does not depend on the mean or variance of the data                </a:t>
-            </a:r>
-          </a:p>
-          <a:p>
-            <a:r>
-              <a:rPr lang="en-US" sz="2000" b="1" dirty="0">
-                <a:latin typeface="Times New Roman" panose="02020603050405020304" pitchFamily="18" charset="0"/>
-                <a:cs typeface="Times New Roman" panose="02020603050405020304" pitchFamily="18" charset="0"/>
-              </a:rPr>
-              <a:t>Disadvantages:</a:t>
-            </a:r>
-            <a:r>
-              <a:rPr lang="en-US" sz="2000" dirty="0">
-                <a:latin typeface="Times New Roman" panose="02020603050405020304" pitchFamily="18" charset="0"/>
-                <a:cs typeface="Times New Roman" panose="02020603050405020304" pitchFamily="18" charset="0"/>
-              </a:rPr>
-              <a:t> </a:t>
-            </a:r>
-          </a:p>
-          <a:p>
-            <a:pPr marL="342900" indent="-342900">
-              <a:buFont typeface="Arial" panose="020B0604020202020204" pitchFamily="34" charset="0"/>
-              <a:buChar char="•"/>
-            </a:pPr>
-            <a:r>
-              <a:rPr lang="en-US" sz="2000" dirty="0">
-                <a:latin typeface="Times New Roman" panose="02020603050405020304" pitchFamily="18" charset="0"/>
-                <a:cs typeface="Times New Roman" panose="02020603050405020304" pitchFamily="18" charset="0"/>
-              </a:rPr>
-              <a:t>Overfitting occurs when algorithm captures noise in the data</a:t>
-            </a:r>
-          </a:p>
-          <a:p>
-            <a:pPr marL="342900" indent="-342900">
-              <a:buFont typeface="Arial" panose="020B0604020202020204" pitchFamily="34" charset="0"/>
-              <a:buChar char="•"/>
-            </a:pPr>
-            <a:r>
-              <a:rPr lang="en-US" sz="2000" dirty="0">
-                <a:latin typeface="Times New Roman" panose="02020603050405020304" pitchFamily="18" charset="0"/>
-                <a:cs typeface="Times New Roman" panose="02020603050405020304" pitchFamily="18" charset="0"/>
-              </a:rPr>
-              <a:t>Inadequate for applying regression and predicting continuous values</a:t>
-            </a:r>
-          </a:p>
-          <a:p>
-            <a:pPr marL="342900" indent="-342900">
-              <a:buFont typeface="Arial" panose="020B0604020202020204" pitchFamily="34" charset="0"/>
-              <a:buChar char="•"/>
-            </a:pPr>
-            <a:r>
-              <a:rPr lang="en-US" sz="2000" dirty="0">
-                <a:latin typeface="Times New Roman" panose="02020603050405020304" pitchFamily="18" charset="0"/>
-                <a:cs typeface="Times New Roman" panose="02020603050405020304" pitchFamily="18" charset="0"/>
-              </a:rPr>
-              <a:t>Highly complicated decision tree tends to have a low bias which makes </a:t>
-            </a:r>
-          </a:p>
-          <a:p>
-            <a:r>
-              <a:rPr lang="en-US" sz="2000" dirty="0">
-                <a:latin typeface="Times New Roman" panose="02020603050405020304" pitchFamily="18" charset="0"/>
-                <a:cs typeface="Times New Roman" panose="02020603050405020304" pitchFamily="18" charset="0"/>
-              </a:rPr>
-              <a:t>       it difficult for the model to work with new data/large data set</a:t>
-            </a:r>
-          </a:p>
-        </p:txBody>
-      </p:sp>
-      <p:sp>
-        <p:nvSpPr>
-          <p:cNvPr id="6" name="Slide Number Placeholder 5">
-            <a:extLst>
-              <a:ext uri="{FF2B5EF4-FFF2-40B4-BE49-F238E27FC236}">
-                <a16:creationId xmlns:a16="http://schemas.microsoft.com/office/drawing/2014/main" id="{60D470D0-6D64-5E42-9515-048F8779CD5E}"/>
-              </a:ext>
-            </a:extLst>
-          </p:cNvPr>
-          <p:cNvSpPr>
-            <a:spLocks noGrp="1"/>
-          </p:cNvSpPr>
-          <p:nvPr>
-            <p:ph type="sldNum" sz="quarter" idx="4"/>
-          </p:nvPr>
-        </p:nvSpPr>
-        <p:spPr>
-          <a:xfrm>
-            <a:off x="10153276" y="6356350"/>
-            <a:ext cx="1657723" cy="365125"/>
-          </a:xfrm>
-        </p:spPr>
-        <p:txBody>
-          <a:bodyPr/>
-          <a:lstStyle/>
-          <a:p>
-            <a:fld id="{294A09A9-5501-47C1-A89A-A340965A2BE2}" type="slidenum">
-              <a:rPr lang="en-US" smtClean="0"/>
-              <a:pPr/>
-              <a:t>3</a:t>
-            </a:fld>
-            <a:endParaRPr lang="en-US" dirty="0"/>
+              <a:t>Runs Allowed vs Rank</a:t>
+            </a:r>
           </a:p>
         </p:txBody>
       </p:sp>
     </p:spTree>
     <p:extLst>
       <p:ext uri="{BB962C8B-B14F-4D97-AF65-F5344CB8AC3E}">
-        <p14:creationId xmlns:p14="http://schemas.microsoft.com/office/powerpoint/2010/main" val="1325608595"/>
+        <p14:creationId xmlns:p14="http://schemas.microsoft.com/office/powerpoint/2010/main" val="3781948778"/>
       </p:ext>
     </p:extLst>
   </p:cSld>
@@ -14123,533 +15215,12 @@
           <a:chExt cx="0" cy="0"/>
         </a:xfrm>
       </p:grpSpPr>
-      <p:sp>
-        <p:nvSpPr>
-          <p:cNvPr id="2" name="Title 1">
-            <a:extLst>
-              <a:ext uri="{FF2B5EF4-FFF2-40B4-BE49-F238E27FC236}">
-                <a16:creationId xmlns:a16="http://schemas.microsoft.com/office/drawing/2014/main" id="{27A6F7BB-30A8-4980-AD4A-2FB0B53FA6C9}"/>
-              </a:ext>
-            </a:extLst>
-          </p:cNvPr>
-          <p:cNvSpPr>
-            <a:spLocks noGrp="1"/>
-          </p:cNvSpPr>
-          <p:nvPr>
-            <p:ph type="title"/>
-          </p:nvPr>
-        </p:nvSpPr>
-        <p:spPr>
-          <a:xfrm rot="10800000" flipV="1">
-            <a:off x="4093800" y="879894"/>
-            <a:ext cx="1713481" cy="1101034"/>
-          </a:xfrm>
-        </p:spPr>
-        <p:txBody>
-          <a:bodyPr/>
-          <a:lstStyle/>
-          <a:p>
-            <a:endParaRPr lang="en-US" sz="1000" b="0" dirty="0"/>
-          </a:p>
-        </p:txBody>
-      </p:sp>
-      <p:sp>
-        <p:nvSpPr>
-          <p:cNvPr id="34" name="Text Placeholder 33">
-            <a:extLst>
-              <a:ext uri="{FF2B5EF4-FFF2-40B4-BE49-F238E27FC236}">
-                <a16:creationId xmlns:a16="http://schemas.microsoft.com/office/drawing/2014/main" id="{C1C92E27-D550-F44E-8491-927F819E72B8}"/>
-              </a:ext>
-            </a:extLst>
-          </p:cNvPr>
-          <p:cNvSpPr>
-            <a:spLocks noGrp="1"/>
-          </p:cNvSpPr>
-          <p:nvPr>
-            <p:ph type="body" sz="quarter" idx="17"/>
-          </p:nvPr>
-        </p:nvSpPr>
-        <p:spPr>
-          <a:xfrm>
-            <a:off x="455539" y="2671653"/>
-            <a:ext cx="2741588" cy="417028"/>
-          </a:xfrm>
-        </p:spPr>
-        <p:txBody>
-          <a:bodyPr/>
-          <a:lstStyle/>
-          <a:p>
-            <a:pPr marL="0" marR="0">
-              <a:lnSpc>
-                <a:spcPct val="107000"/>
-              </a:lnSpc>
-              <a:spcBef>
-                <a:spcPts val="0"/>
-              </a:spcBef>
-              <a:spcAft>
-                <a:spcPts val="800"/>
-              </a:spcAft>
-            </a:pPr>
-            <a:r>
-              <a:rPr lang="en-US" sz="1800" kern="100" dirty="0">
-                <a:effectLst/>
-                <a:latin typeface="Calibri" panose="020F0502020204030204" pitchFamily="34" charset="0"/>
-                <a:ea typeface="Calibri" panose="020F0502020204030204" pitchFamily="34" charset="0"/>
-                <a:cs typeface="Times New Roman" panose="02020603050405020304" pitchFamily="18" charset="0"/>
-              </a:rPr>
-              <a:t> </a:t>
-            </a:r>
-          </a:p>
-          <a:p>
-            <a:endParaRPr lang="en-US" dirty="0"/>
-          </a:p>
-        </p:txBody>
-      </p:sp>
-      <p:sp>
-        <p:nvSpPr>
-          <p:cNvPr id="35" name="Text Placeholder 34">
-            <a:extLst>
-              <a:ext uri="{FF2B5EF4-FFF2-40B4-BE49-F238E27FC236}">
-                <a16:creationId xmlns:a16="http://schemas.microsoft.com/office/drawing/2014/main" id="{7D722C50-45F7-D84B-B216-568F72D66349}"/>
-              </a:ext>
-            </a:extLst>
-          </p:cNvPr>
-          <p:cNvSpPr>
-            <a:spLocks noGrp="1"/>
-          </p:cNvSpPr>
-          <p:nvPr>
-            <p:ph type="body" sz="quarter" idx="18"/>
-          </p:nvPr>
-        </p:nvSpPr>
-        <p:spPr>
-          <a:xfrm>
-            <a:off x="2985551" y="4598576"/>
-            <a:ext cx="4114800" cy="2114953"/>
-          </a:xfrm>
-        </p:spPr>
-        <p:txBody>
-          <a:bodyPr/>
-          <a:lstStyle/>
-          <a:p>
-            <a:pPr marL="0" marR="0">
-              <a:lnSpc>
-                <a:spcPct val="107000"/>
-              </a:lnSpc>
-              <a:spcBef>
-                <a:spcPts val="0"/>
-              </a:spcBef>
-              <a:spcAft>
-                <a:spcPts val="0"/>
-              </a:spcAft>
-            </a:pPr>
-            <a:r>
-              <a:rPr lang="en-US" sz="1800" kern="100" dirty="0">
-                <a:effectLst/>
-                <a:latin typeface="Calibri" panose="020F0502020204030204" pitchFamily="34" charset="0"/>
-                <a:ea typeface="Calibri" panose="020F0502020204030204" pitchFamily="34" charset="0"/>
-                <a:cs typeface="Times New Roman" panose="02020603050405020304" pitchFamily="18" charset="0"/>
-              </a:rPr>
-              <a:t> </a:t>
-            </a:r>
-          </a:p>
-          <a:p>
-            <a:endParaRPr lang="en-US" dirty="0"/>
-          </a:p>
-        </p:txBody>
-      </p:sp>
-      <p:sp>
-        <p:nvSpPr>
-          <p:cNvPr id="36" name="Text Placeholder 35">
-            <a:extLst>
-              <a:ext uri="{FF2B5EF4-FFF2-40B4-BE49-F238E27FC236}">
-                <a16:creationId xmlns:a16="http://schemas.microsoft.com/office/drawing/2014/main" id="{176187A9-3EBE-F64D-AE99-021BB3767F90}"/>
-              </a:ext>
-            </a:extLst>
-          </p:cNvPr>
-          <p:cNvSpPr>
-            <a:spLocks noGrp="1"/>
-          </p:cNvSpPr>
-          <p:nvPr>
-            <p:ph type="body" sz="quarter" idx="19"/>
-          </p:nvPr>
-        </p:nvSpPr>
-        <p:spPr>
-          <a:xfrm>
-            <a:off x="6870817" y="2422565"/>
-            <a:ext cx="2281237" cy="347662"/>
-          </a:xfrm>
-        </p:spPr>
-        <p:txBody>
-          <a:bodyPr/>
-          <a:lstStyle/>
-          <a:p>
-            <a:endParaRPr lang="en-US" dirty="0"/>
-          </a:p>
-        </p:txBody>
-      </p:sp>
-      <p:sp>
-        <p:nvSpPr>
-          <p:cNvPr id="37" name="Text Placeholder 36">
-            <a:extLst>
-              <a:ext uri="{FF2B5EF4-FFF2-40B4-BE49-F238E27FC236}">
-                <a16:creationId xmlns:a16="http://schemas.microsoft.com/office/drawing/2014/main" id="{7990731F-95DE-4F44-8EA0-E275CEAFD8A2}"/>
-              </a:ext>
-            </a:extLst>
-          </p:cNvPr>
-          <p:cNvSpPr>
-            <a:spLocks noGrp="1"/>
-          </p:cNvSpPr>
-          <p:nvPr>
-            <p:ph type="body" sz="quarter" idx="20"/>
-          </p:nvPr>
-        </p:nvSpPr>
-        <p:spPr>
-          <a:xfrm>
-            <a:off x="6870816" y="2807811"/>
-            <a:ext cx="2281237" cy="347662"/>
-          </a:xfrm>
-        </p:spPr>
-        <p:txBody>
-          <a:bodyPr/>
-          <a:lstStyle/>
-          <a:p>
-            <a:r>
-              <a:rPr lang="en-US" dirty="0"/>
-              <a:t>Chief Executive Officer</a:t>
-            </a:r>
-          </a:p>
-        </p:txBody>
-      </p:sp>
-      <p:sp>
-        <p:nvSpPr>
-          <p:cNvPr id="38" name="Text Placeholder 37">
-            <a:extLst>
-              <a:ext uri="{FF2B5EF4-FFF2-40B4-BE49-F238E27FC236}">
-                <a16:creationId xmlns:a16="http://schemas.microsoft.com/office/drawing/2014/main" id="{5B19EE51-628F-CA4E-94B0-57E9ACA1446A}"/>
-              </a:ext>
-            </a:extLst>
-          </p:cNvPr>
-          <p:cNvSpPr>
-            <a:spLocks noGrp="1"/>
-          </p:cNvSpPr>
-          <p:nvPr>
-            <p:ph type="body" sz="quarter" idx="21"/>
-          </p:nvPr>
-        </p:nvSpPr>
-        <p:spPr>
-          <a:xfrm>
-            <a:off x="4519032" y="3403352"/>
-            <a:ext cx="1976659" cy="818502"/>
-          </a:xfrm>
-        </p:spPr>
-        <p:txBody>
-          <a:bodyPr/>
-          <a:lstStyle/>
-          <a:p>
-            <a:pPr>
-              <a:lnSpc>
-                <a:spcPct val="107000"/>
-              </a:lnSpc>
-            </a:pPr>
-            <a:endParaRPr lang="en-US" sz="1000" b="0" kern="100" dirty="0">
-              <a:highlight>
-                <a:srgbClr val="FFFF00"/>
-              </a:highlight>
-              <a:latin typeface="Calibri" panose="020F0502020204030204" pitchFamily="34" charset="0"/>
-              <a:ea typeface="Calibri" panose="020F0502020204030204" pitchFamily="34" charset="0"/>
-              <a:cs typeface="Times New Roman" panose="02020603050405020304" pitchFamily="18" charset="0"/>
-            </a:endParaRPr>
-          </a:p>
-          <a:p>
-            <a:endParaRPr lang="en-US" dirty="0"/>
-          </a:p>
-        </p:txBody>
-      </p:sp>
-      <p:sp>
-        <p:nvSpPr>
-          <p:cNvPr id="39" name="Text Placeholder 38">
-            <a:extLst>
-              <a:ext uri="{FF2B5EF4-FFF2-40B4-BE49-F238E27FC236}">
-                <a16:creationId xmlns:a16="http://schemas.microsoft.com/office/drawing/2014/main" id="{2A6ACC78-74DF-604E-BD14-4BBE7B4EEF5B}"/>
-              </a:ext>
-            </a:extLst>
-          </p:cNvPr>
-          <p:cNvSpPr>
-            <a:spLocks noGrp="1"/>
-          </p:cNvSpPr>
-          <p:nvPr>
-            <p:ph type="body" sz="quarter" idx="22"/>
-          </p:nvPr>
-        </p:nvSpPr>
-        <p:spPr>
-          <a:xfrm>
-            <a:off x="2123350" y="4884039"/>
-            <a:ext cx="2281237" cy="347662"/>
-          </a:xfrm>
-        </p:spPr>
-        <p:txBody>
-          <a:bodyPr/>
-          <a:lstStyle/>
-          <a:p>
-            <a:endParaRPr lang="en-US" dirty="0"/>
-          </a:p>
-        </p:txBody>
-      </p:sp>
-      <p:sp>
-        <p:nvSpPr>
-          <p:cNvPr id="40" name="Text Placeholder 39">
-            <a:extLst>
-              <a:ext uri="{FF2B5EF4-FFF2-40B4-BE49-F238E27FC236}">
-                <a16:creationId xmlns:a16="http://schemas.microsoft.com/office/drawing/2014/main" id="{9DC429C0-1DEB-1F4F-AE66-C503B31B7B48}"/>
-              </a:ext>
-            </a:extLst>
-          </p:cNvPr>
-          <p:cNvSpPr>
-            <a:spLocks noGrp="1"/>
-          </p:cNvSpPr>
-          <p:nvPr>
-            <p:ph type="body" sz="quarter" idx="23"/>
-          </p:nvPr>
-        </p:nvSpPr>
-        <p:spPr>
-          <a:xfrm>
-            <a:off x="6870817" y="3937777"/>
-            <a:ext cx="2834086" cy="1959169"/>
-          </a:xfrm>
-        </p:spPr>
-        <p:txBody>
-          <a:bodyPr/>
-          <a:lstStyle/>
-          <a:p>
-            <a:pPr marL="0" marR="0">
-              <a:lnSpc>
-                <a:spcPct val="107000"/>
-              </a:lnSpc>
-              <a:spcBef>
-                <a:spcPts val="0"/>
-              </a:spcBef>
-              <a:spcAft>
-                <a:spcPts val="0"/>
-              </a:spcAft>
-            </a:pPr>
-            <a:r>
-              <a:rPr lang="en-US" sz="1000" kern="100" noProof="1">
-                <a:effectLst/>
-                <a:latin typeface="Calibri" panose="020F0502020204030204" pitchFamily="34" charset="0"/>
-                <a:ea typeface="Calibri" panose="020F0502020204030204" pitchFamily="34" charset="0"/>
-                <a:cs typeface="Times New Roman" panose="02020603050405020304" pitchFamily="18" charset="0"/>
-              </a:rPr>
-              <a:t>y = df['MPG.city']</a:t>
-            </a:r>
-          </a:p>
-          <a:p>
-            <a:pPr marL="0" marR="0">
-              <a:lnSpc>
-                <a:spcPct val="107000"/>
-              </a:lnSpc>
-              <a:spcBef>
-                <a:spcPts val="0"/>
-              </a:spcBef>
-              <a:spcAft>
-                <a:spcPts val="0"/>
-              </a:spcAft>
-            </a:pPr>
-            <a:r>
-              <a:rPr lang="en-US" sz="1000" kern="100" noProof="1">
-                <a:effectLst/>
-                <a:latin typeface="Calibri" panose="020F0502020204030204" pitchFamily="34" charset="0"/>
-                <a:ea typeface="Calibri" panose="020F0502020204030204" pitchFamily="34" charset="0"/>
-                <a:cs typeface="Times New Roman" panose="02020603050405020304" pitchFamily="18" charset="0"/>
-              </a:rPr>
-              <a:t>X = df[['Price']]</a:t>
-            </a:r>
-          </a:p>
-          <a:p>
-            <a:pPr marL="0" marR="0">
-              <a:lnSpc>
-                <a:spcPct val="107000"/>
-              </a:lnSpc>
-              <a:spcBef>
-                <a:spcPts val="0"/>
-              </a:spcBef>
-              <a:spcAft>
-                <a:spcPts val="0"/>
-              </a:spcAft>
-            </a:pPr>
-            <a:r>
-              <a:rPr lang="en-US" sz="1000" kern="100" noProof="1">
-                <a:effectLst/>
-                <a:latin typeface="Calibri" panose="020F0502020204030204" pitchFamily="34" charset="0"/>
-                <a:ea typeface="Calibri" panose="020F0502020204030204" pitchFamily="34" charset="0"/>
-                <a:cs typeface="Times New Roman" panose="02020603050405020304" pitchFamily="18" charset="0"/>
-              </a:rPr>
-              <a:t>model.fit(X, y)</a:t>
-            </a:r>
-          </a:p>
-          <a:p>
-            <a:pPr marL="0" marR="0">
-              <a:lnSpc>
-                <a:spcPct val="107000"/>
-              </a:lnSpc>
-              <a:spcBef>
-                <a:spcPts val="0"/>
-              </a:spcBef>
-              <a:spcAft>
-                <a:spcPts val="0"/>
-              </a:spcAft>
-            </a:pPr>
-            <a:r>
-              <a:rPr lang="en-US" sz="1000" kern="100" noProof="1">
-                <a:effectLst/>
-                <a:latin typeface="Calibri" panose="020F0502020204030204" pitchFamily="34" charset="0"/>
-                <a:ea typeface="Calibri" panose="020F0502020204030204" pitchFamily="34" charset="0"/>
-                <a:cs typeface="Times New Roman" panose="02020603050405020304" pitchFamily="18" charset="0"/>
-              </a:rPr>
-              <a:t>model.score(X, y) for LinearRegression(): 0.35</a:t>
-            </a:r>
-          </a:p>
-          <a:p>
-            <a:pPr marL="0" marR="0">
-              <a:lnSpc>
-                <a:spcPct val="107000"/>
-              </a:lnSpc>
-              <a:spcBef>
-                <a:spcPts val="0"/>
-              </a:spcBef>
-              <a:spcAft>
-                <a:spcPts val="0"/>
-              </a:spcAft>
-            </a:pPr>
-            <a:r>
-              <a:rPr lang="en-US" sz="1000" kern="100" noProof="1">
-                <a:effectLst/>
-                <a:latin typeface="Calibri" panose="020F0502020204030204" pitchFamily="34" charset="0"/>
-                <a:ea typeface="Calibri" panose="020F0502020204030204" pitchFamily="34" charset="0"/>
-                <a:cs typeface="Times New Roman" panose="02020603050405020304" pitchFamily="18" charset="0"/>
-              </a:rPr>
-              <a:t>model.score(X, y) for KNeighborsRegressor(): 0.73</a:t>
-            </a:r>
-          </a:p>
-          <a:p>
-            <a:pPr marL="0" marR="0">
-              <a:lnSpc>
-                <a:spcPct val="107000"/>
-              </a:lnSpc>
-              <a:spcBef>
-                <a:spcPts val="0"/>
-              </a:spcBef>
-              <a:spcAft>
-                <a:spcPts val="0"/>
-              </a:spcAft>
-            </a:pPr>
-            <a:r>
-              <a:rPr lang="en-US" sz="1000" kern="100" noProof="1">
-                <a:effectLst/>
-                <a:latin typeface="Calibri" panose="020F0502020204030204" pitchFamily="34" charset="0"/>
-                <a:ea typeface="Calibri" panose="020F0502020204030204" pitchFamily="34" charset="0"/>
-                <a:cs typeface="Times New Roman" panose="02020603050405020304" pitchFamily="18" charset="0"/>
-              </a:rPr>
-              <a:t>model.score(X, y) for tree.DecisionTreeRegressor(): 0.94</a:t>
-            </a:r>
-          </a:p>
-          <a:p>
-            <a:pPr marL="0" marR="0">
-              <a:lnSpc>
-                <a:spcPct val="107000"/>
-              </a:lnSpc>
-              <a:spcBef>
-                <a:spcPts val="0"/>
-              </a:spcBef>
-              <a:spcAft>
-                <a:spcPts val="800"/>
-              </a:spcAft>
-            </a:pPr>
-            <a:r>
-              <a:rPr lang="en-US" sz="1800" kern="100" dirty="0">
-                <a:effectLst/>
-                <a:latin typeface="Calibri" panose="020F0502020204030204" pitchFamily="34" charset="0"/>
-                <a:ea typeface="Calibri" panose="020F0502020204030204" pitchFamily="34" charset="0"/>
-                <a:cs typeface="Times New Roman" panose="02020603050405020304" pitchFamily="18" charset="0"/>
-              </a:rPr>
-              <a:t> </a:t>
-            </a:r>
-          </a:p>
-          <a:p>
-            <a:endParaRPr lang="en-US" dirty="0"/>
-          </a:p>
-        </p:txBody>
-      </p:sp>
-      <p:sp>
-        <p:nvSpPr>
-          <p:cNvPr id="41" name="Text Placeholder 40">
-            <a:extLst>
-              <a:ext uri="{FF2B5EF4-FFF2-40B4-BE49-F238E27FC236}">
-                <a16:creationId xmlns:a16="http://schemas.microsoft.com/office/drawing/2014/main" id="{31C0CCD4-2502-A14F-B520-7B57524EDF8E}"/>
-              </a:ext>
-            </a:extLst>
-          </p:cNvPr>
-          <p:cNvSpPr>
-            <a:spLocks noGrp="1"/>
-          </p:cNvSpPr>
-          <p:nvPr>
-            <p:ph type="body" sz="quarter" idx="24"/>
-          </p:nvPr>
-        </p:nvSpPr>
-        <p:spPr>
-          <a:xfrm>
-            <a:off x="60025" y="3088680"/>
-            <a:ext cx="1001024" cy="66793"/>
-          </a:xfrm>
-        </p:spPr>
-        <p:txBody>
-          <a:bodyPr/>
-          <a:lstStyle/>
-          <a:p>
-            <a:endParaRPr lang="en-US" sz="1000" dirty="0"/>
-          </a:p>
-        </p:txBody>
-      </p:sp>
-      <p:sp>
-        <p:nvSpPr>
-          <p:cNvPr id="5" name="Slide Number Placeholder 4">
-            <a:extLst>
-              <a:ext uri="{FF2B5EF4-FFF2-40B4-BE49-F238E27FC236}">
-                <a16:creationId xmlns:a16="http://schemas.microsoft.com/office/drawing/2014/main" id="{987CCF58-9B83-4A4F-8CA9-3D9C9BB7A287}"/>
-              </a:ext>
-            </a:extLst>
-          </p:cNvPr>
-          <p:cNvSpPr>
-            <a:spLocks noGrp="1"/>
-          </p:cNvSpPr>
-          <p:nvPr>
-            <p:ph type="sldNum" sz="quarter" idx="12"/>
-          </p:nvPr>
-        </p:nvSpPr>
-        <p:spPr>
-          <a:xfrm>
-            <a:off x="8332334" y="6356350"/>
-            <a:ext cx="1167495" cy="365125"/>
-          </a:xfrm>
-        </p:spPr>
-        <p:txBody>
-          <a:bodyPr/>
-          <a:lstStyle/>
-          <a:p>
-            <a:fld id="{294A09A9-5501-47C1-A89A-A340965A2BE2}" type="slidenum">
-              <a:rPr lang="en-US" smtClean="0"/>
-              <a:pPr/>
-              <a:t>4</a:t>
-            </a:fld>
-            <a:endParaRPr lang="en-US" dirty="0"/>
-          </a:p>
-        </p:txBody>
-      </p:sp>
       <p:pic>
         <p:nvPicPr>
-          <p:cNvPr id="6" name="Picture 5" descr="Timeline&#10;&#10;Description automatically generated">
-            <a:extLst>
-              <a:ext uri="{FF2B5EF4-FFF2-40B4-BE49-F238E27FC236}">
-                <a16:creationId xmlns:a16="http://schemas.microsoft.com/office/drawing/2014/main" id="{BCDAD026-9AEF-4B3A-E963-58199E0A09D4}"/>
+          <p:cNvPr id="3" name="Picture 2">
+            <a:extLst>
+              <a:ext uri="{FF2B5EF4-FFF2-40B4-BE49-F238E27FC236}">
+                <a16:creationId xmlns:a16="http://schemas.microsoft.com/office/drawing/2014/main" id="{2EE0A308-38BC-C9A2-FB79-99B415F71BB1}"/>
               </a:ext>
             </a:extLst>
           </p:cNvPr>
@@ -14666,128 +15237,8 @@
         </p:blipFill>
         <p:spPr>
           <a:xfrm>
-            <a:off x="1" y="653945"/>
-            <a:ext cx="2871105" cy="2759972"/>
-          </a:xfrm>
-          <a:prstGeom prst="rect">
-            <a:avLst/>
-          </a:prstGeom>
-        </p:spPr>
-      </p:pic>
-      <p:pic>
-        <p:nvPicPr>
-          <p:cNvPr id="8" name="Picture 7" descr="Chart, histogram">
-            <a:extLst>
-              <a:ext uri="{FF2B5EF4-FFF2-40B4-BE49-F238E27FC236}">
-                <a16:creationId xmlns:a16="http://schemas.microsoft.com/office/drawing/2014/main" id="{7412DACE-9FD0-121E-15FC-EDA311D9998A}"/>
-              </a:ext>
-            </a:extLst>
-          </p:cNvPr>
-          <p:cNvPicPr>
-            <a:picLocks noChangeAspect="1"/>
-          </p:cNvPicPr>
-          <p:nvPr/>
-        </p:nvPicPr>
-        <p:blipFill>
-          <a:blip r:embed="rId3"/>
-          <a:stretch>
-            <a:fillRect/>
-          </a:stretch>
-        </p:blipFill>
-        <p:spPr>
-          <a:xfrm>
-            <a:off x="6693138" y="687066"/>
-            <a:ext cx="2806691" cy="2659486"/>
-          </a:xfrm>
-          <a:prstGeom prst="rect">
-            <a:avLst/>
-          </a:prstGeom>
-        </p:spPr>
-      </p:pic>
-      <p:pic>
-        <p:nvPicPr>
-          <p:cNvPr id="17" name="Picture 16" descr="Chart, scatter chart">
-            <a:extLst>
-              <a:ext uri="{FF2B5EF4-FFF2-40B4-BE49-F238E27FC236}">
-                <a16:creationId xmlns:a16="http://schemas.microsoft.com/office/drawing/2014/main" id="{B0EEDB6C-371E-ECE6-61B3-99BFAF4B18DC}"/>
-              </a:ext>
-            </a:extLst>
-          </p:cNvPr>
-          <p:cNvPicPr>
-            <a:picLocks noChangeAspect="1"/>
-          </p:cNvPicPr>
-          <p:nvPr/>
-        </p:nvPicPr>
-        <p:blipFill>
-          <a:blip r:embed="rId4"/>
-          <a:stretch>
-            <a:fillRect/>
-          </a:stretch>
-        </p:blipFill>
-        <p:spPr>
-          <a:xfrm>
-            <a:off x="381000" y="4036156"/>
-            <a:ext cx="3121325" cy="1792821"/>
-          </a:xfrm>
-          <a:prstGeom prst="rect">
-            <a:avLst/>
-          </a:prstGeom>
-        </p:spPr>
-      </p:pic>
-      <p:pic>
-        <p:nvPicPr>
-          <p:cNvPr id="25" name="Picture 24">
-            <a:extLst>
-              <a:ext uri="{FF2B5EF4-FFF2-40B4-BE49-F238E27FC236}">
-                <a16:creationId xmlns:a16="http://schemas.microsoft.com/office/drawing/2014/main" id="{66455887-5426-6015-9814-AA6C8F88D0C8}"/>
-              </a:ext>
-            </a:extLst>
-          </p:cNvPr>
-          <p:cNvPicPr>
-            <a:picLocks noChangeAspect="1"/>
-          </p:cNvPicPr>
-          <p:nvPr/>
-        </p:nvPicPr>
-        <p:blipFill>
-          <a:blip r:embed="rId5"/>
-          <a:stretch>
-            <a:fillRect/>
-          </a:stretch>
-        </p:blipFill>
-        <p:spPr>
-          <a:xfrm>
-            <a:off x="3167549" y="630265"/>
-            <a:ext cx="3373288" cy="2659487"/>
-          </a:xfrm>
-          <a:prstGeom prst="rect">
-            <a:avLst/>
-          </a:prstGeom>
-        </p:spPr>
-      </p:pic>
-      <p:pic>
-        <p:nvPicPr>
-          <p:cNvPr id="12" name="Picture 11" descr="Chart, scatter chart">
-            <a:extLst>
-              <a:ext uri="{FF2B5EF4-FFF2-40B4-BE49-F238E27FC236}">
-                <a16:creationId xmlns:a16="http://schemas.microsoft.com/office/drawing/2014/main" id="{B5577E0C-7737-CA1E-78F5-B31C544F0CA1}"/>
-              </a:ext>
-            </a:extLst>
-          </p:cNvPr>
-          <p:cNvPicPr>
-            <a:picLocks noChangeAspect="1"/>
-          </p:cNvPicPr>
-          <p:nvPr/>
-        </p:nvPicPr>
-        <p:blipFill>
-          <a:blip r:embed="rId6"/>
-          <a:stretch>
-            <a:fillRect/>
-          </a:stretch>
-        </p:blipFill>
-        <p:spPr>
-          <a:xfrm>
-            <a:off x="3646189" y="3987628"/>
-            <a:ext cx="3046949" cy="1792821"/>
+            <a:off x="2092095" y="0"/>
+            <a:ext cx="8007809" cy="6858000"/>
           </a:xfrm>
           <a:prstGeom prst="rect">
             <a:avLst/>
@@ -14797,7 +15248,7 @@
     </p:spTree>
     <p:extLst>
       <p:ext uri="{BB962C8B-B14F-4D97-AF65-F5344CB8AC3E}">
-        <p14:creationId xmlns:p14="http://schemas.microsoft.com/office/powerpoint/2010/main" val="3335690284"/>
+        <p14:creationId xmlns:p14="http://schemas.microsoft.com/office/powerpoint/2010/main" val="542663776"/>
       </p:ext>
     </p:extLst>
   </p:cSld>
@@ -14843,7 +15294,7 @@
         <p:spPr>
           <a:xfrm>
             <a:off x="1167492" y="381000"/>
-            <a:ext cx="9779183" cy="840761"/>
+            <a:ext cx="9779183" cy="1325563"/>
           </a:xfrm>
         </p:spPr>
         <p:txBody>
@@ -14852,7 +15303,7 @@
           <a:p>
             <a:r>
               <a:rPr lang="en-US" dirty="0"/>
-              <a:t>How is it understood?</a:t>
+              <a:t>Advantages and disadvantages</a:t>
             </a:r>
           </a:p>
         </p:txBody>
@@ -14875,46 +15326,174 @@
         </p:nvSpPr>
         <p:spPr>
           <a:xfrm>
-            <a:off x="1098817" y="1329338"/>
-            <a:ext cx="4272322" cy="4057309"/>
+            <a:off x="1167492" y="1706562"/>
+            <a:ext cx="9231731" cy="4308755"/>
           </a:xfrm>
         </p:spPr>
         <p:txBody>
           <a:bodyPr vert="horz" lIns="91440" tIns="45720" rIns="91440" bIns="45720" rtlCol="0" anchor="t">
-            <a:normAutofit/>
+            <a:normAutofit lnSpcReduction="10000"/>
           </a:bodyPr>
           <a:lstStyle/>
           <a:p>
-            <a:r>
-              <a:rPr lang="en-US" dirty="0">
+            <a:pPr>
+              <a:lnSpc>
+                <a:spcPct val="120000"/>
+              </a:lnSpc>
+            </a:pPr>
+            <a:r>
+              <a:rPr lang="en-US" sz="1600" b="1" dirty="0">
                 <a:latin typeface="Times New Roman" panose="02020603050405020304" pitchFamily="18" charset="0"/>
                 <a:cs typeface="Times New Roman" panose="02020603050405020304" pitchFamily="18" charset="0"/>
               </a:rPr>
-              <a:t>A sample is split by a criterion and how that sample fits.</a:t>
-            </a:r>
-          </a:p>
-          <a:p>
-            <a:r>
-              <a:rPr lang="en-US" dirty="0">
+              <a:t>Advantage: </a:t>
+            </a:r>
+          </a:p>
+          <a:p>
+            <a:pPr marL="342900" indent="-342900">
+              <a:lnSpc>
+                <a:spcPct val="120000"/>
+              </a:lnSpc>
+              <a:buFont typeface="Arial" panose="020B0604020202020204" pitchFamily="34" charset="0"/>
+              <a:buChar char="•"/>
+            </a:pPr>
+            <a:r>
+              <a:rPr lang="en-US" sz="1600" dirty="0">
                 <a:latin typeface="Times New Roman" panose="02020603050405020304" pitchFamily="18" charset="0"/>
                 <a:cs typeface="Times New Roman" panose="02020603050405020304" pitchFamily="18" charset="0"/>
               </a:rPr>
-              <a:t>In ML, optimum splits are based on mathematical calculations.</a:t>
-            </a:r>
-          </a:p>
-          <a:p>
-            <a:endParaRPr lang="en-US" dirty="0">
-              <a:latin typeface="Times New Roman" panose="02020603050405020304" pitchFamily="18" charset="0"/>
-              <a:cs typeface="Times New Roman" panose="02020603050405020304" pitchFamily="18" charset="0"/>
-            </a:endParaRPr>
-          </a:p>
-          <a:p>
-            <a:r>
-              <a:rPr lang="en-US" dirty="0">
+              <a:t>Easy to understand and interpret, can capture non-linear relationship</a:t>
+            </a:r>
+          </a:p>
+          <a:p>
+            <a:pPr marL="342900" indent="-342900">
+              <a:lnSpc>
+                <a:spcPct val="120000"/>
+              </a:lnSpc>
+              <a:buFont typeface="Arial" panose="020B0604020202020204" pitchFamily="34" charset="0"/>
+              <a:buChar char="•"/>
+            </a:pPr>
+            <a:r>
+              <a:rPr lang="en-US" sz="1600" dirty="0">
                 <a:latin typeface="Times New Roman" panose="02020603050405020304" pitchFamily="18" charset="0"/>
                 <a:cs typeface="Times New Roman" panose="02020603050405020304" pitchFamily="18" charset="0"/>
               </a:rPr>
-              <a:t>Gini Vs Entropy.</a:t>
+              <a:t>Less effort for data preparation (does not require normalization of data)can handle both numerical &amp; categorical data</a:t>
+            </a:r>
+          </a:p>
+          <a:p>
+            <a:pPr marL="342900" indent="-342900">
+              <a:lnSpc>
+                <a:spcPct val="120000"/>
+              </a:lnSpc>
+              <a:buFont typeface="Arial" panose="020B0604020202020204" pitchFamily="34" charset="0"/>
+              <a:buChar char="•"/>
+            </a:pPr>
+            <a:r>
+              <a:rPr lang="en-US" sz="1600" dirty="0">
+                <a:latin typeface="Times New Roman" panose="02020603050405020304" pitchFamily="18" charset="0"/>
+                <a:cs typeface="Times New Roman" panose="02020603050405020304" pitchFamily="18" charset="0"/>
+              </a:rPr>
+              <a:t>Does not require scaling of data , missing value do not affect processing</a:t>
+            </a:r>
+          </a:p>
+          <a:p>
+            <a:pPr marL="342900" indent="-342900">
+              <a:lnSpc>
+                <a:spcPct val="120000"/>
+              </a:lnSpc>
+              <a:buFont typeface="Arial" panose="020B0604020202020204" pitchFamily="34" charset="0"/>
+              <a:buChar char="•"/>
+            </a:pPr>
+            <a:r>
+              <a:rPr lang="en-US" sz="1600" dirty="0">
+                <a:latin typeface="Times New Roman" panose="02020603050405020304" pitchFamily="18" charset="0"/>
+                <a:cs typeface="Times New Roman" panose="02020603050405020304" pitchFamily="18" charset="0"/>
+              </a:rPr>
+              <a:t>Does not depend on the mean or variance of the data                </a:t>
+            </a:r>
+          </a:p>
+          <a:p>
+            <a:pPr>
+              <a:lnSpc>
+                <a:spcPct val="120000"/>
+              </a:lnSpc>
+            </a:pPr>
+            <a:r>
+              <a:rPr lang="en-US" sz="1600" b="1" dirty="0">
+                <a:latin typeface="Times New Roman" panose="02020603050405020304" pitchFamily="18" charset="0"/>
+                <a:cs typeface="Times New Roman" panose="02020603050405020304" pitchFamily="18" charset="0"/>
+              </a:rPr>
+              <a:t>Disadvantages:</a:t>
+            </a:r>
+            <a:r>
+              <a:rPr lang="en-US" sz="1600" dirty="0">
+                <a:latin typeface="Times New Roman" panose="02020603050405020304" pitchFamily="18" charset="0"/>
+                <a:cs typeface="Times New Roman" panose="02020603050405020304" pitchFamily="18" charset="0"/>
+              </a:rPr>
+              <a:t> </a:t>
+            </a:r>
+          </a:p>
+          <a:p>
+            <a:pPr marL="342900" indent="-342900">
+              <a:lnSpc>
+                <a:spcPct val="120000"/>
+              </a:lnSpc>
+              <a:buFont typeface="Arial" panose="020B0604020202020204" pitchFamily="34" charset="0"/>
+              <a:buChar char="•"/>
+            </a:pPr>
+            <a:r>
+              <a:rPr lang="en-US" sz="1600" dirty="0">
+                <a:latin typeface="Times New Roman" panose="02020603050405020304" pitchFamily="18" charset="0"/>
+                <a:cs typeface="Times New Roman" panose="02020603050405020304" pitchFamily="18" charset="0"/>
+              </a:rPr>
+              <a:t>Overfitting occurs when algorithm captures noise in the data</a:t>
+            </a:r>
+          </a:p>
+          <a:p>
+            <a:pPr marL="342900" indent="-342900">
+              <a:lnSpc>
+                <a:spcPct val="120000"/>
+              </a:lnSpc>
+              <a:buFont typeface="Arial" panose="020B0604020202020204" pitchFamily="34" charset="0"/>
+              <a:buChar char="•"/>
+            </a:pPr>
+            <a:r>
+              <a:rPr lang="en-US" sz="1600" dirty="0">
+                <a:latin typeface="Times New Roman" panose="02020603050405020304" pitchFamily="18" charset="0"/>
+                <a:cs typeface="Times New Roman" panose="02020603050405020304" pitchFamily="18" charset="0"/>
+              </a:rPr>
+              <a:t>Inadequate for applying regression and predicting continuous values</a:t>
+            </a:r>
+          </a:p>
+          <a:p>
+            <a:pPr marL="342900" indent="-342900">
+              <a:lnSpc>
+                <a:spcPct val="120000"/>
+              </a:lnSpc>
+              <a:buFont typeface="Arial" panose="020B0604020202020204" pitchFamily="34" charset="0"/>
+              <a:buChar char="•"/>
+            </a:pPr>
+            <a:r>
+              <a:rPr lang="en-US" sz="1600" dirty="0">
+                <a:latin typeface="Times New Roman" panose="02020603050405020304" pitchFamily="18" charset="0"/>
+                <a:cs typeface="Times New Roman" panose="02020603050405020304" pitchFamily="18" charset="0"/>
+              </a:rPr>
+              <a:t>Highly complicated decision tree tends to have a low bias which makes </a:t>
+            </a:r>
+          </a:p>
+          <a:p>
+            <a:pPr>
+              <a:lnSpc>
+                <a:spcPct val="120000"/>
+              </a:lnSpc>
+            </a:pPr>
+            <a:r>
+              <a:rPr lang="en-US" sz="1600" dirty="0">
+                <a:latin typeface="Times New Roman" panose="02020603050405020304" pitchFamily="18" charset="0"/>
+                <a:cs typeface="Times New Roman" panose="02020603050405020304" pitchFamily="18" charset="0"/>
+              </a:rPr>
+              <a:t>       it difficult for the model to work with new data/large data set</a:t>
             </a:r>
           </a:p>
         </p:txBody>
@@ -14954,40 +15533,10 @@
           </a:p>
         </p:txBody>
       </p:sp>
-      <p:pic>
-        <p:nvPicPr>
-          <p:cNvPr id="10" name="Picture 9">
-            <a:extLst>
-              <a:ext uri="{FF2B5EF4-FFF2-40B4-BE49-F238E27FC236}">
-                <a16:creationId xmlns:a16="http://schemas.microsoft.com/office/drawing/2014/main" id="{86008089-2FA6-CCE2-1D80-32EBDB3A00F1}"/>
-              </a:ext>
-            </a:extLst>
-          </p:cNvPr>
-          <p:cNvPicPr>
-            <a:picLocks noChangeAspect="1"/>
-          </p:cNvPicPr>
-          <p:nvPr/>
-        </p:nvPicPr>
-        <p:blipFill>
-          <a:blip r:embed="rId2"/>
-          <a:stretch>
-            <a:fillRect/>
-          </a:stretch>
-        </p:blipFill>
-        <p:spPr>
-          <a:xfrm>
-            <a:off x="6577532" y="1152604"/>
-            <a:ext cx="5324391" cy="4016360"/>
-          </a:xfrm>
-          <a:prstGeom prst="rect">
-            <a:avLst/>
-          </a:prstGeom>
-        </p:spPr>
-      </p:pic>
     </p:spTree>
     <p:extLst>
       <p:ext uri="{BB962C8B-B14F-4D97-AF65-F5344CB8AC3E}">
-        <p14:creationId xmlns:p14="http://schemas.microsoft.com/office/powerpoint/2010/main" val="3922770996"/>
+        <p14:creationId xmlns:p14="http://schemas.microsoft.com/office/powerpoint/2010/main" val="1325608595"/>
       </p:ext>
     </p:extLst>
   </p:cSld>
@@ -15019,7 +15568,7 @@
           <p:cNvPr id="2" name="Title 1">
             <a:extLst>
               <a:ext uri="{FF2B5EF4-FFF2-40B4-BE49-F238E27FC236}">
-                <a16:creationId xmlns:a16="http://schemas.microsoft.com/office/drawing/2014/main" id="{912DF434-28DB-4621-A497-D62C41CE0419}"/>
+                <a16:creationId xmlns:a16="http://schemas.microsoft.com/office/drawing/2014/main" id="{27A6F7BB-30A8-4980-AD4A-2FB0B53FA6C9}"/>
               </a:ext>
             </a:extLst>
           </p:cNvPr>
@@ -15031,18 +15580,719 @@
           </p:nvPr>
         </p:nvSpPr>
         <p:spPr>
-          <a:xfrm>
-            <a:off x="1167492" y="381000"/>
-            <a:ext cx="9779183" cy="763921"/>
+          <a:xfrm rot="10800000" flipV="1">
+            <a:off x="4093800" y="879894"/>
+            <a:ext cx="1713481" cy="1101034"/>
           </a:xfrm>
         </p:spPr>
         <p:txBody>
           <a:bodyPr/>
           <a:lstStyle/>
           <a:p>
+            <a:endParaRPr lang="en-US" sz="1000" b="0" dirty="0"/>
+          </a:p>
+        </p:txBody>
+      </p:sp>
+      <p:sp>
+        <p:nvSpPr>
+          <p:cNvPr id="34" name="Text Placeholder 33">
+            <a:extLst>
+              <a:ext uri="{FF2B5EF4-FFF2-40B4-BE49-F238E27FC236}">
+                <a16:creationId xmlns:a16="http://schemas.microsoft.com/office/drawing/2014/main" id="{C1C92E27-D550-F44E-8491-927F819E72B8}"/>
+              </a:ext>
+            </a:extLst>
+          </p:cNvPr>
+          <p:cNvSpPr>
+            <a:spLocks noGrp="1"/>
+          </p:cNvSpPr>
+          <p:nvPr>
+            <p:ph type="body" sz="quarter" idx="17"/>
+          </p:nvPr>
+        </p:nvSpPr>
+        <p:spPr>
+          <a:xfrm>
+            <a:off x="455539" y="2671653"/>
+            <a:ext cx="2741588" cy="417028"/>
+          </a:xfrm>
+        </p:spPr>
+        <p:txBody>
+          <a:bodyPr/>
+          <a:lstStyle/>
+          <a:p>
+            <a:pPr marL="0" marR="0">
+              <a:lnSpc>
+                <a:spcPct val="107000"/>
+              </a:lnSpc>
+              <a:spcBef>
+                <a:spcPts val="0"/>
+              </a:spcBef>
+              <a:spcAft>
+                <a:spcPts val="800"/>
+              </a:spcAft>
+            </a:pPr>
+            <a:r>
+              <a:rPr lang="en-US" sz="1800" kern="100" dirty="0">
+                <a:effectLst/>
+                <a:latin typeface="Calibri" panose="020F0502020204030204" pitchFamily="34" charset="0"/>
+                <a:ea typeface="Calibri" panose="020F0502020204030204" pitchFamily="34" charset="0"/>
+                <a:cs typeface="Times New Roman" panose="02020603050405020304" pitchFamily="18" charset="0"/>
+              </a:rPr>
+              <a:t> </a:t>
+            </a:r>
+          </a:p>
+          <a:p>
+            <a:endParaRPr lang="en-US" dirty="0"/>
+          </a:p>
+        </p:txBody>
+      </p:sp>
+      <p:sp>
+        <p:nvSpPr>
+          <p:cNvPr id="35" name="Text Placeholder 34">
+            <a:extLst>
+              <a:ext uri="{FF2B5EF4-FFF2-40B4-BE49-F238E27FC236}">
+                <a16:creationId xmlns:a16="http://schemas.microsoft.com/office/drawing/2014/main" id="{7D722C50-45F7-D84B-B216-568F72D66349}"/>
+              </a:ext>
+            </a:extLst>
+          </p:cNvPr>
+          <p:cNvSpPr>
+            <a:spLocks noGrp="1"/>
+          </p:cNvSpPr>
+          <p:nvPr>
+            <p:ph type="body" sz="quarter" idx="18"/>
+          </p:nvPr>
+        </p:nvSpPr>
+        <p:spPr>
+          <a:xfrm>
+            <a:off x="2985551" y="4598576"/>
+            <a:ext cx="4114800" cy="2114953"/>
+          </a:xfrm>
+        </p:spPr>
+        <p:txBody>
+          <a:bodyPr/>
+          <a:lstStyle/>
+          <a:p>
+            <a:pPr marL="0" marR="0">
+              <a:lnSpc>
+                <a:spcPct val="107000"/>
+              </a:lnSpc>
+              <a:spcBef>
+                <a:spcPts val="0"/>
+              </a:spcBef>
+              <a:spcAft>
+                <a:spcPts val="0"/>
+              </a:spcAft>
+            </a:pPr>
+            <a:r>
+              <a:rPr lang="en-US" sz="1800" kern="100" dirty="0">
+                <a:effectLst/>
+                <a:latin typeface="Calibri" panose="020F0502020204030204" pitchFamily="34" charset="0"/>
+                <a:ea typeface="Calibri" panose="020F0502020204030204" pitchFamily="34" charset="0"/>
+                <a:cs typeface="Times New Roman" panose="02020603050405020304" pitchFamily="18" charset="0"/>
+              </a:rPr>
+              <a:t> </a:t>
+            </a:r>
+          </a:p>
+          <a:p>
+            <a:endParaRPr lang="en-US" dirty="0"/>
+          </a:p>
+        </p:txBody>
+      </p:sp>
+      <p:sp>
+        <p:nvSpPr>
+          <p:cNvPr id="36" name="Text Placeholder 35">
+            <a:extLst>
+              <a:ext uri="{FF2B5EF4-FFF2-40B4-BE49-F238E27FC236}">
+                <a16:creationId xmlns:a16="http://schemas.microsoft.com/office/drawing/2014/main" id="{176187A9-3EBE-F64D-AE99-021BB3767F90}"/>
+              </a:ext>
+            </a:extLst>
+          </p:cNvPr>
+          <p:cNvSpPr>
+            <a:spLocks noGrp="1"/>
+          </p:cNvSpPr>
+          <p:nvPr>
+            <p:ph type="body" sz="quarter" idx="19"/>
+          </p:nvPr>
+        </p:nvSpPr>
+        <p:spPr>
+          <a:xfrm>
+            <a:off x="6870817" y="2422565"/>
+            <a:ext cx="2281237" cy="347662"/>
+          </a:xfrm>
+        </p:spPr>
+        <p:txBody>
+          <a:bodyPr/>
+          <a:lstStyle/>
+          <a:p>
+            <a:endParaRPr lang="en-US" dirty="0"/>
+          </a:p>
+        </p:txBody>
+      </p:sp>
+      <p:sp>
+        <p:nvSpPr>
+          <p:cNvPr id="37" name="Text Placeholder 36">
+            <a:extLst>
+              <a:ext uri="{FF2B5EF4-FFF2-40B4-BE49-F238E27FC236}">
+                <a16:creationId xmlns:a16="http://schemas.microsoft.com/office/drawing/2014/main" id="{7990731F-95DE-4F44-8EA0-E275CEAFD8A2}"/>
+              </a:ext>
+            </a:extLst>
+          </p:cNvPr>
+          <p:cNvSpPr>
+            <a:spLocks noGrp="1"/>
+          </p:cNvSpPr>
+          <p:nvPr>
+            <p:ph type="body" sz="quarter" idx="20"/>
+          </p:nvPr>
+        </p:nvSpPr>
+        <p:spPr>
+          <a:xfrm>
+            <a:off x="6870816" y="2807811"/>
+            <a:ext cx="2281237" cy="347662"/>
+          </a:xfrm>
+        </p:spPr>
+        <p:txBody>
+          <a:bodyPr/>
+          <a:lstStyle/>
+          <a:p>
             <a:r>
               <a:rPr lang="en-US" dirty="0"/>
-              <a:t>Gini vs Entropy</a:t>
+              <a:t>Chief Executive Officer</a:t>
+            </a:r>
+          </a:p>
+        </p:txBody>
+      </p:sp>
+      <p:sp>
+        <p:nvSpPr>
+          <p:cNvPr id="38" name="Text Placeholder 37">
+            <a:extLst>
+              <a:ext uri="{FF2B5EF4-FFF2-40B4-BE49-F238E27FC236}">
+                <a16:creationId xmlns:a16="http://schemas.microsoft.com/office/drawing/2014/main" id="{5B19EE51-628F-CA4E-94B0-57E9ACA1446A}"/>
+              </a:ext>
+            </a:extLst>
+          </p:cNvPr>
+          <p:cNvSpPr>
+            <a:spLocks noGrp="1"/>
+          </p:cNvSpPr>
+          <p:nvPr>
+            <p:ph type="body" sz="quarter" idx="21"/>
+          </p:nvPr>
+        </p:nvSpPr>
+        <p:spPr>
+          <a:xfrm>
+            <a:off x="4519032" y="3403352"/>
+            <a:ext cx="1976659" cy="818502"/>
+          </a:xfrm>
+        </p:spPr>
+        <p:txBody>
+          <a:bodyPr/>
+          <a:lstStyle/>
+          <a:p>
+            <a:pPr>
+              <a:lnSpc>
+                <a:spcPct val="107000"/>
+              </a:lnSpc>
+            </a:pPr>
+            <a:endParaRPr lang="en-US" sz="1000" b="0" kern="100" dirty="0">
+              <a:highlight>
+                <a:srgbClr val="FFFF00"/>
+              </a:highlight>
+              <a:latin typeface="Calibri" panose="020F0502020204030204" pitchFamily="34" charset="0"/>
+              <a:ea typeface="Calibri" panose="020F0502020204030204" pitchFamily="34" charset="0"/>
+              <a:cs typeface="Times New Roman" panose="02020603050405020304" pitchFamily="18" charset="0"/>
+            </a:endParaRPr>
+          </a:p>
+          <a:p>
+            <a:endParaRPr lang="en-US" dirty="0"/>
+          </a:p>
+        </p:txBody>
+      </p:sp>
+      <p:sp>
+        <p:nvSpPr>
+          <p:cNvPr id="39" name="Text Placeholder 38">
+            <a:extLst>
+              <a:ext uri="{FF2B5EF4-FFF2-40B4-BE49-F238E27FC236}">
+                <a16:creationId xmlns:a16="http://schemas.microsoft.com/office/drawing/2014/main" id="{2A6ACC78-74DF-604E-BD14-4BBE7B4EEF5B}"/>
+              </a:ext>
+            </a:extLst>
+          </p:cNvPr>
+          <p:cNvSpPr>
+            <a:spLocks noGrp="1"/>
+          </p:cNvSpPr>
+          <p:nvPr>
+            <p:ph type="body" sz="quarter" idx="22"/>
+          </p:nvPr>
+        </p:nvSpPr>
+        <p:spPr>
+          <a:xfrm>
+            <a:off x="2123350" y="4884039"/>
+            <a:ext cx="2281237" cy="347662"/>
+          </a:xfrm>
+        </p:spPr>
+        <p:txBody>
+          <a:bodyPr/>
+          <a:lstStyle/>
+          <a:p>
+            <a:endParaRPr lang="en-US" dirty="0"/>
+          </a:p>
+        </p:txBody>
+      </p:sp>
+      <p:sp>
+        <p:nvSpPr>
+          <p:cNvPr id="40" name="Text Placeholder 39">
+            <a:extLst>
+              <a:ext uri="{FF2B5EF4-FFF2-40B4-BE49-F238E27FC236}">
+                <a16:creationId xmlns:a16="http://schemas.microsoft.com/office/drawing/2014/main" id="{9DC429C0-1DEB-1F4F-AE66-C503B31B7B48}"/>
+              </a:ext>
+            </a:extLst>
+          </p:cNvPr>
+          <p:cNvSpPr>
+            <a:spLocks noGrp="1"/>
+          </p:cNvSpPr>
+          <p:nvPr>
+            <p:ph type="body" sz="quarter" idx="23"/>
+          </p:nvPr>
+        </p:nvSpPr>
+        <p:spPr>
+          <a:xfrm>
+            <a:off x="6870817" y="3937777"/>
+            <a:ext cx="2834086" cy="1959169"/>
+          </a:xfrm>
+        </p:spPr>
+        <p:txBody>
+          <a:bodyPr/>
+          <a:lstStyle/>
+          <a:p>
+            <a:pPr marL="0" marR="0">
+              <a:lnSpc>
+                <a:spcPct val="107000"/>
+              </a:lnSpc>
+              <a:spcBef>
+                <a:spcPts val="0"/>
+              </a:spcBef>
+              <a:spcAft>
+                <a:spcPts val="0"/>
+              </a:spcAft>
+            </a:pPr>
+            <a:r>
+              <a:rPr lang="en-US" sz="1000" kern="100" noProof="1">
+                <a:effectLst/>
+                <a:latin typeface="Calibri" panose="020F0502020204030204" pitchFamily="34" charset="0"/>
+                <a:ea typeface="Calibri" panose="020F0502020204030204" pitchFamily="34" charset="0"/>
+                <a:cs typeface="Times New Roman" panose="02020603050405020304" pitchFamily="18" charset="0"/>
+              </a:rPr>
+              <a:t>y = df['MPG.city']</a:t>
+            </a:r>
+          </a:p>
+          <a:p>
+            <a:pPr marL="0" marR="0">
+              <a:lnSpc>
+                <a:spcPct val="107000"/>
+              </a:lnSpc>
+              <a:spcBef>
+                <a:spcPts val="0"/>
+              </a:spcBef>
+              <a:spcAft>
+                <a:spcPts val="0"/>
+              </a:spcAft>
+            </a:pPr>
+            <a:r>
+              <a:rPr lang="en-US" sz="1000" kern="100" noProof="1">
+                <a:effectLst/>
+                <a:latin typeface="Calibri" panose="020F0502020204030204" pitchFamily="34" charset="0"/>
+                <a:ea typeface="Calibri" panose="020F0502020204030204" pitchFamily="34" charset="0"/>
+                <a:cs typeface="Times New Roman" panose="02020603050405020304" pitchFamily="18" charset="0"/>
+              </a:rPr>
+              <a:t>X = df[['Price']]</a:t>
+            </a:r>
+          </a:p>
+          <a:p>
+            <a:pPr marL="0" marR="0">
+              <a:lnSpc>
+                <a:spcPct val="107000"/>
+              </a:lnSpc>
+              <a:spcBef>
+                <a:spcPts val="0"/>
+              </a:spcBef>
+              <a:spcAft>
+                <a:spcPts val="0"/>
+              </a:spcAft>
+            </a:pPr>
+            <a:r>
+              <a:rPr lang="en-US" sz="1000" kern="100" noProof="1">
+                <a:effectLst/>
+                <a:latin typeface="Calibri" panose="020F0502020204030204" pitchFamily="34" charset="0"/>
+                <a:ea typeface="Calibri" panose="020F0502020204030204" pitchFamily="34" charset="0"/>
+                <a:cs typeface="Times New Roman" panose="02020603050405020304" pitchFamily="18" charset="0"/>
+              </a:rPr>
+              <a:t>model.fit(X, y)</a:t>
+            </a:r>
+          </a:p>
+          <a:p>
+            <a:pPr marL="0" marR="0">
+              <a:lnSpc>
+                <a:spcPct val="107000"/>
+              </a:lnSpc>
+              <a:spcBef>
+                <a:spcPts val="0"/>
+              </a:spcBef>
+              <a:spcAft>
+                <a:spcPts val="0"/>
+              </a:spcAft>
+            </a:pPr>
+            <a:r>
+              <a:rPr lang="en-US" sz="1000" kern="100" noProof="1">
+                <a:effectLst/>
+                <a:latin typeface="Calibri" panose="020F0502020204030204" pitchFamily="34" charset="0"/>
+                <a:ea typeface="Calibri" panose="020F0502020204030204" pitchFamily="34" charset="0"/>
+                <a:cs typeface="Times New Roman" panose="02020603050405020304" pitchFamily="18" charset="0"/>
+              </a:rPr>
+              <a:t>model.score(X, y) for LinearRegression(): 0.35</a:t>
+            </a:r>
+          </a:p>
+          <a:p>
+            <a:pPr marL="0" marR="0">
+              <a:lnSpc>
+                <a:spcPct val="107000"/>
+              </a:lnSpc>
+              <a:spcBef>
+                <a:spcPts val="0"/>
+              </a:spcBef>
+              <a:spcAft>
+                <a:spcPts val="0"/>
+              </a:spcAft>
+            </a:pPr>
+            <a:r>
+              <a:rPr lang="en-US" sz="1000" kern="100" noProof="1">
+                <a:effectLst/>
+                <a:latin typeface="Calibri" panose="020F0502020204030204" pitchFamily="34" charset="0"/>
+                <a:ea typeface="Calibri" panose="020F0502020204030204" pitchFamily="34" charset="0"/>
+                <a:cs typeface="Times New Roman" panose="02020603050405020304" pitchFamily="18" charset="0"/>
+              </a:rPr>
+              <a:t>model.score(X, y) for KNeighborsRegressor(): 0.73</a:t>
+            </a:r>
+          </a:p>
+          <a:p>
+            <a:pPr marL="0" marR="0">
+              <a:lnSpc>
+                <a:spcPct val="107000"/>
+              </a:lnSpc>
+              <a:spcBef>
+                <a:spcPts val="0"/>
+              </a:spcBef>
+              <a:spcAft>
+                <a:spcPts val="0"/>
+              </a:spcAft>
+            </a:pPr>
+            <a:r>
+              <a:rPr lang="en-US" sz="1000" kern="100" noProof="1">
+                <a:effectLst/>
+                <a:latin typeface="Calibri" panose="020F0502020204030204" pitchFamily="34" charset="0"/>
+                <a:ea typeface="Calibri" panose="020F0502020204030204" pitchFamily="34" charset="0"/>
+                <a:cs typeface="Times New Roman" panose="02020603050405020304" pitchFamily="18" charset="0"/>
+              </a:rPr>
+              <a:t>model.score(X, y) for tree.DecisionTreeRegressor(): 0.94</a:t>
+            </a:r>
+          </a:p>
+          <a:p>
+            <a:pPr marL="0" marR="0">
+              <a:lnSpc>
+                <a:spcPct val="107000"/>
+              </a:lnSpc>
+              <a:spcBef>
+                <a:spcPts val="0"/>
+              </a:spcBef>
+              <a:spcAft>
+                <a:spcPts val="800"/>
+              </a:spcAft>
+            </a:pPr>
+            <a:r>
+              <a:rPr lang="en-US" sz="1800" kern="100" dirty="0">
+                <a:effectLst/>
+                <a:latin typeface="Calibri" panose="020F0502020204030204" pitchFamily="34" charset="0"/>
+                <a:ea typeface="Calibri" panose="020F0502020204030204" pitchFamily="34" charset="0"/>
+                <a:cs typeface="Times New Roman" panose="02020603050405020304" pitchFamily="18" charset="0"/>
+              </a:rPr>
+              <a:t> </a:t>
+            </a:r>
+          </a:p>
+          <a:p>
+            <a:endParaRPr lang="en-US" dirty="0"/>
+          </a:p>
+        </p:txBody>
+      </p:sp>
+      <p:sp>
+        <p:nvSpPr>
+          <p:cNvPr id="41" name="Text Placeholder 40">
+            <a:extLst>
+              <a:ext uri="{FF2B5EF4-FFF2-40B4-BE49-F238E27FC236}">
+                <a16:creationId xmlns:a16="http://schemas.microsoft.com/office/drawing/2014/main" id="{31C0CCD4-2502-A14F-B520-7B57524EDF8E}"/>
+              </a:ext>
+            </a:extLst>
+          </p:cNvPr>
+          <p:cNvSpPr>
+            <a:spLocks noGrp="1"/>
+          </p:cNvSpPr>
+          <p:nvPr>
+            <p:ph type="body" sz="quarter" idx="24"/>
+          </p:nvPr>
+        </p:nvSpPr>
+        <p:spPr>
+          <a:xfrm>
+            <a:off x="60025" y="3088680"/>
+            <a:ext cx="1001024" cy="66793"/>
+          </a:xfrm>
+        </p:spPr>
+        <p:txBody>
+          <a:bodyPr/>
+          <a:lstStyle/>
+          <a:p>
+            <a:endParaRPr lang="en-US" sz="1000" dirty="0"/>
+          </a:p>
+        </p:txBody>
+      </p:sp>
+      <p:sp>
+        <p:nvSpPr>
+          <p:cNvPr id="5" name="Slide Number Placeholder 4">
+            <a:extLst>
+              <a:ext uri="{FF2B5EF4-FFF2-40B4-BE49-F238E27FC236}">
+                <a16:creationId xmlns:a16="http://schemas.microsoft.com/office/drawing/2014/main" id="{987CCF58-9B83-4A4F-8CA9-3D9C9BB7A287}"/>
+              </a:ext>
+            </a:extLst>
+          </p:cNvPr>
+          <p:cNvSpPr>
+            <a:spLocks noGrp="1"/>
+          </p:cNvSpPr>
+          <p:nvPr>
+            <p:ph type="sldNum" sz="quarter" idx="12"/>
+          </p:nvPr>
+        </p:nvSpPr>
+        <p:spPr>
+          <a:xfrm>
+            <a:off x="8332334" y="6356350"/>
+            <a:ext cx="1167495" cy="365125"/>
+          </a:xfrm>
+        </p:spPr>
+        <p:txBody>
+          <a:bodyPr/>
+          <a:lstStyle/>
+          <a:p>
+            <a:fld id="{294A09A9-5501-47C1-A89A-A340965A2BE2}" type="slidenum">
+              <a:rPr lang="en-US" smtClean="0"/>
+              <a:pPr/>
+              <a:t>6</a:t>
+            </a:fld>
+            <a:endParaRPr lang="en-US" dirty="0"/>
+          </a:p>
+        </p:txBody>
+      </p:sp>
+      <p:pic>
+        <p:nvPicPr>
+          <p:cNvPr id="6" name="Picture 5" descr="Timeline&#10;&#10;Description automatically generated">
+            <a:extLst>
+              <a:ext uri="{FF2B5EF4-FFF2-40B4-BE49-F238E27FC236}">
+                <a16:creationId xmlns:a16="http://schemas.microsoft.com/office/drawing/2014/main" id="{BCDAD026-9AEF-4B3A-E963-58199E0A09D4}"/>
+              </a:ext>
+            </a:extLst>
+          </p:cNvPr>
+          <p:cNvPicPr>
+            <a:picLocks noChangeAspect="1"/>
+          </p:cNvPicPr>
+          <p:nvPr/>
+        </p:nvPicPr>
+        <p:blipFill>
+          <a:blip r:embed="rId2"/>
+          <a:stretch>
+            <a:fillRect/>
+          </a:stretch>
+        </p:blipFill>
+        <p:spPr>
+          <a:xfrm>
+            <a:off x="1" y="653945"/>
+            <a:ext cx="2871105" cy="2759972"/>
+          </a:xfrm>
+          <a:prstGeom prst="rect">
+            <a:avLst/>
+          </a:prstGeom>
+        </p:spPr>
+      </p:pic>
+      <p:pic>
+        <p:nvPicPr>
+          <p:cNvPr id="8" name="Picture 7" descr="Chart, histogram">
+            <a:extLst>
+              <a:ext uri="{FF2B5EF4-FFF2-40B4-BE49-F238E27FC236}">
+                <a16:creationId xmlns:a16="http://schemas.microsoft.com/office/drawing/2014/main" id="{7412DACE-9FD0-121E-15FC-EDA311D9998A}"/>
+              </a:ext>
+            </a:extLst>
+          </p:cNvPr>
+          <p:cNvPicPr>
+            <a:picLocks noChangeAspect="1"/>
+          </p:cNvPicPr>
+          <p:nvPr/>
+        </p:nvPicPr>
+        <p:blipFill>
+          <a:blip r:embed="rId3"/>
+          <a:stretch>
+            <a:fillRect/>
+          </a:stretch>
+        </p:blipFill>
+        <p:spPr>
+          <a:xfrm>
+            <a:off x="6693138" y="687066"/>
+            <a:ext cx="2806691" cy="2659486"/>
+          </a:xfrm>
+          <a:prstGeom prst="rect">
+            <a:avLst/>
+          </a:prstGeom>
+        </p:spPr>
+      </p:pic>
+      <p:pic>
+        <p:nvPicPr>
+          <p:cNvPr id="17" name="Picture 16" descr="Chart, scatter chart">
+            <a:extLst>
+              <a:ext uri="{FF2B5EF4-FFF2-40B4-BE49-F238E27FC236}">
+                <a16:creationId xmlns:a16="http://schemas.microsoft.com/office/drawing/2014/main" id="{B0EEDB6C-371E-ECE6-61B3-99BFAF4B18DC}"/>
+              </a:ext>
+            </a:extLst>
+          </p:cNvPr>
+          <p:cNvPicPr>
+            <a:picLocks noChangeAspect="1"/>
+          </p:cNvPicPr>
+          <p:nvPr/>
+        </p:nvPicPr>
+        <p:blipFill>
+          <a:blip r:embed="rId4"/>
+          <a:stretch>
+            <a:fillRect/>
+          </a:stretch>
+        </p:blipFill>
+        <p:spPr>
+          <a:xfrm>
+            <a:off x="265670" y="3950551"/>
+            <a:ext cx="3121325" cy="1792821"/>
+          </a:xfrm>
+          <a:prstGeom prst="rect">
+            <a:avLst/>
+          </a:prstGeom>
+        </p:spPr>
+      </p:pic>
+      <p:pic>
+        <p:nvPicPr>
+          <p:cNvPr id="25" name="Picture 24">
+            <a:extLst>
+              <a:ext uri="{FF2B5EF4-FFF2-40B4-BE49-F238E27FC236}">
+                <a16:creationId xmlns:a16="http://schemas.microsoft.com/office/drawing/2014/main" id="{66455887-5426-6015-9814-AA6C8F88D0C8}"/>
+              </a:ext>
+            </a:extLst>
+          </p:cNvPr>
+          <p:cNvPicPr>
+            <a:picLocks noChangeAspect="1"/>
+          </p:cNvPicPr>
+          <p:nvPr/>
+        </p:nvPicPr>
+        <p:blipFill>
+          <a:blip r:embed="rId5"/>
+          <a:stretch>
+            <a:fillRect/>
+          </a:stretch>
+        </p:blipFill>
+        <p:spPr>
+          <a:xfrm>
+            <a:off x="3167549" y="630265"/>
+            <a:ext cx="3373288" cy="2659487"/>
+          </a:xfrm>
+          <a:prstGeom prst="rect">
+            <a:avLst/>
+          </a:prstGeom>
+        </p:spPr>
+      </p:pic>
+      <p:pic>
+        <p:nvPicPr>
+          <p:cNvPr id="12" name="Picture 11" descr="Chart, scatter chart">
+            <a:extLst>
+              <a:ext uri="{FF2B5EF4-FFF2-40B4-BE49-F238E27FC236}">
+                <a16:creationId xmlns:a16="http://schemas.microsoft.com/office/drawing/2014/main" id="{B5577E0C-7737-CA1E-78F5-B31C544F0CA1}"/>
+              </a:ext>
+            </a:extLst>
+          </p:cNvPr>
+          <p:cNvPicPr>
+            <a:picLocks noChangeAspect="1"/>
+          </p:cNvPicPr>
+          <p:nvPr/>
+        </p:nvPicPr>
+        <p:blipFill>
+          <a:blip r:embed="rId6"/>
+          <a:stretch>
+            <a:fillRect/>
+          </a:stretch>
+        </p:blipFill>
+        <p:spPr>
+          <a:xfrm>
+            <a:off x="3646189" y="3987628"/>
+            <a:ext cx="3046949" cy="1792821"/>
+          </a:xfrm>
+          <a:prstGeom prst="rect">
+            <a:avLst/>
+          </a:prstGeom>
+        </p:spPr>
+      </p:pic>
+    </p:spTree>
+    <p:extLst>
+      <p:ext uri="{BB962C8B-B14F-4D97-AF65-F5344CB8AC3E}">
+        <p14:creationId xmlns:p14="http://schemas.microsoft.com/office/powerpoint/2010/main" val="3335690284"/>
+      </p:ext>
+    </p:extLst>
+  </p:cSld>
+  <p:clrMapOvr>
+    <a:masterClrMapping/>
+  </p:clrMapOvr>
+</p:sld>
+</file>
+
+<file path=ppt/slides/slide7.xml><?xml version="1.0" encoding="utf-8"?>
+<p:sld xmlns:a="http://schemas.openxmlformats.org/drawingml/2006/main" xmlns:r="http://schemas.openxmlformats.org/officeDocument/2006/relationships" xmlns:p="http://schemas.openxmlformats.org/presentationml/2006/main">
+  <p:cSld>
+    <p:spTree>
+      <p:nvGrpSpPr>
+        <p:cNvPr id="1" name=""/>
+        <p:cNvGrpSpPr/>
+        <p:nvPr/>
+      </p:nvGrpSpPr>
+      <p:grpSpPr>
+        <a:xfrm>
+          <a:off x="0" y="0"/>
+          <a:ext cx="0" cy="0"/>
+          <a:chOff x="0" y="0"/>
+          <a:chExt cx="0" cy="0"/>
+        </a:xfrm>
+      </p:grpSpPr>
+      <p:sp>
+        <p:nvSpPr>
+          <p:cNvPr id="2" name="Title 1">
+            <a:extLst>
+              <a:ext uri="{FF2B5EF4-FFF2-40B4-BE49-F238E27FC236}">
+                <a16:creationId xmlns:a16="http://schemas.microsoft.com/office/drawing/2014/main" id="{912DF434-28DB-4621-A497-D62C41CE0419}"/>
+              </a:ext>
+            </a:extLst>
+          </p:cNvPr>
+          <p:cNvSpPr>
+            <a:spLocks noGrp="1"/>
+          </p:cNvSpPr>
+          <p:nvPr>
+            <p:ph type="title"/>
+          </p:nvPr>
+        </p:nvSpPr>
+        <p:spPr>
+          <a:xfrm>
+            <a:off x="1167492" y="381000"/>
+            <a:ext cx="9779183" cy="840761"/>
+          </a:xfrm>
+        </p:spPr>
+        <p:txBody>
+          <a:bodyPr/>
+          <a:lstStyle/>
+          <a:p>
+            <a:r>
+              <a:rPr lang="en-US" dirty="0"/>
+              <a:t>How is it understood?</a:t>
             </a:r>
           </a:p>
         </p:txBody>
@@ -15065,13 +16315,13 @@
         </p:nvSpPr>
         <p:spPr>
           <a:xfrm>
-            <a:off x="1245325" y="1360075"/>
-            <a:ext cx="9153898" cy="3265714"/>
+            <a:off x="1098817" y="1329338"/>
+            <a:ext cx="4272322" cy="4057309"/>
           </a:xfrm>
         </p:spPr>
         <p:txBody>
           <a:bodyPr vert="horz" lIns="91440" tIns="45720" rIns="91440" bIns="45720" rtlCol="0" anchor="t">
-            <a:normAutofit fontScale="92500" lnSpcReduction="10000"/>
+            <a:normAutofit/>
           </a:bodyPr>
           <a:lstStyle/>
           <a:p>
@@ -15080,8 +16330,14 @@
                 <a:latin typeface="Times New Roman" panose="02020603050405020304" pitchFamily="18" charset="0"/>
                 <a:cs typeface="Times New Roman" panose="02020603050405020304" pitchFamily="18" charset="0"/>
               </a:rPr>
-              <a:t>Gini impurity index measures the frequency at which a sample from a dataset will be mislabeled. 0 is the minimum, 0.5 is the maximum value.</a:t>
-            </a:r>
+              <a:t>A sample is split by how well it fits a given criterion of a feature. </a:t>
+            </a:r>
+          </a:p>
+          <a:p>
+            <a:endParaRPr lang="en-US" dirty="0">
+              <a:latin typeface="Times New Roman" panose="02020603050405020304" pitchFamily="18" charset="0"/>
+              <a:cs typeface="Times New Roman" panose="02020603050405020304" pitchFamily="18" charset="0"/>
+            </a:endParaRPr>
           </a:p>
           <a:p>
             <a:r>
@@ -15089,8 +16345,14 @@
                 <a:latin typeface="Times New Roman" panose="02020603050405020304" pitchFamily="18" charset="0"/>
                 <a:cs typeface="Times New Roman" panose="02020603050405020304" pitchFamily="18" charset="0"/>
               </a:rPr>
-              <a:t> </a:t>
-            </a:r>
+              <a:t>In ML, optimum splits are based on mathematical calculations.</a:t>
+            </a:r>
+          </a:p>
+          <a:p>
+            <a:endParaRPr lang="en-US" dirty="0">
+              <a:latin typeface="Times New Roman" panose="02020603050405020304" pitchFamily="18" charset="0"/>
+              <a:cs typeface="Times New Roman" panose="02020603050405020304" pitchFamily="18" charset="0"/>
+            </a:endParaRPr>
           </a:p>
           <a:p>
             <a:r>
@@ -15098,22 +16360,7 @@
                 <a:latin typeface="Times New Roman" panose="02020603050405020304" pitchFamily="18" charset="0"/>
                 <a:cs typeface="Times New Roman" panose="02020603050405020304" pitchFamily="18" charset="0"/>
               </a:rPr>
-              <a:t>Entropy is the measure of impurity in a node. 0 is the minimum, and 1 is the maximum value.  Purity vs impurity.</a:t>
-            </a:r>
-          </a:p>
-          <a:p>
-            <a:endParaRPr lang="en-US" dirty="0">
-              <a:latin typeface="Times New Roman" panose="02020603050405020304" pitchFamily="18" charset="0"/>
-              <a:cs typeface="Times New Roman" panose="02020603050405020304" pitchFamily="18" charset="0"/>
-            </a:endParaRPr>
-          </a:p>
-          <a:p>
-            <a:r>
-              <a:rPr lang="en-US" dirty="0">
-                <a:latin typeface="Times New Roman" panose="02020603050405020304" pitchFamily="18" charset="0"/>
-                <a:cs typeface="Times New Roman" panose="02020603050405020304" pitchFamily="18" charset="0"/>
-              </a:rPr>
-              <a:t>The optimum split occurs with the value being as close to 0!</a:t>
+              <a:t>Gini Vs Entropy.</a:t>
             </a:r>
           </a:p>
         </p:txBody>
@@ -15147,7 +16394,206 @@
             <a:fld id="{294A09A9-5501-47C1-A89A-A340965A2BE2}" type="slidenum">
               <a:rPr lang="en-US" smtClean="0"/>
               <a:pPr/>
-              <a:t>6</a:t>
+              <a:t>7</a:t>
+            </a:fld>
+            <a:endParaRPr lang="en-US" dirty="0"/>
+          </a:p>
+        </p:txBody>
+      </p:sp>
+      <p:pic>
+        <p:nvPicPr>
+          <p:cNvPr id="10" name="Picture 9">
+            <a:extLst>
+              <a:ext uri="{FF2B5EF4-FFF2-40B4-BE49-F238E27FC236}">
+                <a16:creationId xmlns:a16="http://schemas.microsoft.com/office/drawing/2014/main" id="{86008089-2FA6-CCE2-1D80-32EBDB3A00F1}"/>
+              </a:ext>
+            </a:extLst>
+          </p:cNvPr>
+          <p:cNvPicPr>
+            <a:picLocks noChangeAspect="1"/>
+          </p:cNvPicPr>
+          <p:nvPr/>
+        </p:nvPicPr>
+        <p:blipFill>
+          <a:blip r:embed="rId2"/>
+          <a:stretch>
+            <a:fillRect/>
+          </a:stretch>
+        </p:blipFill>
+        <p:spPr>
+          <a:xfrm>
+            <a:off x="5924952" y="1221761"/>
+            <a:ext cx="5324391" cy="4016360"/>
+          </a:xfrm>
+          <a:prstGeom prst="rect">
+            <a:avLst/>
+          </a:prstGeom>
+        </p:spPr>
+      </p:pic>
+    </p:spTree>
+    <p:extLst>
+      <p:ext uri="{BB962C8B-B14F-4D97-AF65-F5344CB8AC3E}">
+        <p14:creationId xmlns:p14="http://schemas.microsoft.com/office/powerpoint/2010/main" val="3922770996"/>
+      </p:ext>
+    </p:extLst>
+  </p:cSld>
+  <p:clrMapOvr>
+    <a:masterClrMapping/>
+  </p:clrMapOvr>
+</p:sld>
+</file>
+
+<file path=ppt/slides/slide8.xml><?xml version="1.0" encoding="utf-8"?>
+<p:sld xmlns:a="http://schemas.openxmlformats.org/drawingml/2006/main" xmlns:r="http://schemas.openxmlformats.org/officeDocument/2006/relationships" xmlns:p="http://schemas.openxmlformats.org/presentationml/2006/main">
+  <p:cSld>
+    <p:spTree>
+      <p:nvGrpSpPr>
+        <p:cNvPr id="1" name=""/>
+        <p:cNvGrpSpPr/>
+        <p:nvPr/>
+      </p:nvGrpSpPr>
+      <p:grpSpPr>
+        <a:xfrm>
+          <a:off x="0" y="0"/>
+          <a:ext cx="0" cy="0"/>
+          <a:chOff x="0" y="0"/>
+          <a:chExt cx="0" cy="0"/>
+        </a:xfrm>
+      </p:grpSpPr>
+      <p:sp>
+        <p:nvSpPr>
+          <p:cNvPr id="2" name="Title 1">
+            <a:extLst>
+              <a:ext uri="{FF2B5EF4-FFF2-40B4-BE49-F238E27FC236}">
+                <a16:creationId xmlns:a16="http://schemas.microsoft.com/office/drawing/2014/main" id="{912DF434-28DB-4621-A497-D62C41CE0419}"/>
+              </a:ext>
+            </a:extLst>
+          </p:cNvPr>
+          <p:cNvSpPr>
+            <a:spLocks noGrp="1"/>
+          </p:cNvSpPr>
+          <p:nvPr>
+            <p:ph type="title"/>
+          </p:nvPr>
+        </p:nvSpPr>
+        <p:spPr>
+          <a:xfrm>
+            <a:off x="1167492" y="381000"/>
+            <a:ext cx="9779183" cy="763921"/>
+          </a:xfrm>
+        </p:spPr>
+        <p:txBody>
+          <a:bodyPr/>
+          <a:lstStyle/>
+          <a:p>
+            <a:r>
+              <a:rPr lang="en-US" dirty="0"/>
+              <a:t>Gini vs Entropy</a:t>
+            </a:r>
+          </a:p>
+        </p:txBody>
+      </p:sp>
+      <p:sp>
+        <p:nvSpPr>
+          <p:cNvPr id="3" name="Content Placeholder 2">
+            <a:extLst>
+              <a:ext uri="{FF2B5EF4-FFF2-40B4-BE49-F238E27FC236}">
+                <a16:creationId xmlns:a16="http://schemas.microsoft.com/office/drawing/2014/main" id="{22788C46-D0BC-4307-AE55-7601A139E7CB}"/>
+              </a:ext>
+            </a:extLst>
+          </p:cNvPr>
+          <p:cNvSpPr>
+            <a:spLocks noGrp="1"/>
+          </p:cNvSpPr>
+          <p:nvPr>
+            <p:ph idx="1"/>
+          </p:nvPr>
+        </p:nvSpPr>
+        <p:spPr>
+          <a:xfrm>
+            <a:off x="1167492" y="1244975"/>
+            <a:ext cx="9153898" cy="3265714"/>
+          </a:xfrm>
+        </p:spPr>
+        <p:txBody>
+          <a:bodyPr vert="horz" lIns="91440" tIns="45720" rIns="91440" bIns="45720" rtlCol="0" anchor="t">
+            <a:normAutofit fontScale="92500" lnSpcReduction="10000"/>
+          </a:bodyPr>
+          <a:lstStyle/>
+          <a:p>
+            <a:r>
+              <a:rPr lang="en-US" dirty="0">
+                <a:latin typeface="Times New Roman" panose="02020603050405020304" pitchFamily="18" charset="0"/>
+                <a:cs typeface="Times New Roman" panose="02020603050405020304" pitchFamily="18" charset="0"/>
+              </a:rPr>
+              <a:t>Gini impurity index measures the frequency at which a sample from a dataset will be mislabeled. 0 is the minimum, 0.5 is the maximum value.</a:t>
+            </a:r>
+          </a:p>
+          <a:p>
+            <a:r>
+              <a:rPr lang="en-US" dirty="0">
+                <a:latin typeface="Times New Roman" panose="02020603050405020304" pitchFamily="18" charset="0"/>
+                <a:cs typeface="Times New Roman" panose="02020603050405020304" pitchFamily="18" charset="0"/>
+              </a:rPr>
+              <a:t> </a:t>
+            </a:r>
+          </a:p>
+          <a:p>
+            <a:r>
+              <a:rPr lang="en-US" dirty="0">
+                <a:latin typeface="Times New Roman" panose="02020603050405020304" pitchFamily="18" charset="0"/>
+                <a:cs typeface="Times New Roman" panose="02020603050405020304" pitchFamily="18" charset="0"/>
+              </a:rPr>
+              <a:t>Entropy is the measure of impurity in a node. 0 is the minimum, and 1 is the maximum value.  Purity vs impurity.</a:t>
+            </a:r>
+          </a:p>
+          <a:p>
+            <a:endParaRPr lang="en-US" dirty="0">
+              <a:latin typeface="Times New Roman" panose="02020603050405020304" pitchFamily="18" charset="0"/>
+              <a:cs typeface="Times New Roman" panose="02020603050405020304" pitchFamily="18" charset="0"/>
+            </a:endParaRPr>
+          </a:p>
+          <a:p>
+            <a:r>
+              <a:rPr lang="en-US" dirty="0">
+                <a:latin typeface="Times New Roman" panose="02020603050405020304" pitchFamily="18" charset="0"/>
+                <a:cs typeface="Times New Roman" panose="02020603050405020304" pitchFamily="18" charset="0"/>
+              </a:rPr>
+              <a:t>The optimum split occurs with the value being as close to 0!</a:t>
+            </a:r>
+          </a:p>
+        </p:txBody>
+      </p:sp>
+      <p:sp>
+        <p:nvSpPr>
+          <p:cNvPr id="6" name="Slide Number Placeholder 5">
+            <a:extLst>
+              <a:ext uri="{FF2B5EF4-FFF2-40B4-BE49-F238E27FC236}">
+                <a16:creationId xmlns:a16="http://schemas.microsoft.com/office/drawing/2014/main" id="{60D470D0-6D64-5E42-9515-048F8779CD5E}"/>
+              </a:ext>
+            </a:extLst>
+          </p:cNvPr>
+          <p:cNvSpPr>
+            <a:spLocks noGrp="1"/>
+          </p:cNvSpPr>
+          <p:nvPr>
+            <p:ph type="sldNum" sz="quarter" idx="4"/>
+          </p:nvPr>
+        </p:nvSpPr>
+        <p:spPr>
+          <a:xfrm>
+            <a:off x="10153276" y="6356350"/>
+            <a:ext cx="1657723" cy="365125"/>
+          </a:xfrm>
+        </p:spPr>
+        <p:txBody>
+          <a:bodyPr/>
+          <a:lstStyle/>
+          <a:p>
+            <a:fld id="{294A09A9-5501-47C1-A89A-A340965A2BE2}" type="slidenum">
+              <a:rPr lang="en-US" smtClean="0"/>
+              <a:pPr/>
+              <a:t>8</a:t>
             </a:fld>
             <a:endParaRPr lang="en-US" dirty="0"/>
           </a:p>
@@ -15411,7 +16857,7 @@
         <p:spPr>
           <a:xfrm>
             <a:off x="0" y="4678891"/>
-            <a:ext cx="6929012" cy="1104528"/>
+            <a:ext cx="6477533" cy="1363822"/>
           </a:xfrm>
           <a:prstGeom prst="rect">
             <a:avLst/>
@@ -15422,536 +16868,6 @@
     <p:extLst>
       <p:ext uri="{BB962C8B-B14F-4D97-AF65-F5344CB8AC3E}">
         <p14:creationId xmlns:p14="http://schemas.microsoft.com/office/powerpoint/2010/main" val="254203702"/>
-      </p:ext>
-    </p:extLst>
-  </p:cSld>
-  <p:clrMapOvr>
-    <a:masterClrMapping/>
-  </p:clrMapOvr>
-</p:sld>
-</file>
-
-<file path=ppt/slides/slide7.xml><?xml version="1.0" encoding="utf-8"?>
-<p:sld xmlns:a="http://schemas.openxmlformats.org/drawingml/2006/main" xmlns:r="http://schemas.openxmlformats.org/officeDocument/2006/relationships" xmlns:p="http://schemas.openxmlformats.org/presentationml/2006/main">
-  <p:cSld>
-    <p:spTree>
-      <p:nvGrpSpPr>
-        <p:cNvPr id="1" name=""/>
-        <p:cNvGrpSpPr/>
-        <p:nvPr/>
-      </p:nvGrpSpPr>
-      <p:grpSpPr>
-        <a:xfrm>
-          <a:off x="0" y="0"/>
-          <a:ext cx="0" cy="0"/>
-          <a:chOff x="0" y="0"/>
-          <a:chExt cx="0" cy="0"/>
-        </a:xfrm>
-      </p:grpSpPr>
-      <p:sp>
-        <p:nvSpPr>
-          <p:cNvPr id="2" name="Title 1">
-            <a:extLst>
-              <a:ext uri="{FF2B5EF4-FFF2-40B4-BE49-F238E27FC236}">
-                <a16:creationId xmlns:a16="http://schemas.microsoft.com/office/drawing/2014/main" id="{912DF434-28DB-4621-A497-D62C41CE0419}"/>
-              </a:ext>
-            </a:extLst>
-          </p:cNvPr>
-          <p:cNvSpPr>
-            <a:spLocks noGrp="1"/>
-          </p:cNvSpPr>
-          <p:nvPr>
-            <p:ph type="title"/>
-          </p:nvPr>
-        </p:nvSpPr>
-        <p:spPr>
-          <a:xfrm>
-            <a:off x="1167492" y="381000"/>
-            <a:ext cx="9779183" cy="1325563"/>
-          </a:xfrm>
-        </p:spPr>
-        <p:txBody>
-          <a:bodyPr/>
-          <a:lstStyle/>
-          <a:p>
-            <a:r>
-              <a:rPr lang="en-US" dirty="0"/>
-              <a:t>Hyperparameters</a:t>
-            </a:r>
-          </a:p>
-        </p:txBody>
-      </p:sp>
-      <p:sp>
-        <p:nvSpPr>
-          <p:cNvPr id="3" name="Content Placeholder 2">
-            <a:extLst>
-              <a:ext uri="{FF2B5EF4-FFF2-40B4-BE49-F238E27FC236}">
-                <a16:creationId xmlns:a16="http://schemas.microsoft.com/office/drawing/2014/main" id="{22788C46-D0BC-4307-AE55-7601A139E7CB}"/>
-              </a:ext>
-            </a:extLst>
-          </p:cNvPr>
-          <p:cNvSpPr>
-            <a:spLocks noGrp="1"/>
-          </p:cNvSpPr>
-          <p:nvPr>
-            <p:ph idx="1"/>
-          </p:nvPr>
-        </p:nvSpPr>
-        <p:spPr>
-          <a:xfrm>
-            <a:off x="776087" y="1706563"/>
-            <a:ext cx="9623135" cy="3680084"/>
-          </a:xfrm>
-        </p:spPr>
-        <p:txBody>
-          <a:bodyPr vert="horz" lIns="91440" tIns="45720" rIns="91440" bIns="45720" rtlCol="0" anchor="t">
-            <a:normAutofit/>
-          </a:bodyPr>
-          <a:lstStyle/>
-          <a:p>
-            <a:pPr marL="457200" indent="-457200">
-              <a:buFont typeface="Arial" panose="020B0604020202020204" pitchFamily="34" charset="0"/>
-              <a:buChar char="•"/>
-            </a:pPr>
-            <a:r>
-              <a:rPr lang="en-US" dirty="0" err="1">
-                <a:latin typeface="Times New Roman" panose="02020603050405020304" pitchFamily="18" charset="0"/>
-                <a:cs typeface="Times New Roman" panose="02020603050405020304" pitchFamily="18" charset="0"/>
-              </a:rPr>
-              <a:t>DecionTreeClassifier</a:t>
-            </a:r>
-            <a:r>
-              <a:rPr lang="en-US" dirty="0">
-                <a:latin typeface="Times New Roman" panose="02020603050405020304" pitchFamily="18" charset="0"/>
-                <a:cs typeface="Times New Roman" panose="02020603050405020304" pitchFamily="18" charset="0"/>
-              </a:rPr>
-              <a:t>(hyperparameters). Underlines are defaults</a:t>
-            </a:r>
-          </a:p>
-          <a:p>
-            <a:pPr marL="457200" indent="-457200">
-              <a:buFont typeface="Arial" panose="020B0604020202020204" pitchFamily="34" charset="0"/>
-              <a:buChar char="•"/>
-            </a:pPr>
-            <a:r>
-              <a:rPr lang="en-US" dirty="0">
-                <a:latin typeface="Times New Roman" panose="02020603050405020304" pitchFamily="18" charset="0"/>
-                <a:cs typeface="Times New Roman" panose="02020603050405020304" pitchFamily="18" charset="0"/>
-              </a:rPr>
-              <a:t>Which algorithm? Criterion:</a:t>
-            </a:r>
-            <a:r>
-              <a:rPr lang="en-US" u="sng" dirty="0">
-                <a:latin typeface="Times New Roman" panose="02020603050405020304" pitchFamily="18" charset="0"/>
-                <a:cs typeface="Times New Roman" panose="02020603050405020304" pitchFamily="18" charset="0"/>
-              </a:rPr>
-              <a:t> Gini </a:t>
-            </a:r>
-            <a:r>
-              <a:rPr lang="en-US" dirty="0">
-                <a:latin typeface="Times New Roman" panose="02020603050405020304" pitchFamily="18" charset="0"/>
-                <a:cs typeface="Times New Roman" panose="02020603050405020304" pitchFamily="18" charset="0"/>
-              </a:rPr>
-              <a:t>vs entropy and </a:t>
-            </a:r>
-            <a:r>
-              <a:rPr lang="en-US" dirty="0" err="1">
-                <a:latin typeface="Times New Roman" panose="02020603050405020304" pitchFamily="18" charset="0"/>
-                <a:cs typeface="Times New Roman" panose="02020603050405020304" pitchFamily="18" charset="0"/>
-              </a:rPr>
-              <a:t>log_loss</a:t>
-            </a:r>
-            <a:r>
-              <a:rPr lang="en-US" dirty="0">
-                <a:latin typeface="Times New Roman" panose="02020603050405020304" pitchFamily="18" charset="0"/>
-                <a:cs typeface="Times New Roman" panose="02020603050405020304" pitchFamily="18" charset="0"/>
-              </a:rPr>
-              <a:t>.</a:t>
-            </a:r>
-          </a:p>
-          <a:p>
-            <a:pPr marL="457200" indent="-457200">
-              <a:buFont typeface="Arial" panose="020B0604020202020204" pitchFamily="34" charset="0"/>
-              <a:buChar char="•"/>
-            </a:pPr>
-            <a:r>
-              <a:rPr lang="en-US" dirty="0">
-                <a:latin typeface="Times New Roman" panose="02020603050405020304" pitchFamily="18" charset="0"/>
-                <a:cs typeface="Times New Roman" panose="02020603050405020304" pitchFamily="18" charset="0"/>
-              </a:rPr>
-              <a:t>Splitter: random or </a:t>
-            </a:r>
-            <a:r>
-              <a:rPr lang="en-US" u="sng" dirty="0">
-                <a:latin typeface="Times New Roman" panose="02020603050405020304" pitchFamily="18" charset="0"/>
-                <a:cs typeface="Times New Roman" panose="02020603050405020304" pitchFamily="18" charset="0"/>
-              </a:rPr>
-              <a:t>best</a:t>
-            </a:r>
-            <a:r>
-              <a:rPr lang="en-US" dirty="0">
-                <a:latin typeface="Times New Roman" panose="02020603050405020304" pitchFamily="18" charset="0"/>
-                <a:cs typeface="Times New Roman" panose="02020603050405020304" pitchFamily="18" charset="0"/>
-              </a:rPr>
-              <a:t> strategy use to split each node.</a:t>
-            </a:r>
-          </a:p>
-          <a:p>
-            <a:pPr marL="457200" indent="-457200">
-              <a:buFont typeface="Arial" panose="020B0604020202020204" pitchFamily="34" charset="0"/>
-              <a:buChar char="•"/>
-            </a:pPr>
-            <a:r>
-              <a:rPr lang="en-US" dirty="0" err="1">
-                <a:latin typeface="Times New Roman" panose="02020603050405020304" pitchFamily="18" charset="0"/>
-                <a:cs typeface="Times New Roman" panose="02020603050405020304" pitchFamily="18" charset="0"/>
-              </a:rPr>
-              <a:t>Max_depth</a:t>
-            </a:r>
-            <a:r>
-              <a:rPr lang="en-US" dirty="0">
-                <a:latin typeface="Times New Roman" panose="02020603050405020304" pitchFamily="18" charset="0"/>
-                <a:cs typeface="Times New Roman" panose="02020603050405020304" pitchFamily="18" charset="0"/>
-              </a:rPr>
-              <a:t>: the maximum depth of the tree. </a:t>
-            </a:r>
-            <a:r>
-              <a:rPr lang="en-US" u="sng" dirty="0">
-                <a:latin typeface="Times New Roman" panose="02020603050405020304" pitchFamily="18" charset="0"/>
-                <a:cs typeface="Times New Roman" panose="02020603050405020304" pitchFamily="18" charset="0"/>
-              </a:rPr>
-              <a:t>None</a:t>
-            </a:r>
-            <a:r>
-              <a:rPr lang="en-US" dirty="0">
-                <a:latin typeface="Times New Roman" panose="02020603050405020304" pitchFamily="18" charset="0"/>
-                <a:cs typeface="Times New Roman" panose="02020603050405020304" pitchFamily="18" charset="0"/>
-              </a:rPr>
-              <a:t> is the default.</a:t>
-            </a:r>
-          </a:p>
-          <a:p>
-            <a:pPr marL="457200" indent="-457200">
-              <a:buFont typeface="Arial" panose="020B0604020202020204" pitchFamily="34" charset="0"/>
-              <a:buChar char="•"/>
-            </a:pPr>
-            <a:r>
-              <a:rPr lang="en-US" dirty="0" err="1">
-                <a:latin typeface="Times New Roman" panose="02020603050405020304" pitchFamily="18" charset="0"/>
-                <a:cs typeface="Times New Roman" panose="02020603050405020304" pitchFamily="18" charset="0"/>
-              </a:rPr>
-              <a:t>Min_samples_split</a:t>
-            </a:r>
-            <a:r>
-              <a:rPr lang="en-US" dirty="0">
-                <a:latin typeface="Times New Roman" panose="02020603050405020304" pitchFamily="18" charset="0"/>
-                <a:cs typeface="Times New Roman" panose="02020603050405020304" pitchFamily="18" charset="0"/>
-              </a:rPr>
-              <a:t>: minimum # of samples to split a decision node. </a:t>
-            </a:r>
-            <a:r>
-              <a:rPr lang="en-US" u="sng" dirty="0">
-                <a:latin typeface="Times New Roman" panose="02020603050405020304" pitchFamily="18" charset="0"/>
-                <a:cs typeface="Times New Roman" panose="02020603050405020304" pitchFamily="18" charset="0"/>
-              </a:rPr>
-              <a:t>2 </a:t>
-            </a:r>
-            <a:r>
-              <a:rPr lang="en-US" dirty="0">
-                <a:latin typeface="Times New Roman" panose="02020603050405020304" pitchFamily="18" charset="0"/>
-                <a:cs typeface="Times New Roman" panose="02020603050405020304" pitchFamily="18" charset="0"/>
-              </a:rPr>
-              <a:t>is the default.</a:t>
-            </a:r>
-          </a:p>
-          <a:p>
-            <a:endParaRPr lang="en-US" u="sng" dirty="0">
-              <a:latin typeface="Times New Roman" panose="02020603050405020304" pitchFamily="18" charset="0"/>
-              <a:cs typeface="Times New Roman" panose="02020603050405020304" pitchFamily="18" charset="0"/>
-            </a:endParaRPr>
-          </a:p>
-          <a:p>
-            <a:endParaRPr lang="en-US" dirty="0">
-              <a:latin typeface="Times New Roman" panose="02020603050405020304" pitchFamily="18" charset="0"/>
-              <a:cs typeface="Times New Roman" panose="02020603050405020304" pitchFamily="18" charset="0"/>
-            </a:endParaRPr>
-          </a:p>
-          <a:p>
-            <a:endParaRPr lang="en-US" dirty="0">
-              <a:latin typeface="Times New Roman" panose="02020603050405020304" pitchFamily="18" charset="0"/>
-              <a:cs typeface="Times New Roman" panose="02020603050405020304" pitchFamily="18" charset="0"/>
-            </a:endParaRPr>
-          </a:p>
-        </p:txBody>
-      </p:sp>
-      <p:sp>
-        <p:nvSpPr>
-          <p:cNvPr id="6" name="Slide Number Placeholder 5">
-            <a:extLst>
-              <a:ext uri="{FF2B5EF4-FFF2-40B4-BE49-F238E27FC236}">
-                <a16:creationId xmlns:a16="http://schemas.microsoft.com/office/drawing/2014/main" id="{60D470D0-6D64-5E42-9515-048F8779CD5E}"/>
-              </a:ext>
-            </a:extLst>
-          </p:cNvPr>
-          <p:cNvSpPr>
-            <a:spLocks noGrp="1"/>
-          </p:cNvSpPr>
-          <p:nvPr>
-            <p:ph type="sldNum" sz="quarter" idx="4"/>
-          </p:nvPr>
-        </p:nvSpPr>
-        <p:spPr>
-          <a:xfrm>
-            <a:off x="10153276" y="6356350"/>
-            <a:ext cx="1657723" cy="365125"/>
-          </a:xfrm>
-        </p:spPr>
-        <p:txBody>
-          <a:bodyPr/>
-          <a:lstStyle/>
-          <a:p>
-            <a:fld id="{294A09A9-5501-47C1-A89A-A340965A2BE2}" type="slidenum">
-              <a:rPr lang="en-US" smtClean="0"/>
-              <a:pPr/>
-              <a:t>7</a:t>
-            </a:fld>
-            <a:endParaRPr lang="en-US" dirty="0"/>
-          </a:p>
-        </p:txBody>
-      </p:sp>
-    </p:spTree>
-    <p:extLst>
-      <p:ext uri="{BB962C8B-B14F-4D97-AF65-F5344CB8AC3E}">
-        <p14:creationId xmlns:p14="http://schemas.microsoft.com/office/powerpoint/2010/main" val="1804283494"/>
-      </p:ext>
-    </p:extLst>
-  </p:cSld>
-  <p:clrMapOvr>
-    <a:masterClrMapping/>
-  </p:clrMapOvr>
-</p:sld>
-</file>
-
-<file path=ppt/slides/slide8.xml><?xml version="1.0" encoding="utf-8"?>
-<p:sld xmlns:a="http://schemas.openxmlformats.org/drawingml/2006/main" xmlns:r="http://schemas.openxmlformats.org/officeDocument/2006/relationships" xmlns:p="http://schemas.openxmlformats.org/presentationml/2006/main">
-  <p:cSld>
-    <p:spTree>
-      <p:nvGrpSpPr>
-        <p:cNvPr id="1" name=""/>
-        <p:cNvGrpSpPr/>
-        <p:nvPr/>
-      </p:nvGrpSpPr>
-      <p:grpSpPr>
-        <a:xfrm>
-          <a:off x="0" y="0"/>
-          <a:ext cx="0" cy="0"/>
-          <a:chOff x="0" y="0"/>
-          <a:chExt cx="0" cy="0"/>
-        </a:xfrm>
-      </p:grpSpPr>
-      <p:sp>
-        <p:nvSpPr>
-          <p:cNvPr id="2" name="Title 1">
-            <a:extLst>
-              <a:ext uri="{FF2B5EF4-FFF2-40B4-BE49-F238E27FC236}">
-                <a16:creationId xmlns:a16="http://schemas.microsoft.com/office/drawing/2014/main" id="{912DF434-28DB-4621-A497-D62C41CE0419}"/>
-              </a:ext>
-            </a:extLst>
-          </p:cNvPr>
-          <p:cNvSpPr>
-            <a:spLocks noGrp="1"/>
-          </p:cNvSpPr>
-          <p:nvPr>
-            <p:ph type="title"/>
-          </p:nvPr>
-        </p:nvSpPr>
-        <p:spPr>
-          <a:xfrm>
-            <a:off x="1167492" y="381000"/>
-            <a:ext cx="9779183" cy="1325563"/>
-          </a:xfrm>
-        </p:spPr>
-        <p:txBody>
-          <a:bodyPr/>
-          <a:lstStyle/>
-          <a:p>
-            <a:r>
-              <a:rPr lang="en-US" dirty="0"/>
-              <a:t>Hyperparameters cont.</a:t>
-            </a:r>
-          </a:p>
-        </p:txBody>
-      </p:sp>
-      <p:sp>
-        <p:nvSpPr>
-          <p:cNvPr id="3" name="Content Placeholder 2">
-            <a:extLst>
-              <a:ext uri="{FF2B5EF4-FFF2-40B4-BE49-F238E27FC236}">
-                <a16:creationId xmlns:a16="http://schemas.microsoft.com/office/drawing/2014/main" id="{22788C46-D0BC-4307-AE55-7601A139E7CB}"/>
-              </a:ext>
-            </a:extLst>
-          </p:cNvPr>
-          <p:cNvSpPr>
-            <a:spLocks noGrp="1"/>
-          </p:cNvSpPr>
-          <p:nvPr>
-            <p:ph idx="1"/>
-          </p:nvPr>
-        </p:nvSpPr>
-        <p:spPr>
-          <a:xfrm>
-            <a:off x="922084" y="1706563"/>
-            <a:ext cx="9477139" cy="3680084"/>
-          </a:xfrm>
-        </p:spPr>
-        <p:txBody>
-          <a:bodyPr vert="horz" lIns="91440" tIns="45720" rIns="91440" bIns="45720" rtlCol="0" anchor="t">
-            <a:normAutofit/>
-          </a:bodyPr>
-          <a:lstStyle/>
-          <a:p>
-            <a:pPr marL="457200" indent="-457200">
-              <a:buFont typeface="Arial" panose="020B0604020202020204" pitchFamily="34" charset="0"/>
-              <a:buChar char="•"/>
-            </a:pPr>
-            <a:r>
-              <a:rPr lang="en-US" dirty="0" err="1">
-                <a:latin typeface="Times New Roman" panose="02020603050405020304" pitchFamily="18" charset="0"/>
-                <a:cs typeface="Times New Roman" panose="02020603050405020304" pitchFamily="18" charset="0"/>
-              </a:rPr>
-              <a:t>min_samples_leaf</a:t>
-            </a:r>
-            <a:r>
-              <a:rPr lang="en-US" dirty="0">
-                <a:latin typeface="Times New Roman" panose="02020603050405020304" pitchFamily="18" charset="0"/>
-                <a:cs typeface="Times New Roman" panose="02020603050405020304" pitchFamily="18" charset="0"/>
-              </a:rPr>
-              <a:t>: minimum# of samples required at leaf/terminal node. </a:t>
-            </a:r>
-            <a:r>
-              <a:rPr lang="en-US" u="sng" dirty="0">
-                <a:latin typeface="Times New Roman" panose="02020603050405020304" pitchFamily="18" charset="0"/>
-                <a:cs typeface="Times New Roman" panose="02020603050405020304" pitchFamily="18" charset="0"/>
-              </a:rPr>
-              <a:t>1</a:t>
-            </a:r>
-            <a:r>
-              <a:rPr lang="en-US" dirty="0">
-                <a:latin typeface="Times New Roman" panose="02020603050405020304" pitchFamily="18" charset="0"/>
-                <a:cs typeface="Times New Roman" panose="02020603050405020304" pitchFamily="18" charset="0"/>
-              </a:rPr>
-              <a:t> is the default.</a:t>
-            </a:r>
-          </a:p>
-          <a:p>
-            <a:pPr marL="457200" indent="-457200">
-              <a:buFont typeface="Arial" panose="020B0604020202020204" pitchFamily="34" charset="0"/>
-              <a:buChar char="•"/>
-            </a:pPr>
-            <a:r>
-              <a:rPr lang="en-US" dirty="0" err="1">
-                <a:latin typeface="Times New Roman" panose="02020603050405020304" pitchFamily="18" charset="0"/>
-                <a:cs typeface="Times New Roman" panose="02020603050405020304" pitchFamily="18" charset="0"/>
-              </a:rPr>
-              <a:t>max_features</a:t>
-            </a:r>
-            <a:r>
-              <a:rPr lang="en-US" dirty="0">
-                <a:latin typeface="Times New Roman" panose="02020603050405020304" pitchFamily="18" charset="0"/>
-                <a:cs typeface="Times New Roman" panose="02020603050405020304" pitchFamily="18" charset="0"/>
-              </a:rPr>
-              <a:t>: # of features to consider for optimum split. </a:t>
-            </a:r>
-            <a:r>
-              <a:rPr lang="en-US" u="sng" dirty="0">
-                <a:latin typeface="Times New Roman" panose="02020603050405020304" pitchFamily="18" charset="0"/>
-                <a:cs typeface="Times New Roman" panose="02020603050405020304" pitchFamily="18" charset="0"/>
-              </a:rPr>
-              <a:t>None</a:t>
-            </a:r>
-            <a:r>
-              <a:rPr lang="en-US" dirty="0">
-                <a:latin typeface="Times New Roman" panose="02020603050405020304" pitchFamily="18" charset="0"/>
-                <a:cs typeface="Times New Roman" panose="02020603050405020304" pitchFamily="18" charset="0"/>
-              </a:rPr>
-              <a:t> is the default. </a:t>
-            </a:r>
-          </a:p>
-          <a:p>
-            <a:pPr marL="457200" indent="-457200">
-              <a:buFont typeface="Arial" panose="020B0604020202020204" pitchFamily="34" charset="0"/>
-              <a:buChar char="•"/>
-            </a:pPr>
-            <a:r>
-              <a:rPr lang="en-US" dirty="0" err="1">
-                <a:latin typeface="Times New Roman" panose="02020603050405020304" pitchFamily="18" charset="0"/>
-                <a:cs typeface="Times New Roman" panose="02020603050405020304" pitchFamily="18" charset="0"/>
-              </a:rPr>
-              <a:t>max_leaf_nodes</a:t>
-            </a:r>
-            <a:r>
-              <a:rPr lang="en-US" dirty="0">
-                <a:latin typeface="Times New Roman" panose="02020603050405020304" pitchFamily="18" charset="0"/>
-                <a:cs typeface="Times New Roman" panose="02020603050405020304" pitchFamily="18" charset="0"/>
-              </a:rPr>
-              <a:t>: maximum number of leaf nodes. </a:t>
-            </a:r>
-            <a:r>
-              <a:rPr lang="en-US" u="sng" dirty="0">
-                <a:latin typeface="Times New Roman" panose="02020603050405020304" pitchFamily="18" charset="0"/>
-                <a:cs typeface="Times New Roman" panose="02020603050405020304" pitchFamily="18" charset="0"/>
-              </a:rPr>
-              <a:t>None</a:t>
-            </a:r>
-            <a:r>
-              <a:rPr lang="en-US" dirty="0">
-                <a:latin typeface="Times New Roman" panose="02020603050405020304" pitchFamily="18" charset="0"/>
-                <a:cs typeface="Times New Roman" panose="02020603050405020304" pitchFamily="18" charset="0"/>
-              </a:rPr>
-              <a:t> is the default</a:t>
-            </a:r>
-          </a:p>
-        </p:txBody>
-      </p:sp>
-      <p:sp>
-        <p:nvSpPr>
-          <p:cNvPr id="6" name="Slide Number Placeholder 5">
-            <a:extLst>
-              <a:ext uri="{FF2B5EF4-FFF2-40B4-BE49-F238E27FC236}">
-                <a16:creationId xmlns:a16="http://schemas.microsoft.com/office/drawing/2014/main" id="{60D470D0-6D64-5E42-9515-048F8779CD5E}"/>
-              </a:ext>
-            </a:extLst>
-          </p:cNvPr>
-          <p:cNvSpPr>
-            <a:spLocks noGrp="1"/>
-          </p:cNvSpPr>
-          <p:nvPr>
-            <p:ph type="sldNum" sz="quarter" idx="4"/>
-          </p:nvPr>
-        </p:nvSpPr>
-        <p:spPr>
-          <a:xfrm>
-            <a:off x="10153276" y="6356350"/>
-            <a:ext cx="1657723" cy="365125"/>
-          </a:xfrm>
-        </p:spPr>
-        <p:txBody>
-          <a:bodyPr/>
-          <a:lstStyle/>
-          <a:p>
-            <a:fld id="{294A09A9-5501-47C1-A89A-A340965A2BE2}" type="slidenum">
-              <a:rPr lang="en-US" smtClean="0"/>
-              <a:pPr/>
-              <a:t>8</a:t>
-            </a:fld>
-            <a:endParaRPr lang="en-US" dirty="0"/>
-          </a:p>
-        </p:txBody>
-      </p:sp>
-    </p:spTree>
-    <p:extLst>
-      <p:ext uri="{BB962C8B-B14F-4D97-AF65-F5344CB8AC3E}">
-        <p14:creationId xmlns:p14="http://schemas.microsoft.com/office/powerpoint/2010/main" val="2010275384"/>
       </p:ext>
     </p:extLst>
   </p:cSld>
@@ -15997,7 +16913,7 @@
         <p:spPr>
           <a:xfrm>
             <a:off x="1167492" y="381000"/>
-            <a:ext cx="9779183" cy="738673"/>
+            <a:ext cx="9779183" cy="763921"/>
           </a:xfrm>
         </p:spPr>
         <p:txBody>
@@ -16006,111 +16922,7 @@
           <a:p>
             <a:r>
               <a:rPr lang="en-US" dirty="0"/>
-              <a:t>Key Terms</a:t>
-            </a:r>
-          </a:p>
-        </p:txBody>
-      </p:sp>
-      <p:sp>
-        <p:nvSpPr>
-          <p:cNvPr id="3" name="Content Placeholder 2">
-            <a:extLst>
-              <a:ext uri="{FF2B5EF4-FFF2-40B4-BE49-F238E27FC236}">
-                <a16:creationId xmlns:a16="http://schemas.microsoft.com/office/drawing/2014/main" id="{22788C46-D0BC-4307-AE55-7601A139E7CB}"/>
-              </a:ext>
-            </a:extLst>
-          </p:cNvPr>
-          <p:cNvSpPr>
-            <a:spLocks noGrp="1"/>
-          </p:cNvSpPr>
-          <p:nvPr>
-            <p:ph idx="1"/>
-          </p:nvPr>
-        </p:nvSpPr>
-        <p:spPr>
-          <a:xfrm>
-            <a:off x="7499617" y="690662"/>
-            <a:ext cx="4558722" cy="4974462"/>
-          </a:xfrm>
-        </p:spPr>
-        <p:txBody>
-          <a:bodyPr vert="horz" lIns="91440" tIns="45720" rIns="91440" bIns="45720" rtlCol="0" anchor="t">
-            <a:normAutofit/>
-          </a:bodyPr>
-          <a:lstStyle/>
-          <a:p>
-            <a:r>
-              <a:rPr lang="en-US" b="1" dirty="0">
-                <a:latin typeface="Times New Roman" panose="02020603050405020304" pitchFamily="18" charset="0"/>
-                <a:cs typeface="Times New Roman" panose="02020603050405020304" pitchFamily="18" charset="0"/>
-              </a:rPr>
-              <a:t>Root Node- </a:t>
-            </a:r>
-            <a:r>
-              <a:rPr lang="en-US" dirty="0">
-                <a:latin typeface="Times New Roman" panose="02020603050405020304" pitchFamily="18" charset="0"/>
-                <a:cs typeface="Times New Roman" panose="02020603050405020304" pitchFamily="18" charset="0"/>
-              </a:rPr>
-              <a:t>initial node representing entire dataset</a:t>
-            </a:r>
-          </a:p>
-          <a:p>
-            <a:r>
-              <a:rPr lang="en-US" b="1" dirty="0">
-                <a:latin typeface="Times New Roman" panose="02020603050405020304" pitchFamily="18" charset="0"/>
-                <a:cs typeface="Times New Roman" panose="02020603050405020304" pitchFamily="18" charset="0"/>
-              </a:rPr>
-              <a:t>Interior/Decision Node- </a:t>
-            </a:r>
-            <a:r>
-              <a:rPr lang="en-US" dirty="0">
-                <a:latin typeface="Times New Roman" panose="02020603050405020304" pitchFamily="18" charset="0"/>
-                <a:cs typeface="Times New Roman" panose="02020603050405020304" pitchFamily="18" charset="0"/>
-              </a:rPr>
-              <a:t>representing the dataset to be split by a condition. </a:t>
-            </a:r>
-            <a:endParaRPr lang="en-US" b="1" dirty="0">
-              <a:latin typeface="Times New Roman" panose="02020603050405020304" pitchFamily="18" charset="0"/>
-              <a:cs typeface="Times New Roman" panose="02020603050405020304" pitchFamily="18" charset="0"/>
-            </a:endParaRPr>
-          </a:p>
-          <a:p>
-            <a:r>
-              <a:rPr lang="en-US" b="1" dirty="0">
-                <a:latin typeface="Times New Roman" panose="02020603050405020304" pitchFamily="18" charset="0"/>
-                <a:cs typeface="Times New Roman" panose="02020603050405020304" pitchFamily="18" charset="0"/>
-              </a:rPr>
-              <a:t>Terminal/Leaf Node- </a:t>
-            </a:r>
-            <a:r>
-              <a:rPr lang="en-US" dirty="0">
-                <a:latin typeface="Times New Roman" panose="02020603050405020304" pitchFamily="18" charset="0"/>
-                <a:cs typeface="Times New Roman" panose="02020603050405020304" pitchFamily="18" charset="0"/>
-              </a:rPr>
-              <a:t>representing final the outcome from a parent node. </a:t>
-            </a:r>
-          </a:p>
-          <a:p>
-            <a:r>
-              <a:rPr lang="en-US" b="1" dirty="0">
-                <a:latin typeface="Times New Roman" panose="02020603050405020304" pitchFamily="18" charset="0"/>
-                <a:cs typeface="Times New Roman" panose="02020603050405020304" pitchFamily="18" charset="0"/>
-              </a:rPr>
-              <a:t>Levels of Depth-</a:t>
-            </a:r>
-            <a:r>
-              <a:rPr lang="en-US" dirty="0">
-                <a:latin typeface="Times New Roman" panose="02020603050405020304" pitchFamily="18" charset="0"/>
-                <a:cs typeface="Times New Roman" panose="02020603050405020304" pitchFamily="18" charset="0"/>
-              </a:rPr>
-              <a:t>how many splits before coming to a prediction.</a:t>
-            </a:r>
-            <a:r>
-              <a:rPr lang="en-US" b="1" dirty="0">
-                <a:latin typeface="Times New Roman" panose="02020603050405020304" pitchFamily="18" charset="0"/>
-                <a:cs typeface="Times New Roman" panose="02020603050405020304" pitchFamily="18" charset="0"/>
-              </a:rPr>
-              <a:t> </a:t>
+              <a:t>Gini vs Entropy</a:t>
             </a:r>
           </a:p>
         </p:txBody>
@@ -16150,12 +16962,217 @@
           </a:p>
         </p:txBody>
       </p:sp>
+      <p:sp>
+        <p:nvSpPr>
+          <p:cNvPr id="7" name="Rectangle 1">
+            <a:extLst>
+              <a:ext uri="{FF2B5EF4-FFF2-40B4-BE49-F238E27FC236}">
+                <a16:creationId xmlns:a16="http://schemas.microsoft.com/office/drawing/2014/main" id="{EA617619-B795-66AE-0F99-A56A6E58ECAD}"/>
+              </a:ext>
+            </a:extLst>
+          </p:cNvPr>
+          <p:cNvSpPr>
+            <a:spLocks noChangeArrowheads="1"/>
+          </p:cNvSpPr>
+          <p:nvPr/>
+        </p:nvSpPr>
+        <p:spPr bwMode="auto">
+          <a:xfrm>
+            <a:off x="0" y="0"/>
+            <a:ext cx="12192000" cy="0"/>
+          </a:xfrm>
+          <a:prstGeom prst="rect">
+            <a:avLst/>
+          </a:prstGeom>
+          <a:noFill/>
+          <a:ln>
+            <a:noFill/>
+          </a:ln>
+          <a:effectLst/>
+          <a:extLst>
+            <a:ext uri="{909E8E84-426E-40DD-AFC4-6F175D3DCCD1}">
+              <a14:hiddenFill xmlns:a14="http://schemas.microsoft.com/office/drawing/2010/main">
+                <a:solidFill>
+                  <a:schemeClr val="accent1"/>
+                </a:solidFill>
+              </a14:hiddenFill>
+            </a:ext>
+            <a:ext uri="{91240B29-F687-4F45-9708-019B960494DF}">
+              <a14:hiddenLine xmlns:a14="http://schemas.microsoft.com/office/drawing/2010/main" w="9525">
+                <a:solidFill>
+                  <a:schemeClr val="tx1"/>
+                </a:solidFill>
+                <a:miter lim="800000"/>
+                <a:headEnd/>
+                <a:tailEnd/>
+              </a14:hiddenLine>
+            </a:ext>
+            <a:ext uri="{AF507438-7753-43E0-B8FC-AC1667EBCBE1}">
+              <a14:hiddenEffects xmlns:a14="http://schemas.microsoft.com/office/drawing/2010/main">
+                <a:effectLst>
+                  <a:outerShdw dist="35921" dir="2700000" algn="ctr" rotWithShape="0">
+                    <a:schemeClr val="bg2"/>
+                  </a:outerShdw>
+                </a:effectLst>
+              </a14:hiddenEffects>
+            </a:ext>
+          </a:extLst>
+        </p:spPr>
+        <p:txBody>
+          <a:bodyPr vert="horz" wrap="none" lIns="91440" tIns="45720" rIns="91440" bIns="45720" numCol="1" anchor="ctr" anchorCtr="0" compatLnSpc="1">
+            <a:prstTxWarp prst="textNoShape">
+              <a:avLst/>
+            </a:prstTxWarp>
+            <a:spAutoFit/>
+          </a:bodyPr>
+          <a:lstStyle/>
+          <a:p>
+            <a:pPr marL="0" marR="0" lvl="0" indent="0" algn="ctr" defTabSz="914400" rtl="0" eaLnBrk="0" fontAlgn="base" latinLnBrk="0" hangingPunct="0">
+              <a:lnSpc>
+                <a:spcPct val="100000"/>
+              </a:lnSpc>
+              <a:spcBef>
+                <a:spcPct val="0"/>
+              </a:spcBef>
+              <a:spcAft>
+                <a:spcPct val="0"/>
+              </a:spcAft>
+              <a:buClrTx/>
+              <a:buSzTx/>
+              <a:buFontTx/>
+              <a:buNone/>
+              <a:tabLst/>
+            </a:pPr>
+            <a:r>
+              <a:rPr kumimoji="0" lang="en-US" altLang="en-US" sz="500" b="0" i="1" u="none" strike="noStrike" cap="none" normalizeH="0" baseline="0">
+                <a:ln>
+                  <a:noFill/>
+                </a:ln>
+                <a:solidFill>
+                  <a:schemeClr val="tx1"/>
+                </a:solidFill>
+                <a:effectLst/>
+                <a:latin typeface="Arial" panose="020B0604020202020204" pitchFamily="34" charset="0"/>
+                <a:ea typeface="MathJax_Math"/>
+              </a:rPr>
+              <a:t>GiniIndex</a:t>
+            </a:r>
+            <a:r>
+              <a:rPr kumimoji="0" lang="en-US" altLang="en-US" sz="500" b="0" i="0" u="none" strike="noStrike" cap="none" normalizeH="0" baseline="0">
+                <a:ln>
+                  <a:noFill/>
+                </a:ln>
+                <a:solidFill>
+                  <a:schemeClr val="tx1"/>
+                </a:solidFill>
+                <a:effectLst/>
+                <a:latin typeface="Arial" panose="020B0604020202020204" pitchFamily="34" charset="0"/>
+                <a:ea typeface="MathJax_Main"/>
+              </a:rPr>
+              <a:t>=1–</a:t>
+            </a:r>
+            <a:r>
+              <a:rPr kumimoji="0" lang="en-US" altLang="en-US" sz="500" b="0" i="0" u="none" strike="noStrike" cap="none" normalizeH="0" baseline="0">
+                <a:ln>
+                  <a:noFill/>
+                </a:ln>
+                <a:solidFill>
+                  <a:schemeClr val="tx1"/>
+                </a:solidFill>
+                <a:effectLst/>
+                <a:latin typeface="Arial" panose="020B0604020202020204" pitchFamily="34" charset="0"/>
+                <a:ea typeface="MathJax_Size2"/>
+              </a:rPr>
+              <a:t>∑</a:t>
+            </a:r>
+            <a:r>
+              <a:rPr kumimoji="0" lang="en-US" altLang="en-US" sz="400" b="0" i="1" u="none" strike="noStrike" cap="none" normalizeH="0" baseline="0">
+                <a:ln>
+                  <a:noFill/>
+                </a:ln>
+                <a:solidFill>
+                  <a:schemeClr val="tx1"/>
+                </a:solidFill>
+                <a:effectLst/>
+                <a:latin typeface="Arial" panose="020B0604020202020204" pitchFamily="34" charset="0"/>
+                <a:ea typeface="MathJax_Math"/>
+              </a:rPr>
+              <a:t>j</a:t>
+            </a:r>
+            <a:r>
+              <a:rPr kumimoji="0" lang="en-US" altLang="en-US" sz="500" b="0" i="1" u="none" strike="noStrike" cap="none" normalizeH="0" baseline="0">
+                <a:ln>
+                  <a:noFill/>
+                </a:ln>
+                <a:solidFill>
+                  <a:schemeClr val="tx1"/>
+                </a:solidFill>
+                <a:effectLst/>
+                <a:latin typeface="Arial" panose="020B0604020202020204" pitchFamily="34" charset="0"/>
+                <a:ea typeface="MathJax_Math"/>
+              </a:rPr>
+              <a:t>p</a:t>
+            </a:r>
+            <a:r>
+              <a:rPr kumimoji="0" lang="en-US" altLang="en-US" sz="400" b="0" i="0" u="none" strike="noStrike" cap="none" normalizeH="0" baseline="0">
+                <a:ln>
+                  <a:noFill/>
+                </a:ln>
+                <a:solidFill>
+                  <a:schemeClr val="tx1"/>
+                </a:solidFill>
+                <a:effectLst/>
+                <a:latin typeface="Arial" panose="020B0604020202020204" pitchFamily="34" charset="0"/>
+                <a:ea typeface="MathJax_Main"/>
+              </a:rPr>
+              <a:t>2</a:t>
+            </a:r>
+            <a:r>
+              <a:rPr kumimoji="0" lang="en-US" altLang="en-US" sz="400" b="0" i="1" u="none" strike="noStrike" cap="none" normalizeH="0" baseline="0">
+                <a:ln>
+                  <a:noFill/>
+                </a:ln>
+                <a:solidFill>
+                  <a:schemeClr val="tx1"/>
+                </a:solidFill>
+                <a:effectLst/>
+                <a:latin typeface="Arial" panose="020B0604020202020204" pitchFamily="34" charset="0"/>
+                <a:ea typeface="MathJax_Math"/>
+              </a:rPr>
+              <a:t>j</a:t>
+            </a:r>
+            <a:r>
+              <a:rPr kumimoji="0" lang="en-US" altLang="en-US" sz="400" b="0" i="0" u="none" strike="noStrike" cap="none" normalizeH="0" baseline="0">
+                <a:ln>
+                  <a:noFill/>
+                </a:ln>
+                <a:solidFill>
+                  <a:schemeClr val="tx1"/>
+                </a:solidFill>
+                <a:effectLst/>
+                <a:latin typeface="Arial" panose="020B0604020202020204" pitchFamily="34" charset="0"/>
+              </a:rPr>
+              <a:t> </a:t>
+            </a:r>
+            <a:endParaRPr kumimoji="0" lang="en-US" altLang="en-US" sz="1800" b="0" i="0" u="none" strike="noStrike" cap="none" normalizeH="0" baseline="0">
+              <a:ln>
+                <a:noFill/>
+              </a:ln>
+              <a:solidFill>
+                <a:schemeClr val="tx1"/>
+              </a:solidFill>
+              <a:effectLst/>
+              <a:latin typeface="Arial" panose="020B0604020202020204" pitchFamily="34" charset="0"/>
+            </a:endParaRPr>
+          </a:p>
+        </p:txBody>
+      </p:sp>
       <p:pic>
         <p:nvPicPr>
-          <p:cNvPr id="13" name="Picture 12">
-            <a:extLst>
-              <a:ext uri="{FF2B5EF4-FFF2-40B4-BE49-F238E27FC236}">
-                <a16:creationId xmlns:a16="http://schemas.microsoft.com/office/drawing/2014/main" id="{565CE250-E01A-1117-52FD-10427A9DADC6}"/>
+          <p:cNvPr id="10" name="Picture 9">
+            <a:extLst>
+              <a:ext uri="{FF2B5EF4-FFF2-40B4-BE49-F238E27FC236}">
+                <a16:creationId xmlns:a16="http://schemas.microsoft.com/office/drawing/2014/main" id="{11F625BE-5E47-18FB-2294-EA7B6C58205A}"/>
               </a:ext>
             </a:extLst>
           </p:cNvPr>
@@ -16172,8 +17189,38 @@
         </p:blipFill>
         <p:spPr>
           <a:xfrm>
-            <a:off x="310393" y="1119673"/>
-            <a:ext cx="6974071" cy="4974463"/>
+            <a:off x="5780789" y="1586124"/>
+            <a:ext cx="4948261" cy="3503194"/>
+          </a:xfrm>
+          <a:prstGeom prst="rect">
+            <a:avLst/>
+          </a:prstGeom>
+        </p:spPr>
+      </p:pic>
+      <p:pic>
+        <p:nvPicPr>
+          <p:cNvPr id="13" name="Picture 12">
+            <a:extLst>
+              <a:ext uri="{FF2B5EF4-FFF2-40B4-BE49-F238E27FC236}">
+                <a16:creationId xmlns:a16="http://schemas.microsoft.com/office/drawing/2014/main" id="{12073DFC-E42D-C9B4-15A8-08D8E3E8F6C1}"/>
+              </a:ext>
+            </a:extLst>
+          </p:cNvPr>
+          <p:cNvPicPr>
+            <a:picLocks noChangeAspect="1"/>
+          </p:cNvPicPr>
+          <p:nvPr/>
+        </p:nvPicPr>
+        <p:blipFill>
+          <a:blip r:embed="rId3"/>
+          <a:stretch>
+            <a:fillRect/>
+          </a:stretch>
+        </p:blipFill>
+        <p:spPr>
+          <a:xfrm>
+            <a:off x="1305787" y="1465715"/>
+            <a:ext cx="3680222" cy="3623603"/>
           </a:xfrm>
           <a:prstGeom prst="rect">
             <a:avLst/>
@@ -16183,7 +17230,7 @@
     </p:spTree>
     <p:extLst>
       <p:ext uri="{BB962C8B-B14F-4D97-AF65-F5344CB8AC3E}">
-        <p14:creationId xmlns:p14="http://schemas.microsoft.com/office/powerpoint/2010/main" val="2281645614"/>
+        <p14:creationId xmlns:p14="http://schemas.microsoft.com/office/powerpoint/2010/main" val="3969687879"/>
       </p:ext>
     </p:extLst>
   </p:cSld>
@@ -16690,6 +17737,15 @@
 </file>
 
 <file path=customXml/item1.xml><?xml version="1.0" encoding="utf-8"?>
+<?mso-contentType ?>
+<FormTemplates xmlns="http://schemas.microsoft.com/sharepoint/v3/contenttype/forms">
+  <Display>DocumentLibraryForm</Display>
+  <Edit>DocumentLibraryForm</Edit>
+  <New>DocumentLibraryForm</New>
+</FormTemplates>
+</file>
+
+<file path=customXml/item2.xml><?xml version="1.0" encoding="utf-8"?>
 <ct:contentTypeSchema xmlns:ct="http://schemas.microsoft.com/office/2006/metadata/contentType" xmlns:ma="http://schemas.microsoft.com/office/2006/metadata/properties/metaAttributes" ct:_="" ma:_="" ma:contentTypeName="Document" ma:contentTypeID="0x01010079F111ED35F8CC479449609E8A0923A6" ma:contentTypeVersion="21" ma:contentTypeDescription="Create a new document." ma:contentTypeScope="" ma:versionID="64dfb1555687e0874b4304b796b5b0c7">
   <xsd:schema xmlns:xsd="http://www.w3.org/2001/XMLSchema" xmlns:xs="http://www.w3.org/2001/XMLSchema" xmlns:p="http://schemas.microsoft.com/office/2006/metadata/properties" xmlns:ns1="http://schemas.microsoft.com/sharepoint/v3" xmlns:ns2="71af3243-3dd4-4a8d-8c0d-dd76da1f02a5" xmlns:ns3="16c05727-aa75-4e4a-9b5f-8a80a1165891" xmlns:ns4="230e9df3-be65-4c73-a93b-d1236ebd677e" targetNamespace="http://schemas.microsoft.com/office/2006/metadata/properties" ma:root="true" ma:fieldsID="e6e4c555b5e194d05b7203de9c4567b3" ns1:_="" ns2:_="" ns3:_="" ns4:_="">
     <xsd:import namespace="http://schemas.microsoft.com/sharepoint/v3"/>
@@ -16971,7 +18027,7 @@
 </ct:contentTypeSchema>
 </file>
 
-<file path=customXml/item2.xml><?xml version="1.0" encoding="utf-8"?>
+<file path=customXml/item3.xml><?xml version="1.0" encoding="utf-8"?>
 <p:properties xmlns:p="http://schemas.microsoft.com/office/2006/metadata/properties" xmlns:xsi="http://www.w3.org/2001/XMLSchema-instance" xmlns:pc="http://schemas.microsoft.com/office/infopath/2007/PartnerControls">
   <documentManagement>
     <_ip_UnifiedCompliancePolicyUIAction xmlns="http://schemas.microsoft.com/sharepoint/v3" xsi:nil="true"/>
@@ -16990,16 +18046,15 @@
 </p:properties>
 </file>
 
-<file path=customXml/item3.xml><?xml version="1.0" encoding="utf-8"?>
-<?mso-contentType ?>
-<FormTemplates xmlns="http://schemas.microsoft.com/sharepoint/v3/contenttype/forms">
-  <Display>DocumentLibraryForm</Display>
-  <Edit>DocumentLibraryForm</Edit>
-  <New>DocumentLibraryForm</New>
-</FormTemplates>
+<file path=customXml/itemProps1.xml><?xml version="1.0" encoding="utf-8"?>
+<ds:datastoreItem xmlns:ds="http://schemas.openxmlformats.org/officeDocument/2006/customXml" ds:itemID="{85334180-0405-413B-834A-44FA9E05ADB7}">
+  <ds:schemaRefs>
+    <ds:schemaRef ds:uri="http://schemas.microsoft.com/sharepoint/v3/contenttype/forms"/>
+  </ds:schemaRefs>
+</ds:datastoreItem>
 </file>
 
-<file path=customXml/itemProps1.xml><?xml version="1.0" encoding="utf-8"?>
+<file path=customXml/itemProps2.xml><?xml version="1.0" encoding="utf-8"?>
 <ds:datastoreItem xmlns:ds="http://schemas.openxmlformats.org/officeDocument/2006/customXml" ds:itemID="{4A615295-94F6-4CE2-A1B1-6B7E1DAA5AD6}">
   <ds:schemaRefs>
     <ds:schemaRef ds:uri="http://schemas.microsoft.com/office/2006/metadata/contentType"/>
@@ -17020,7 +18075,7 @@
 </ds:datastoreItem>
 </file>
 
-<file path=customXml/itemProps2.xml><?xml version="1.0" encoding="utf-8"?>
+<file path=customXml/itemProps3.xml><?xml version="1.0" encoding="utf-8"?>
 <ds:datastoreItem xmlns:ds="http://schemas.openxmlformats.org/officeDocument/2006/customXml" ds:itemID="{4D5BAB77-79E1-4739-AA51-10C9079186D6}">
   <ds:schemaRefs>
     <ds:schemaRef ds:uri="http://schemas.microsoft.com/office/2006/metadata/properties"/>
@@ -17032,14 +18087,6 @@
 </ds:datastoreItem>
 </file>
 
-<file path=customXml/itemProps3.xml><?xml version="1.0" encoding="utf-8"?>
-<ds:datastoreItem xmlns:ds="http://schemas.openxmlformats.org/officeDocument/2006/customXml" ds:itemID="{85334180-0405-413B-834A-44FA9E05ADB7}">
-  <ds:schemaRefs>
-    <ds:schemaRef ds:uri="http://schemas.microsoft.com/sharepoint/v3/contenttype/forms"/>
-  </ds:schemaRefs>
-</ds:datastoreItem>
-</file>
-
 <file path=docMetadata/LabelInfo.xml><?xml version="1.0" encoding="utf-8"?>
 <clbl:labelList xmlns:clbl="http://schemas.microsoft.com/office/2020/mipLabelMetadata">
   <clbl:label id="{f42aa342-8706-4288-bd11-ebb85995028c}" enabled="1" method="Standard" siteId="{72f988bf-86f1-41af-91ab-2d7cd011db47}" removed="0"/>
